--- a/3. HTML/프레젠테이션1.pptx
+++ b/3. HTML/프레젠테이션1.pptx
@@ -8,6 +8,8 @@
     <p:sldId id="256" r:id="rId2"/>
     <p:sldId id="257" r:id="rId3"/>
     <p:sldId id="258" r:id="rId4"/>
+    <p:sldId id="259" r:id="rId5"/>
+    <p:sldId id="260" r:id="rId6"/>
   </p:sldIdLst>
   <p:sldSz cx="12192000" cy="6858000"/>
   <p:notesSz cx="6858000" cy="9144000"/>
@@ -106,6 +108,11 @@
       </a:defRPr>
     </a:lvl9pPr>
   </p:defaultTextStyle>
+  <p:extLst>
+    <p:ext uri="{EFAFB233-063F-42B5-8137-9DF3F51BA10A}">
+      <p15:sldGuideLst xmlns:p15="http://schemas.microsoft.com/office/powerpoint/2012/main"/>
+    </p:ext>
+  </p:extLst>
 </p:presentation>
 </file>
 
@@ -240,7 +247,7 @@
           <a:p>
             <a:fld id="{AF6A8A15-839E-47EF-8CE3-3F101DCA030F}" type="datetimeFigureOut">
               <a:rPr lang="ko-KR" altLang="en-US" smtClean="0"/>
-              <a:t>2020-01-17</a:t>
+              <a:t>2020-01-28</a:t>
             </a:fld>
             <a:endParaRPr lang="ko-KR" altLang="en-US"/>
           </a:p>
@@ -410,7 +417,7 @@
           <a:p>
             <a:fld id="{AF6A8A15-839E-47EF-8CE3-3F101DCA030F}" type="datetimeFigureOut">
               <a:rPr lang="ko-KR" altLang="en-US" smtClean="0"/>
-              <a:t>2020-01-17</a:t>
+              <a:t>2020-01-28</a:t>
             </a:fld>
             <a:endParaRPr lang="ko-KR" altLang="en-US"/>
           </a:p>
@@ -590,7 +597,7 @@
           <a:p>
             <a:fld id="{AF6A8A15-839E-47EF-8CE3-3F101DCA030F}" type="datetimeFigureOut">
               <a:rPr lang="ko-KR" altLang="en-US" smtClean="0"/>
-              <a:t>2020-01-17</a:t>
+              <a:t>2020-01-28</a:t>
             </a:fld>
             <a:endParaRPr lang="ko-KR" altLang="en-US"/>
           </a:p>
@@ -760,7 +767,7 @@
           <a:p>
             <a:fld id="{AF6A8A15-839E-47EF-8CE3-3F101DCA030F}" type="datetimeFigureOut">
               <a:rPr lang="ko-KR" altLang="en-US" smtClean="0"/>
-              <a:t>2020-01-17</a:t>
+              <a:t>2020-01-28</a:t>
             </a:fld>
             <a:endParaRPr lang="ko-KR" altLang="en-US"/>
           </a:p>
@@ -1006,7 +1013,7 @@
           <a:p>
             <a:fld id="{AF6A8A15-839E-47EF-8CE3-3F101DCA030F}" type="datetimeFigureOut">
               <a:rPr lang="ko-KR" altLang="en-US" smtClean="0"/>
-              <a:t>2020-01-17</a:t>
+              <a:t>2020-01-28</a:t>
             </a:fld>
             <a:endParaRPr lang="ko-KR" altLang="en-US"/>
           </a:p>
@@ -1238,7 +1245,7 @@
           <a:p>
             <a:fld id="{AF6A8A15-839E-47EF-8CE3-3F101DCA030F}" type="datetimeFigureOut">
               <a:rPr lang="ko-KR" altLang="en-US" smtClean="0"/>
-              <a:t>2020-01-17</a:t>
+              <a:t>2020-01-28</a:t>
             </a:fld>
             <a:endParaRPr lang="ko-KR" altLang="en-US"/>
           </a:p>
@@ -1605,7 +1612,7 @@
           <a:p>
             <a:fld id="{AF6A8A15-839E-47EF-8CE3-3F101DCA030F}" type="datetimeFigureOut">
               <a:rPr lang="ko-KR" altLang="en-US" smtClean="0"/>
-              <a:t>2020-01-17</a:t>
+              <a:t>2020-01-28</a:t>
             </a:fld>
             <a:endParaRPr lang="ko-KR" altLang="en-US"/>
           </a:p>
@@ -1723,7 +1730,7 @@
           <a:p>
             <a:fld id="{AF6A8A15-839E-47EF-8CE3-3F101DCA030F}" type="datetimeFigureOut">
               <a:rPr lang="ko-KR" altLang="en-US" smtClean="0"/>
-              <a:t>2020-01-17</a:t>
+              <a:t>2020-01-28</a:t>
             </a:fld>
             <a:endParaRPr lang="ko-KR" altLang="en-US"/>
           </a:p>
@@ -1818,7 +1825,7 @@
           <a:p>
             <a:fld id="{AF6A8A15-839E-47EF-8CE3-3F101DCA030F}" type="datetimeFigureOut">
               <a:rPr lang="ko-KR" altLang="en-US" smtClean="0"/>
-              <a:t>2020-01-17</a:t>
+              <a:t>2020-01-28</a:t>
             </a:fld>
             <a:endParaRPr lang="ko-KR" altLang="en-US"/>
           </a:p>
@@ -2095,7 +2102,7 @@
           <a:p>
             <a:fld id="{AF6A8A15-839E-47EF-8CE3-3F101DCA030F}" type="datetimeFigureOut">
               <a:rPr lang="ko-KR" altLang="en-US" smtClean="0"/>
-              <a:t>2020-01-17</a:t>
+              <a:t>2020-01-28</a:t>
             </a:fld>
             <a:endParaRPr lang="ko-KR" altLang="en-US"/>
           </a:p>
@@ -2348,7 +2355,7 @@
           <a:p>
             <a:fld id="{AF6A8A15-839E-47EF-8CE3-3F101DCA030F}" type="datetimeFigureOut">
               <a:rPr lang="ko-KR" altLang="en-US" smtClean="0"/>
-              <a:t>2020-01-17</a:t>
+              <a:t>2020-01-28</a:t>
             </a:fld>
             <a:endParaRPr lang="ko-KR" altLang="en-US"/>
           </a:p>
@@ -2561,7 +2568,7 @@
           <a:p>
             <a:fld id="{AF6A8A15-839E-47EF-8CE3-3F101DCA030F}" type="datetimeFigureOut">
               <a:rPr lang="ko-KR" altLang="en-US" smtClean="0"/>
-              <a:t>2020-01-17</a:t>
+              <a:t>2020-01-28</a:t>
             </a:fld>
             <a:endParaRPr lang="ko-KR" altLang="en-US"/>
           </a:p>
@@ -5244,6 +5251,1722 @@
 </p:sld>
 </file>
 
+<file path=ppt/slides/slide4.xml><?xml version="1.0" encoding="utf-8"?>
+<p:sld xmlns:a="http://schemas.openxmlformats.org/drawingml/2006/main" xmlns:r="http://schemas.openxmlformats.org/officeDocument/2006/relationships" xmlns:p="http://schemas.openxmlformats.org/presentationml/2006/main">
+  <p:cSld>
+    <p:spTree>
+      <p:nvGrpSpPr>
+        <p:cNvPr id="1" name=""/>
+        <p:cNvGrpSpPr/>
+        <p:nvPr/>
+      </p:nvGrpSpPr>
+      <p:grpSpPr>
+        <a:xfrm>
+          <a:off x="0" y="0"/>
+          <a:ext cx="0" cy="0"/>
+          <a:chOff x="0" y="0"/>
+          <a:chExt cx="0" cy="0"/>
+        </a:xfrm>
+      </p:grpSpPr>
+      <p:sp>
+        <p:nvSpPr>
+          <p:cNvPr id="15" name="직사각형 14"/>
+          <p:cNvSpPr/>
+          <p:nvPr/>
+        </p:nvSpPr>
+        <p:spPr>
+          <a:xfrm>
+            <a:off x="223392" y="867428"/>
+            <a:ext cx="3229626" cy="1390389"/>
+          </a:xfrm>
+          <a:prstGeom prst="rect">
+            <a:avLst/>
+          </a:prstGeom>
+          <a:noFill/>
+        </p:spPr>
+        <p:style>
+          <a:lnRef idx="2">
+            <a:schemeClr val="accent1">
+              <a:shade val="50000"/>
+            </a:schemeClr>
+          </a:lnRef>
+          <a:fillRef idx="1">
+            <a:schemeClr val="accent1"/>
+          </a:fillRef>
+          <a:effectRef idx="0">
+            <a:schemeClr val="accent1"/>
+          </a:effectRef>
+          <a:fontRef idx="minor">
+            <a:schemeClr val="lt1"/>
+          </a:fontRef>
+        </p:style>
+        <p:txBody>
+          <a:bodyPr rtlCol="0" anchor="ctr"/>
+          <a:lstStyle/>
+          <a:p>
+            <a:pPr algn="ctr"/>
+            <a:r>
+              <a:rPr lang="ko-KR" altLang="en-US" sz="2000" b="1" dirty="0" smtClean="0">
+                <a:solidFill>
+                  <a:schemeClr val="tx1"/>
+                </a:solidFill>
+              </a:rPr>
+              <a:t>프런트 </a:t>
+            </a:r>
+            <a:r>
+              <a:rPr lang="ko-KR" altLang="en-US" sz="2000" b="1" dirty="0" err="1" smtClean="0">
+                <a:solidFill>
+                  <a:schemeClr val="tx1"/>
+                </a:solidFill>
+              </a:rPr>
+              <a:t>서블릿</a:t>
+            </a:r>
+            <a:endParaRPr lang="en-US" altLang="ko-KR" sz="2000" b="1" dirty="0">
+              <a:solidFill>
+                <a:schemeClr val="tx1"/>
+              </a:solidFill>
+            </a:endParaRPr>
+          </a:p>
+          <a:p>
+            <a:pPr marL="342900" indent="-342900">
+              <a:buAutoNum type="arabicPeriod"/>
+            </a:pPr>
+            <a:r>
+              <a:rPr lang="ko-KR" altLang="en-US" dirty="0" smtClean="0">
+                <a:solidFill>
+                  <a:schemeClr val="tx1"/>
+                </a:solidFill>
+              </a:rPr>
+              <a:t>클라이언트</a:t>
+            </a:r>
+            <a:r>
+              <a:rPr lang="en-US" altLang="ko-KR" dirty="0">
+                <a:solidFill>
+                  <a:schemeClr val="tx1"/>
+                </a:solidFill>
+              </a:rPr>
+              <a:t> </a:t>
+            </a:r>
+            <a:r>
+              <a:rPr lang="ko-KR" altLang="en-US" dirty="0" smtClean="0">
+                <a:solidFill>
+                  <a:schemeClr val="tx1"/>
+                </a:solidFill>
+              </a:rPr>
+              <a:t>요청정보 추출</a:t>
+            </a:r>
+            <a:endParaRPr lang="en-US" altLang="ko-KR" dirty="0" smtClean="0">
+              <a:solidFill>
+                <a:schemeClr val="tx1"/>
+              </a:solidFill>
+            </a:endParaRPr>
+          </a:p>
+          <a:p>
+            <a:pPr marL="342900" indent="-342900">
+              <a:buAutoNum type="arabicPeriod"/>
+            </a:pPr>
+            <a:r>
+              <a:rPr lang="ko-KR" altLang="en-US" dirty="0" smtClean="0">
+                <a:solidFill>
+                  <a:schemeClr val="tx1"/>
+                </a:solidFill>
+              </a:rPr>
+              <a:t>비즈니스 </a:t>
+            </a:r>
+            <a:r>
+              <a:rPr lang="ko-KR" altLang="en-US" dirty="0" err="1" smtClean="0">
+                <a:solidFill>
+                  <a:schemeClr val="tx1"/>
+                </a:solidFill>
+              </a:rPr>
+              <a:t>메소드</a:t>
+            </a:r>
+            <a:r>
+              <a:rPr lang="ko-KR" altLang="en-US" dirty="0" smtClean="0">
+                <a:solidFill>
+                  <a:schemeClr val="tx1"/>
+                </a:solidFill>
+              </a:rPr>
+              <a:t> </a:t>
+            </a:r>
+            <a:r>
+              <a:rPr lang="ko-KR" altLang="en-US" dirty="0" smtClean="0">
+                <a:solidFill>
+                  <a:schemeClr val="tx1"/>
+                </a:solidFill>
+              </a:rPr>
+              <a:t>호출</a:t>
+            </a:r>
+            <a:endParaRPr lang="en-US" altLang="ko-KR" dirty="0" smtClean="0">
+              <a:solidFill>
+                <a:schemeClr val="tx1"/>
+              </a:solidFill>
+            </a:endParaRPr>
+          </a:p>
+          <a:p>
+            <a:pPr marL="342900" indent="-342900">
+              <a:buAutoNum type="arabicPeriod"/>
+            </a:pPr>
+            <a:r>
+              <a:rPr lang="ko-KR" altLang="en-US" dirty="0" smtClean="0">
+                <a:solidFill>
+                  <a:schemeClr val="tx1"/>
+                </a:solidFill>
+              </a:rPr>
+              <a:t>데이터 공유</a:t>
+            </a:r>
+            <a:endParaRPr lang="en-US" altLang="ko-KR" dirty="0" smtClean="0">
+              <a:solidFill>
+                <a:schemeClr val="tx1"/>
+              </a:solidFill>
+            </a:endParaRPr>
+          </a:p>
+        </p:txBody>
+      </p:sp>
+      <p:sp>
+        <p:nvSpPr>
+          <p:cNvPr id="16" name="직사각형 15"/>
+          <p:cNvSpPr/>
+          <p:nvPr/>
+        </p:nvSpPr>
+        <p:spPr>
+          <a:xfrm>
+            <a:off x="5040692" y="867428"/>
+            <a:ext cx="2251549" cy="1390389"/>
+          </a:xfrm>
+          <a:prstGeom prst="rect">
+            <a:avLst/>
+          </a:prstGeom>
+          <a:noFill/>
+        </p:spPr>
+        <p:style>
+          <a:lnRef idx="2">
+            <a:schemeClr val="accent1">
+              <a:shade val="50000"/>
+            </a:schemeClr>
+          </a:lnRef>
+          <a:fillRef idx="1">
+            <a:schemeClr val="accent1"/>
+          </a:fillRef>
+          <a:effectRef idx="0">
+            <a:schemeClr val="accent1"/>
+          </a:effectRef>
+          <a:fontRef idx="minor">
+            <a:schemeClr val="lt1"/>
+          </a:fontRef>
+        </p:style>
+        <p:txBody>
+          <a:bodyPr rtlCol="0" anchor="ctr"/>
+          <a:lstStyle/>
+          <a:p>
+            <a:pPr algn="ctr"/>
+            <a:r>
+              <a:rPr lang="en-US" altLang="ko-KR" sz="2000" b="1" dirty="0" err="1" smtClean="0">
+                <a:solidFill>
+                  <a:schemeClr val="tx1"/>
+                </a:solidFill>
+              </a:rPr>
+              <a:t>RequestMapping</a:t>
+            </a:r>
+            <a:endParaRPr lang="en-US" altLang="ko-KR" sz="2000" b="1" dirty="0" smtClean="0">
+              <a:solidFill>
+                <a:schemeClr val="tx1"/>
+              </a:solidFill>
+            </a:endParaRPr>
+          </a:p>
+          <a:p>
+            <a:pPr marL="342900" lvl="0" indent="-342900">
+              <a:buFontTx/>
+              <a:buAutoNum type="arabicPeriod"/>
+            </a:pPr>
+            <a:r>
+              <a:rPr lang="ko-KR" altLang="en-US" dirty="0" smtClean="0">
+                <a:solidFill>
+                  <a:prstClr val="black"/>
+                </a:solidFill>
+              </a:rPr>
+              <a:t>분류 </a:t>
+            </a:r>
+            <a:r>
+              <a:rPr lang="en-US" altLang="ko-KR" dirty="0" smtClean="0">
+                <a:solidFill>
+                  <a:prstClr val="black"/>
+                </a:solidFill>
+              </a:rPr>
+              <a:t>&amp; </a:t>
+            </a:r>
+            <a:r>
+              <a:rPr lang="ko-KR" altLang="en-US" dirty="0" err="1" smtClean="0">
+                <a:solidFill>
+                  <a:prstClr val="black"/>
+                </a:solidFill>
+              </a:rPr>
+              <a:t>메소드</a:t>
+            </a:r>
+            <a:r>
+              <a:rPr lang="ko-KR" altLang="en-US" dirty="0" smtClean="0">
+                <a:solidFill>
+                  <a:prstClr val="black"/>
+                </a:solidFill>
+              </a:rPr>
+              <a:t> 실행</a:t>
+            </a:r>
+            <a:endParaRPr lang="en-US" altLang="ko-KR" sz="2000" b="1" dirty="0">
+              <a:solidFill>
+                <a:schemeClr val="tx1"/>
+              </a:solidFill>
+            </a:endParaRPr>
+          </a:p>
+        </p:txBody>
+      </p:sp>
+      <p:sp>
+        <p:nvSpPr>
+          <p:cNvPr id="27" name="오른쪽 화살표 26"/>
+          <p:cNvSpPr/>
+          <p:nvPr/>
+        </p:nvSpPr>
+        <p:spPr>
+          <a:xfrm>
+            <a:off x="3814707" y="1057410"/>
+            <a:ext cx="864296" cy="409185"/>
+          </a:xfrm>
+          <a:prstGeom prst="rightArrow">
+            <a:avLst/>
+          </a:prstGeom>
+        </p:spPr>
+        <p:style>
+          <a:lnRef idx="2">
+            <a:schemeClr val="accent1">
+              <a:shade val="50000"/>
+            </a:schemeClr>
+          </a:lnRef>
+          <a:fillRef idx="1">
+            <a:schemeClr val="accent1"/>
+          </a:fillRef>
+          <a:effectRef idx="0">
+            <a:schemeClr val="accent1"/>
+          </a:effectRef>
+          <a:fontRef idx="minor">
+            <a:schemeClr val="lt1"/>
+          </a:fontRef>
+        </p:style>
+        <p:txBody>
+          <a:bodyPr rtlCol="0" anchor="ctr"/>
+          <a:lstStyle/>
+          <a:p>
+            <a:pPr algn="ctr"/>
+            <a:endParaRPr lang="ko-KR" altLang="en-US"/>
+          </a:p>
+        </p:txBody>
+      </p:sp>
+      <p:sp>
+        <p:nvSpPr>
+          <p:cNvPr id="28" name="오른쪽 화살표 27"/>
+          <p:cNvSpPr/>
+          <p:nvPr/>
+        </p:nvSpPr>
+        <p:spPr>
+          <a:xfrm rot="10800000">
+            <a:off x="3814707" y="1536529"/>
+            <a:ext cx="864296" cy="409185"/>
+          </a:xfrm>
+          <a:prstGeom prst="rightArrow">
+            <a:avLst/>
+          </a:prstGeom>
+        </p:spPr>
+        <p:style>
+          <a:lnRef idx="2">
+            <a:schemeClr val="accent1">
+              <a:shade val="50000"/>
+            </a:schemeClr>
+          </a:lnRef>
+          <a:fillRef idx="1">
+            <a:schemeClr val="accent1"/>
+          </a:fillRef>
+          <a:effectRef idx="0">
+            <a:schemeClr val="accent1"/>
+          </a:effectRef>
+          <a:fontRef idx="minor">
+            <a:schemeClr val="lt1"/>
+          </a:fontRef>
+        </p:style>
+        <p:txBody>
+          <a:bodyPr rtlCol="0" anchor="ctr"/>
+          <a:lstStyle/>
+          <a:p>
+            <a:pPr algn="ctr"/>
+            <a:endParaRPr lang="ko-KR" altLang="en-US"/>
+          </a:p>
+        </p:txBody>
+      </p:sp>
+      <p:sp>
+        <p:nvSpPr>
+          <p:cNvPr id="17" name="오른쪽 화살표 16"/>
+          <p:cNvSpPr/>
+          <p:nvPr/>
+        </p:nvSpPr>
+        <p:spPr>
+          <a:xfrm rot="2980241">
+            <a:off x="3884324" y="2567271"/>
+            <a:ext cx="864296" cy="409185"/>
+          </a:xfrm>
+          <a:prstGeom prst="rightArrow">
+            <a:avLst/>
+          </a:prstGeom>
+        </p:spPr>
+        <p:style>
+          <a:lnRef idx="2">
+            <a:schemeClr val="accent1">
+              <a:shade val="50000"/>
+            </a:schemeClr>
+          </a:lnRef>
+          <a:fillRef idx="1">
+            <a:schemeClr val="accent1"/>
+          </a:fillRef>
+          <a:effectRef idx="0">
+            <a:schemeClr val="accent1"/>
+          </a:effectRef>
+          <a:fontRef idx="minor">
+            <a:schemeClr val="lt1"/>
+          </a:fontRef>
+        </p:style>
+        <p:txBody>
+          <a:bodyPr rtlCol="0" anchor="ctr"/>
+          <a:lstStyle/>
+          <a:p>
+            <a:pPr algn="ctr"/>
+            <a:endParaRPr lang="ko-KR" altLang="en-US"/>
+          </a:p>
+        </p:txBody>
+      </p:sp>
+      <p:sp>
+        <p:nvSpPr>
+          <p:cNvPr id="18" name="직사각형 17"/>
+          <p:cNvSpPr/>
+          <p:nvPr/>
+        </p:nvSpPr>
+        <p:spPr>
+          <a:xfrm>
+            <a:off x="8580329" y="841334"/>
+            <a:ext cx="3194137" cy="1390389"/>
+          </a:xfrm>
+          <a:prstGeom prst="rect">
+            <a:avLst/>
+          </a:prstGeom>
+          <a:noFill/>
+        </p:spPr>
+        <p:style>
+          <a:lnRef idx="2">
+            <a:schemeClr val="accent1">
+              <a:shade val="50000"/>
+            </a:schemeClr>
+          </a:lnRef>
+          <a:fillRef idx="1">
+            <a:schemeClr val="accent1"/>
+          </a:fillRef>
+          <a:effectRef idx="0">
+            <a:schemeClr val="accent1"/>
+          </a:effectRef>
+          <a:fontRef idx="minor">
+            <a:schemeClr val="lt1"/>
+          </a:fontRef>
+        </p:style>
+        <p:txBody>
+          <a:bodyPr rtlCol="0" anchor="ctr"/>
+          <a:lstStyle/>
+          <a:p>
+            <a:pPr algn="ctr"/>
+            <a:r>
+              <a:rPr lang="ko-KR" altLang="en-US" sz="2000" b="1" dirty="0" smtClean="0">
+                <a:solidFill>
+                  <a:schemeClr val="tx1"/>
+                </a:solidFill>
+              </a:rPr>
+              <a:t>설정파일</a:t>
+            </a:r>
+            <a:endParaRPr lang="en-US" altLang="ko-KR" sz="2000" b="1" dirty="0" smtClean="0">
+              <a:solidFill>
+                <a:schemeClr val="tx1"/>
+              </a:solidFill>
+            </a:endParaRPr>
+          </a:p>
+          <a:p>
+            <a:pPr algn="ctr"/>
+            <a:r>
+              <a:rPr lang="en-US" altLang="ko-KR" sz="2000" b="1" dirty="0" smtClean="0">
+                <a:solidFill>
+                  <a:schemeClr val="tx1"/>
+                </a:solidFill>
+              </a:rPr>
+              <a:t>(</a:t>
+            </a:r>
+            <a:r>
+              <a:rPr lang="en-US" altLang="ko-KR" sz="2000" b="1" dirty="0" err="1" smtClean="0">
+                <a:solidFill>
+                  <a:schemeClr val="tx1"/>
+                </a:solidFill>
+              </a:rPr>
+              <a:t>Mycommand.properties</a:t>
+            </a:r>
+            <a:r>
+              <a:rPr lang="en-US" altLang="ko-KR" sz="2000" b="1" dirty="0" smtClean="0">
+                <a:solidFill>
+                  <a:schemeClr val="tx1"/>
+                </a:solidFill>
+              </a:rPr>
+              <a:t>)</a:t>
+            </a:r>
+            <a:endParaRPr lang="en-US" altLang="ko-KR" sz="2000" b="1" dirty="0">
+              <a:solidFill>
+                <a:schemeClr val="tx1"/>
+              </a:solidFill>
+            </a:endParaRPr>
+          </a:p>
+        </p:txBody>
+      </p:sp>
+      <p:sp>
+        <p:nvSpPr>
+          <p:cNvPr id="21" name="직사각형 20"/>
+          <p:cNvSpPr/>
+          <p:nvPr/>
+        </p:nvSpPr>
+        <p:spPr>
+          <a:xfrm>
+            <a:off x="4396126" y="3233715"/>
+            <a:ext cx="1979630" cy="932145"/>
+          </a:xfrm>
+          <a:prstGeom prst="rect">
+            <a:avLst/>
+          </a:prstGeom>
+          <a:noFill/>
+        </p:spPr>
+        <p:style>
+          <a:lnRef idx="2">
+            <a:schemeClr val="accent1">
+              <a:shade val="50000"/>
+            </a:schemeClr>
+          </a:lnRef>
+          <a:fillRef idx="1">
+            <a:schemeClr val="accent1"/>
+          </a:fillRef>
+          <a:effectRef idx="0">
+            <a:schemeClr val="accent1"/>
+          </a:effectRef>
+          <a:fontRef idx="minor">
+            <a:schemeClr val="lt1"/>
+          </a:fontRef>
+        </p:style>
+        <p:txBody>
+          <a:bodyPr rtlCol="0" anchor="ctr"/>
+          <a:lstStyle/>
+          <a:p>
+            <a:pPr algn="ctr"/>
+            <a:r>
+              <a:rPr lang="en-US" altLang="ko-KR" sz="2000" b="1" dirty="0" smtClean="0">
+                <a:solidFill>
+                  <a:schemeClr val="tx1"/>
+                </a:solidFill>
+              </a:rPr>
+              <a:t>Action</a:t>
+            </a:r>
+          </a:p>
+        </p:txBody>
+      </p:sp>
+      <p:sp>
+        <p:nvSpPr>
+          <p:cNvPr id="23" name="직사각형 22"/>
+          <p:cNvSpPr/>
+          <p:nvPr/>
+        </p:nvSpPr>
+        <p:spPr>
+          <a:xfrm>
+            <a:off x="6044853" y="5062072"/>
+            <a:ext cx="1945716" cy="1390389"/>
+          </a:xfrm>
+          <a:prstGeom prst="rect">
+            <a:avLst/>
+          </a:prstGeom>
+          <a:noFill/>
+        </p:spPr>
+        <p:style>
+          <a:lnRef idx="2">
+            <a:schemeClr val="accent1">
+              <a:shade val="50000"/>
+            </a:schemeClr>
+          </a:lnRef>
+          <a:fillRef idx="1">
+            <a:schemeClr val="accent1"/>
+          </a:fillRef>
+          <a:effectRef idx="0">
+            <a:schemeClr val="accent1"/>
+          </a:effectRef>
+          <a:fontRef idx="minor">
+            <a:schemeClr val="lt1"/>
+          </a:fontRef>
+        </p:style>
+        <p:txBody>
+          <a:bodyPr rtlCol="0" anchor="ctr"/>
+          <a:lstStyle/>
+          <a:p>
+            <a:pPr algn="ctr"/>
+            <a:r>
+              <a:rPr lang="en-US" altLang="ko-KR" sz="2000" b="1" dirty="0" err="1" smtClean="0">
+                <a:solidFill>
+                  <a:schemeClr val="tx1"/>
+                </a:solidFill>
+              </a:rPr>
+              <a:t>MemberInsert</a:t>
+            </a:r>
+            <a:endParaRPr lang="ko-KR" altLang="en-US" sz="2000" dirty="0">
+              <a:solidFill>
+                <a:schemeClr val="tx1"/>
+              </a:solidFill>
+            </a:endParaRPr>
+          </a:p>
+        </p:txBody>
+      </p:sp>
+      <p:sp>
+        <p:nvSpPr>
+          <p:cNvPr id="24" name="직사각형 23"/>
+          <p:cNvSpPr/>
+          <p:nvPr/>
+        </p:nvSpPr>
+        <p:spPr>
+          <a:xfrm>
+            <a:off x="3071502" y="5044326"/>
+            <a:ext cx="1969190" cy="1390389"/>
+          </a:xfrm>
+          <a:prstGeom prst="rect">
+            <a:avLst/>
+          </a:prstGeom>
+          <a:noFill/>
+        </p:spPr>
+        <p:style>
+          <a:lnRef idx="2">
+            <a:schemeClr val="accent1">
+              <a:shade val="50000"/>
+            </a:schemeClr>
+          </a:lnRef>
+          <a:fillRef idx="1">
+            <a:schemeClr val="accent1"/>
+          </a:fillRef>
+          <a:effectRef idx="0">
+            <a:schemeClr val="accent1"/>
+          </a:effectRef>
+          <a:fontRef idx="minor">
+            <a:schemeClr val="lt1"/>
+          </a:fontRef>
+        </p:style>
+        <p:txBody>
+          <a:bodyPr rtlCol="0" anchor="ctr"/>
+          <a:lstStyle/>
+          <a:p>
+            <a:pPr algn="ctr"/>
+            <a:r>
+              <a:rPr lang="en-US" altLang="ko-KR" sz="2000" b="1" dirty="0" err="1" smtClean="0">
+                <a:solidFill>
+                  <a:schemeClr val="tx1"/>
+                </a:solidFill>
+              </a:rPr>
+              <a:t>ProductionList</a:t>
+            </a:r>
+            <a:endParaRPr lang="ko-KR" altLang="en-US" dirty="0">
+              <a:solidFill>
+                <a:schemeClr val="tx1"/>
+              </a:solidFill>
+            </a:endParaRPr>
+          </a:p>
+        </p:txBody>
+      </p:sp>
+      <p:sp>
+        <p:nvSpPr>
+          <p:cNvPr id="29" name="오른쪽 화살표 28"/>
+          <p:cNvSpPr/>
+          <p:nvPr/>
+        </p:nvSpPr>
+        <p:spPr>
+          <a:xfrm rot="13847179">
+            <a:off x="3452597" y="2795869"/>
+            <a:ext cx="864296" cy="409185"/>
+          </a:xfrm>
+          <a:prstGeom prst="rightArrow">
+            <a:avLst/>
+          </a:prstGeom>
+        </p:spPr>
+        <p:style>
+          <a:lnRef idx="2">
+            <a:schemeClr val="accent1">
+              <a:shade val="50000"/>
+            </a:schemeClr>
+          </a:lnRef>
+          <a:fillRef idx="1">
+            <a:schemeClr val="accent1"/>
+          </a:fillRef>
+          <a:effectRef idx="0">
+            <a:schemeClr val="accent1"/>
+          </a:effectRef>
+          <a:fontRef idx="minor">
+            <a:schemeClr val="lt1"/>
+          </a:fontRef>
+        </p:style>
+        <p:txBody>
+          <a:bodyPr rtlCol="0" anchor="ctr"/>
+          <a:lstStyle/>
+          <a:p>
+            <a:pPr algn="ctr"/>
+            <a:endParaRPr lang="ko-KR" altLang="en-US"/>
+          </a:p>
+        </p:txBody>
+      </p:sp>
+      <p:cxnSp>
+        <p:nvCxnSpPr>
+          <p:cNvPr id="4" name="직선 화살표 연결선 3"/>
+          <p:cNvCxnSpPr/>
+          <p:nvPr/>
+        </p:nvCxnSpPr>
+        <p:spPr>
+          <a:xfrm flipH="1" flipV="1">
+            <a:off x="6458545" y="4165860"/>
+            <a:ext cx="538619" cy="748429"/>
+          </a:xfrm>
+          <a:prstGeom prst="straightConnector1">
+            <a:avLst/>
+          </a:prstGeom>
+          <a:ln w="82550">
+            <a:tailEnd type="triangle"/>
+          </a:ln>
+        </p:spPr>
+        <p:style>
+          <a:lnRef idx="1">
+            <a:schemeClr val="accent1"/>
+          </a:lnRef>
+          <a:fillRef idx="0">
+            <a:schemeClr val="accent1"/>
+          </a:fillRef>
+          <a:effectRef idx="0">
+            <a:schemeClr val="accent1"/>
+          </a:effectRef>
+          <a:fontRef idx="minor">
+            <a:schemeClr val="tx1"/>
+          </a:fontRef>
+        </p:style>
+      </p:cxnSp>
+      <p:cxnSp>
+        <p:nvCxnSpPr>
+          <p:cNvPr id="30" name="직선 화살표 연결선 29"/>
+          <p:cNvCxnSpPr/>
+          <p:nvPr/>
+        </p:nvCxnSpPr>
+        <p:spPr>
+          <a:xfrm flipV="1">
+            <a:off x="3814707" y="4253105"/>
+            <a:ext cx="534459" cy="661184"/>
+          </a:xfrm>
+          <a:prstGeom prst="straightConnector1">
+            <a:avLst/>
+          </a:prstGeom>
+          <a:ln w="82550">
+            <a:tailEnd type="triangle"/>
+          </a:ln>
+        </p:spPr>
+        <p:style>
+          <a:lnRef idx="1">
+            <a:schemeClr val="accent1"/>
+          </a:lnRef>
+          <a:fillRef idx="0">
+            <a:schemeClr val="accent1"/>
+          </a:fillRef>
+          <a:effectRef idx="0">
+            <a:schemeClr val="accent1"/>
+          </a:effectRef>
+          <a:fontRef idx="minor">
+            <a:schemeClr val="tx1"/>
+          </a:fontRef>
+        </p:style>
+      </p:cxnSp>
+      <p:sp>
+        <p:nvSpPr>
+          <p:cNvPr id="7" name="TextBox 6"/>
+          <p:cNvSpPr txBox="1"/>
+          <p:nvPr/>
+        </p:nvSpPr>
+        <p:spPr>
+          <a:xfrm>
+            <a:off x="6375756" y="47220"/>
+            <a:ext cx="2654894" cy="646331"/>
+          </a:xfrm>
+          <a:prstGeom prst="rect">
+            <a:avLst/>
+          </a:prstGeom>
+          <a:noFill/>
+        </p:spPr>
+        <p:txBody>
+          <a:bodyPr wrap="none" rtlCol="0">
+            <a:spAutoFit/>
+          </a:bodyPr>
+          <a:lstStyle/>
+          <a:p>
+            <a:r>
+              <a:rPr lang="ko-KR" altLang="en-US" sz="3600" b="1" dirty="0" smtClean="0"/>
+              <a:t>여기서 분류</a:t>
+            </a:r>
+            <a:endParaRPr lang="ko-KR" altLang="en-US" sz="3600" b="1" dirty="0"/>
+          </a:p>
+        </p:txBody>
+      </p:sp>
+      <p:sp>
+        <p:nvSpPr>
+          <p:cNvPr id="31" name="TextBox 30"/>
+          <p:cNvSpPr txBox="1"/>
+          <p:nvPr/>
+        </p:nvSpPr>
+        <p:spPr>
+          <a:xfrm>
+            <a:off x="510758" y="3635597"/>
+            <a:ext cx="2193229" cy="1754326"/>
+          </a:xfrm>
+          <a:prstGeom prst="rect">
+            <a:avLst/>
+          </a:prstGeom>
+          <a:noFill/>
+        </p:spPr>
+        <p:txBody>
+          <a:bodyPr wrap="none" rtlCol="0">
+            <a:spAutoFit/>
+          </a:bodyPr>
+          <a:lstStyle/>
+          <a:p>
+            <a:r>
+              <a:rPr lang="ko-KR" altLang="en-US" sz="3600" b="1" dirty="0" smtClean="0"/>
+              <a:t>여기서 </a:t>
+            </a:r>
+            <a:endParaRPr lang="en-US" altLang="ko-KR" sz="3600" b="1" dirty="0" smtClean="0"/>
+          </a:p>
+          <a:p>
+            <a:r>
+              <a:rPr lang="ko-KR" altLang="en-US" sz="3600" b="1" dirty="0" smtClean="0"/>
+              <a:t>비즈니스</a:t>
+            </a:r>
+            <a:endParaRPr lang="en-US" altLang="ko-KR" sz="3600" b="1" dirty="0" smtClean="0"/>
+          </a:p>
+          <a:p>
+            <a:r>
+              <a:rPr lang="ko-KR" altLang="en-US" sz="3600" b="1" dirty="0" err="1" smtClean="0"/>
+              <a:t>로직</a:t>
+            </a:r>
+            <a:r>
+              <a:rPr lang="ko-KR" altLang="en-US" sz="3600" b="1" dirty="0" smtClean="0"/>
+              <a:t> 실행</a:t>
+            </a:r>
+            <a:endParaRPr lang="ko-KR" altLang="en-US" sz="3600" b="1" dirty="0"/>
+          </a:p>
+        </p:txBody>
+      </p:sp>
+      <p:sp>
+        <p:nvSpPr>
+          <p:cNvPr id="32" name="TextBox 31"/>
+          <p:cNvSpPr txBox="1"/>
+          <p:nvPr/>
+        </p:nvSpPr>
+        <p:spPr>
+          <a:xfrm>
+            <a:off x="49093" y="47219"/>
+            <a:ext cx="4463401" cy="646331"/>
+          </a:xfrm>
+          <a:prstGeom prst="rect">
+            <a:avLst/>
+          </a:prstGeom>
+          <a:noFill/>
+        </p:spPr>
+        <p:txBody>
+          <a:bodyPr wrap="none" rtlCol="0">
+            <a:spAutoFit/>
+          </a:bodyPr>
+          <a:lstStyle/>
+          <a:p>
+            <a:r>
+              <a:rPr lang="en-US" altLang="ko-KR" sz="3600" b="1" dirty="0" err="1" smtClean="0"/>
+              <a:t>FrontController</a:t>
+            </a:r>
+            <a:r>
+              <a:rPr lang="ko-KR" altLang="en-US" sz="3600" b="1" dirty="0" smtClean="0"/>
+              <a:t>패턴</a:t>
+            </a:r>
+            <a:endParaRPr lang="ko-KR" altLang="en-US" sz="3600" b="1" dirty="0"/>
+          </a:p>
+        </p:txBody>
+      </p:sp>
+    </p:spTree>
+    <p:extLst>
+      <p:ext uri="{BB962C8B-B14F-4D97-AF65-F5344CB8AC3E}">
+        <p14:creationId xmlns:p14="http://schemas.microsoft.com/office/powerpoint/2010/main" val="3548974544"/>
+      </p:ext>
+    </p:extLst>
+  </p:cSld>
+  <p:clrMapOvr>
+    <a:masterClrMapping/>
+  </p:clrMapOvr>
+</p:sld>
+</file>
+
+<file path=ppt/slides/slide5.xml><?xml version="1.0" encoding="utf-8"?>
+<p:sld xmlns:a="http://schemas.openxmlformats.org/drawingml/2006/main" xmlns:r="http://schemas.openxmlformats.org/officeDocument/2006/relationships" xmlns:p="http://schemas.openxmlformats.org/presentationml/2006/main">
+  <p:cSld>
+    <p:spTree>
+      <p:nvGrpSpPr>
+        <p:cNvPr id="1" name=""/>
+        <p:cNvGrpSpPr/>
+        <p:nvPr/>
+      </p:nvGrpSpPr>
+      <p:grpSpPr>
+        <a:xfrm>
+          <a:off x="0" y="0"/>
+          <a:ext cx="0" cy="0"/>
+          <a:chOff x="0" y="0"/>
+          <a:chExt cx="0" cy="0"/>
+        </a:xfrm>
+      </p:grpSpPr>
+      <p:sp>
+        <p:nvSpPr>
+          <p:cNvPr id="15" name="직사각형 14"/>
+          <p:cNvSpPr/>
+          <p:nvPr/>
+        </p:nvSpPr>
+        <p:spPr>
+          <a:xfrm>
+            <a:off x="223392" y="867428"/>
+            <a:ext cx="3229626" cy="1390389"/>
+          </a:xfrm>
+          <a:prstGeom prst="rect">
+            <a:avLst/>
+          </a:prstGeom>
+          <a:noFill/>
+        </p:spPr>
+        <p:style>
+          <a:lnRef idx="2">
+            <a:schemeClr val="accent1">
+              <a:shade val="50000"/>
+            </a:schemeClr>
+          </a:lnRef>
+          <a:fillRef idx="1">
+            <a:schemeClr val="accent1"/>
+          </a:fillRef>
+          <a:effectRef idx="0">
+            <a:schemeClr val="accent1"/>
+          </a:effectRef>
+          <a:fontRef idx="minor">
+            <a:schemeClr val="lt1"/>
+          </a:fontRef>
+        </p:style>
+        <p:txBody>
+          <a:bodyPr rtlCol="0" anchor="ctr"/>
+          <a:lstStyle/>
+          <a:p>
+            <a:pPr algn="ctr"/>
+            <a:r>
+              <a:rPr lang="ko-KR" altLang="en-US" sz="2000" b="1" dirty="0" smtClean="0">
+                <a:solidFill>
+                  <a:schemeClr val="tx1"/>
+                </a:solidFill>
+              </a:rPr>
+              <a:t>프런트 </a:t>
+            </a:r>
+            <a:r>
+              <a:rPr lang="ko-KR" altLang="en-US" sz="2000" b="1" dirty="0" err="1" smtClean="0">
+                <a:solidFill>
+                  <a:schemeClr val="tx1"/>
+                </a:solidFill>
+              </a:rPr>
+              <a:t>서블릿</a:t>
+            </a:r>
+            <a:endParaRPr lang="en-US" altLang="ko-KR" sz="2000" b="1" dirty="0">
+              <a:solidFill>
+                <a:schemeClr val="tx1"/>
+              </a:solidFill>
+            </a:endParaRPr>
+          </a:p>
+          <a:p>
+            <a:pPr marL="342900" indent="-342900">
+              <a:buAutoNum type="arabicPeriod"/>
+            </a:pPr>
+            <a:r>
+              <a:rPr lang="ko-KR" altLang="en-US" dirty="0" smtClean="0">
+                <a:solidFill>
+                  <a:schemeClr val="tx1"/>
+                </a:solidFill>
+              </a:rPr>
+              <a:t>클라이언트</a:t>
+            </a:r>
+            <a:r>
+              <a:rPr lang="en-US" altLang="ko-KR" dirty="0">
+                <a:solidFill>
+                  <a:schemeClr val="tx1"/>
+                </a:solidFill>
+              </a:rPr>
+              <a:t> </a:t>
+            </a:r>
+            <a:r>
+              <a:rPr lang="ko-KR" altLang="en-US" dirty="0" smtClean="0">
+                <a:solidFill>
+                  <a:schemeClr val="tx1"/>
+                </a:solidFill>
+              </a:rPr>
+              <a:t>요청정보 추출</a:t>
+            </a:r>
+            <a:endParaRPr lang="en-US" altLang="ko-KR" dirty="0" smtClean="0">
+              <a:solidFill>
+                <a:schemeClr val="tx1"/>
+              </a:solidFill>
+            </a:endParaRPr>
+          </a:p>
+          <a:p>
+            <a:pPr marL="342900" indent="-342900">
+              <a:buAutoNum type="arabicPeriod"/>
+            </a:pPr>
+            <a:r>
+              <a:rPr lang="ko-KR" altLang="en-US" dirty="0" smtClean="0">
+                <a:solidFill>
+                  <a:schemeClr val="tx1"/>
+                </a:solidFill>
+              </a:rPr>
+              <a:t>비즈니스 </a:t>
+            </a:r>
+            <a:r>
+              <a:rPr lang="ko-KR" altLang="en-US" dirty="0" err="1" smtClean="0">
+                <a:solidFill>
+                  <a:schemeClr val="tx1"/>
+                </a:solidFill>
+              </a:rPr>
+              <a:t>메소드</a:t>
+            </a:r>
+            <a:r>
+              <a:rPr lang="ko-KR" altLang="en-US" dirty="0" smtClean="0">
+                <a:solidFill>
+                  <a:schemeClr val="tx1"/>
+                </a:solidFill>
+              </a:rPr>
+              <a:t> </a:t>
+            </a:r>
+            <a:r>
+              <a:rPr lang="ko-KR" altLang="en-US" dirty="0" smtClean="0">
+                <a:solidFill>
+                  <a:schemeClr val="tx1"/>
+                </a:solidFill>
+              </a:rPr>
+              <a:t>호출</a:t>
+            </a:r>
+            <a:endParaRPr lang="en-US" altLang="ko-KR" dirty="0" smtClean="0">
+              <a:solidFill>
+                <a:schemeClr val="tx1"/>
+              </a:solidFill>
+            </a:endParaRPr>
+          </a:p>
+          <a:p>
+            <a:pPr marL="342900" indent="-342900">
+              <a:buAutoNum type="arabicPeriod"/>
+            </a:pPr>
+            <a:r>
+              <a:rPr lang="ko-KR" altLang="en-US" dirty="0" smtClean="0">
+                <a:solidFill>
+                  <a:schemeClr val="tx1"/>
+                </a:solidFill>
+              </a:rPr>
+              <a:t>데이터 공유</a:t>
+            </a:r>
+            <a:endParaRPr lang="en-US" altLang="ko-KR" dirty="0" smtClean="0">
+              <a:solidFill>
+                <a:schemeClr val="tx1"/>
+              </a:solidFill>
+            </a:endParaRPr>
+          </a:p>
+        </p:txBody>
+      </p:sp>
+      <p:sp>
+        <p:nvSpPr>
+          <p:cNvPr id="16" name="직사각형 15"/>
+          <p:cNvSpPr/>
+          <p:nvPr/>
+        </p:nvSpPr>
+        <p:spPr>
+          <a:xfrm>
+            <a:off x="5040692" y="867428"/>
+            <a:ext cx="2251549" cy="1390389"/>
+          </a:xfrm>
+          <a:prstGeom prst="rect">
+            <a:avLst/>
+          </a:prstGeom>
+          <a:noFill/>
+        </p:spPr>
+        <p:style>
+          <a:lnRef idx="2">
+            <a:schemeClr val="accent1">
+              <a:shade val="50000"/>
+            </a:schemeClr>
+          </a:lnRef>
+          <a:fillRef idx="1">
+            <a:schemeClr val="accent1"/>
+          </a:fillRef>
+          <a:effectRef idx="0">
+            <a:schemeClr val="accent1"/>
+          </a:effectRef>
+          <a:fontRef idx="minor">
+            <a:schemeClr val="lt1"/>
+          </a:fontRef>
+        </p:style>
+        <p:txBody>
+          <a:bodyPr rtlCol="0" anchor="ctr"/>
+          <a:lstStyle/>
+          <a:p>
+            <a:pPr algn="ctr"/>
+            <a:r>
+              <a:rPr lang="en-US" altLang="ko-KR" sz="2000" b="1" dirty="0" err="1" smtClean="0">
+                <a:solidFill>
+                  <a:schemeClr val="tx1"/>
+                </a:solidFill>
+              </a:rPr>
+              <a:t>RequestMapping</a:t>
+            </a:r>
+            <a:endParaRPr lang="en-US" altLang="ko-KR" sz="2000" b="1" dirty="0" smtClean="0">
+              <a:solidFill>
+                <a:schemeClr val="tx1"/>
+              </a:solidFill>
+            </a:endParaRPr>
+          </a:p>
+          <a:p>
+            <a:pPr marL="342900" lvl="0" indent="-342900">
+              <a:buFontTx/>
+              <a:buAutoNum type="arabicPeriod"/>
+            </a:pPr>
+            <a:r>
+              <a:rPr lang="ko-KR" altLang="en-US" dirty="0" smtClean="0">
+                <a:solidFill>
+                  <a:prstClr val="black"/>
+                </a:solidFill>
+              </a:rPr>
+              <a:t>분류 </a:t>
+            </a:r>
+            <a:r>
+              <a:rPr lang="en-US" altLang="ko-KR" dirty="0" smtClean="0">
+                <a:solidFill>
+                  <a:prstClr val="black"/>
+                </a:solidFill>
+              </a:rPr>
+              <a:t>&amp; </a:t>
+            </a:r>
+            <a:r>
+              <a:rPr lang="ko-KR" altLang="en-US" dirty="0" err="1" smtClean="0">
+                <a:solidFill>
+                  <a:prstClr val="black"/>
+                </a:solidFill>
+              </a:rPr>
+              <a:t>메소드</a:t>
+            </a:r>
+            <a:r>
+              <a:rPr lang="ko-KR" altLang="en-US" dirty="0" smtClean="0">
+                <a:solidFill>
+                  <a:prstClr val="black"/>
+                </a:solidFill>
+              </a:rPr>
+              <a:t> 실행</a:t>
+            </a:r>
+            <a:endParaRPr lang="en-US" altLang="ko-KR" sz="2000" b="1" dirty="0">
+              <a:solidFill>
+                <a:schemeClr val="tx1"/>
+              </a:solidFill>
+            </a:endParaRPr>
+          </a:p>
+        </p:txBody>
+      </p:sp>
+      <p:sp>
+        <p:nvSpPr>
+          <p:cNvPr id="27" name="오른쪽 화살표 26"/>
+          <p:cNvSpPr/>
+          <p:nvPr/>
+        </p:nvSpPr>
+        <p:spPr>
+          <a:xfrm>
+            <a:off x="3814707" y="1057410"/>
+            <a:ext cx="864296" cy="409185"/>
+          </a:xfrm>
+          <a:prstGeom prst="rightArrow">
+            <a:avLst/>
+          </a:prstGeom>
+        </p:spPr>
+        <p:style>
+          <a:lnRef idx="2">
+            <a:schemeClr val="accent1">
+              <a:shade val="50000"/>
+            </a:schemeClr>
+          </a:lnRef>
+          <a:fillRef idx="1">
+            <a:schemeClr val="accent1"/>
+          </a:fillRef>
+          <a:effectRef idx="0">
+            <a:schemeClr val="accent1"/>
+          </a:effectRef>
+          <a:fontRef idx="minor">
+            <a:schemeClr val="lt1"/>
+          </a:fontRef>
+        </p:style>
+        <p:txBody>
+          <a:bodyPr rtlCol="0" anchor="ctr"/>
+          <a:lstStyle/>
+          <a:p>
+            <a:pPr algn="ctr"/>
+            <a:endParaRPr lang="ko-KR" altLang="en-US"/>
+          </a:p>
+        </p:txBody>
+      </p:sp>
+      <p:sp>
+        <p:nvSpPr>
+          <p:cNvPr id="28" name="오른쪽 화살표 27"/>
+          <p:cNvSpPr/>
+          <p:nvPr/>
+        </p:nvSpPr>
+        <p:spPr>
+          <a:xfrm rot="10800000">
+            <a:off x="3814707" y="1536529"/>
+            <a:ext cx="864296" cy="409185"/>
+          </a:xfrm>
+          <a:prstGeom prst="rightArrow">
+            <a:avLst/>
+          </a:prstGeom>
+        </p:spPr>
+        <p:style>
+          <a:lnRef idx="2">
+            <a:schemeClr val="accent1">
+              <a:shade val="50000"/>
+            </a:schemeClr>
+          </a:lnRef>
+          <a:fillRef idx="1">
+            <a:schemeClr val="accent1"/>
+          </a:fillRef>
+          <a:effectRef idx="0">
+            <a:schemeClr val="accent1"/>
+          </a:effectRef>
+          <a:fontRef idx="minor">
+            <a:schemeClr val="lt1"/>
+          </a:fontRef>
+        </p:style>
+        <p:txBody>
+          <a:bodyPr rtlCol="0" anchor="ctr"/>
+          <a:lstStyle/>
+          <a:p>
+            <a:pPr algn="ctr"/>
+            <a:endParaRPr lang="ko-KR" altLang="en-US"/>
+          </a:p>
+        </p:txBody>
+      </p:sp>
+      <p:sp>
+        <p:nvSpPr>
+          <p:cNvPr id="17" name="오른쪽 화살표 16"/>
+          <p:cNvSpPr/>
+          <p:nvPr/>
+        </p:nvSpPr>
+        <p:spPr>
+          <a:xfrm rot="2980241">
+            <a:off x="3884324" y="2567271"/>
+            <a:ext cx="864296" cy="409185"/>
+          </a:xfrm>
+          <a:prstGeom prst="rightArrow">
+            <a:avLst/>
+          </a:prstGeom>
+        </p:spPr>
+        <p:style>
+          <a:lnRef idx="2">
+            <a:schemeClr val="accent1">
+              <a:shade val="50000"/>
+            </a:schemeClr>
+          </a:lnRef>
+          <a:fillRef idx="1">
+            <a:schemeClr val="accent1"/>
+          </a:fillRef>
+          <a:effectRef idx="0">
+            <a:schemeClr val="accent1"/>
+          </a:effectRef>
+          <a:fontRef idx="minor">
+            <a:schemeClr val="lt1"/>
+          </a:fontRef>
+        </p:style>
+        <p:txBody>
+          <a:bodyPr rtlCol="0" anchor="ctr"/>
+          <a:lstStyle/>
+          <a:p>
+            <a:pPr algn="ctr"/>
+            <a:endParaRPr lang="ko-KR" altLang="en-US"/>
+          </a:p>
+        </p:txBody>
+      </p:sp>
+      <p:sp>
+        <p:nvSpPr>
+          <p:cNvPr id="18" name="직사각형 17"/>
+          <p:cNvSpPr/>
+          <p:nvPr/>
+        </p:nvSpPr>
+        <p:spPr>
+          <a:xfrm>
+            <a:off x="8580329" y="841334"/>
+            <a:ext cx="3194137" cy="1390389"/>
+          </a:xfrm>
+          <a:prstGeom prst="rect">
+            <a:avLst/>
+          </a:prstGeom>
+          <a:noFill/>
+        </p:spPr>
+        <p:style>
+          <a:lnRef idx="2">
+            <a:schemeClr val="accent1">
+              <a:shade val="50000"/>
+            </a:schemeClr>
+          </a:lnRef>
+          <a:fillRef idx="1">
+            <a:schemeClr val="accent1"/>
+          </a:fillRef>
+          <a:effectRef idx="0">
+            <a:schemeClr val="accent1"/>
+          </a:effectRef>
+          <a:fontRef idx="minor">
+            <a:schemeClr val="lt1"/>
+          </a:fontRef>
+        </p:style>
+        <p:txBody>
+          <a:bodyPr rtlCol="0" anchor="ctr"/>
+          <a:lstStyle/>
+          <a:p>
+            <a:pPr algn="ctr"/>
+            <a:r>
+              <a:rPr lang="ko-KR" altLang="en-US" sz="2000" b="1" dirty="0" smtClean="0">
+                <a:solidFill>
+                  <a:schemeClr val="tx1"/>
+                </a:solidFill>
+              </a:rPr>
+              <a:t>설정파일</a:t>
+            </a:r>
+            <a:endParaRPr lang="en-US" altLang="ko-KR" sz="2000" b="1" dirty="0" smtClean="0">
+              <a:solidFill>
+                <a:schemeClr val="tx1"/>
+              </a:solidFill>
+            </a:endParaRPr>
+          </a:p>
+          <a:p>
+            <a:pPr algn="ctr"/>
+            <a:r>
+              <a:rPr lang="en-US" altLang="ko-KR" sz="2000" b="1" dirty="0" smtClean="0">
+                <a:solidFill>
+                  <a:schemeClr val="tx1"/>
+                </a:solidFill>
+              </a:rPr>
+              <a:t>(</a:t>
+            </a:r>
+            <a:r>
+              <a:rPr lang="en-US" altLang="ko-KR" sz="2000" b="1" dirty="0" err="1" smtClean="0">
+                <a:solidFill>
+                  <a:schemeClr val="tx1"/>
+                </a:solidFill>
+              </a:rPr>
+              <a:t>Mycommand.properties</a:t>
+            </a:r>
+            <a:r>
+              <a:rPr lang="en-US" altLang="ko-KR" sz="2000" b="1" dirty="0" smtClean="0">
+                <a:solidFill>
+                  <a:schemeClr val="tx1"/>
+                </a:solidFill>
+              </a:rPr>
+              <a:t>)</a:t>
+            </a:r>
+            <a:endParaRPr lang="en-US" altLang="ko-KR" sz="2000" b="1" dirty="0">
+              <a:solidFill>
+                <a:schemeClr val="tx1"/>
+              </a:solidFill>
+            </a:endParaRPr>
+          </a:p>
+        </p:txBody>
+      </p:sp>
+      <p:sp>
+        <p:nvSpPr>
+          <p:cNvPr id="21" name="직사각형 20"/>
+          <p:cNvSpPr/>
+          <p:nvPr/>
+        </p:nvSpPr>
+        <p:spPr>
+          <a:xfrm>
+            <a:off x="4396126" y="3233715"/>
+            <a:ext cx="1979630" cy="932145"/>
+          </a:xfrm>
+          <a:prstGeom prst="rect">
+            <a:avLst/>
+          </a:prstGeom>
+          <a:noFill/>
+        </p:spPr>
+        <p:style>
+          <a:lnRef idx="2">
+            <a:schemeClr val="accent1">
+              <a:shade val="50000"/>
+            </a:schemeClr>
+          </a:lnRef>
+          <a:fillRef idx="1">
+            <a:schemeClr val="accent1"/>
+          </a:fillRef>
+          <a:effectRef idx="0">
+            <a:schemeClr val="accent1"/>
+          </a:effectRef>
+          <a:fontRef idx="minor">
+            <a:schemeClr val="lt1"/>
+          </a:fontRef>
+        </p:style>
+        <p:txBody>
+          <a:bodyPr rtlCol="0" anchor="ctr"/>
+          <a:lstStyle/>
+          <a:p>
+            <a:pPr algn="ctr"/>
+            <a:r>
+              <a:rPr lang="en-US" altLang="ko-KR" sz="2000" b="1" dirty="0" smtClean="0">
+                <a:solidFill>
+                  <a:schemeClr val="tx1"/>
+                </a:solidFill>
+              </a:rPr>
+              <a:t>Action</a:t>
+            </a:r>
+          </a:p>
+        </p:txBody>
+      </p:sp>
+      <p:sp>
+        <p:nvSpPr>
+          <p:cNvPr id="23" name="직사각형 22"/>
+          <p:cNvSpPr/>
+          <p:nvPr/>
+        </p:nvSpPr>
+        <p:spPr>
+          <a:xfrm>
+            <a:off x="6044853" y="5062072"/>
+            <a:ext cx="1945716" cy="1390389"/>
+          </a:xfrm>
+          <a:prstGeom prst="rect">
+            <a:avLst/>
+          </a:prstGeom>
+          <a:noFill/>
+        </p:spPr>
+        <p:style>
+          <a:lnRef idx="2">
+            <a:schemeClr val="accent1">
+              <a:shade val="50000"/>
+            </a:schemeClr>
+          </a:lnRef>
+          <a:fillRef idx="1">
+            <a:schemeClr val="accent1"/>
+          </a:fillRef>
+          <a:effectRef idx="0">
+            <a:schemeClr val="accent1"/>
+          </a:effectRef>
+          <a:fontRef idx="minor">
+            <a:schemeClr val="lt1"/>
+          </a:fontRef>
+        </p:style>
+        <p:txBody>
+          <a:bodyPr rtlCol="0" anchor="ctr"/>
+          <a:lstStyle/>
+          <a:p>
+            <a:pPr algn="ctr"/>
+            <a:r>
+              <a:rPr lang="en-US" altLang="ko-KR" sz="2000" b="1" dirty="0" err="1" smtClean="0">
+                <a:solidFill>
+                  <a:schemeClr val="tx1"/>
+                </a:solidFill>
+              </a:rPr>
+              <a:t>MemberInsert</a:t>
+            </a:r>
+            <a:endParaRPr lang="ko-KR" altLang="en-US" sz="2000" dirty="0">
+              <a:solidFill>
+                <a:schemeClr val="tx1"/>
+              </a:solidFill>
+            </a:endParaRPr>
+          </a:p>
+        </p:txBody>
+      </p:sp>
+      <p:sp>
+        <p:nvSpPr>
+          <p:cNvPr id="24" name="직사각형 23"/>
+          <p:cNvSpPr/>
+          <p:nvPr/>
+        </p:nvSpPr>
+        <p:spPr>
+          <a:xfrm>
+            <a:off x="3071502" y="5044326"/>
+            <a:ext cx="1969190" cy="1390389"/>
+          </a:xfrm>
+          <a:prstGeom prst="rect">
+            <a:avLst/>
+          </a:prstGeom>
+          <a:noFill/>
+        </p:spPr>
+        <p:style>
+          <a:lnRef idx="2">
+            <a:schemeClr val="accent1">
+              <a:shade val="50000"/>
+            </a:schemeClr>
+          </a:lnRef>
+          <a:fillRef idx="1">
+            <a:schemeClr val="accent1"/>
+          </a:fillRef>
+          <a:effectRef idx="0">
+            <a:schemeClr val="accent1"/>
+          </a:effectRef>
+          <a:fontRef idx="minor">
+            <a:schemeClr val="lt1"/>
+          </a:fontRef>
+        </p:style>
+        <p:txBody>
+          <a:bodyPr rtlCol="0" anchor="ctr"/>
+          <a:lstStyle/>
+          <a:p>
+            <a:pPr algn="ctr"/>
+            <a:r>
+              <a:rPr lang="en-US" altLang="ko-KR" sz="2000" b="1" dirty="0" err="1" smtClean="0">
+                <a:solidFill>
+                  <a:schemeClr val="tx1"/>
+                </a:solidFill>
+              </a:rPr>
+              <a:t>ProductionList</a:t>
+            </a:r>
+            <a:endParaRPr lang="ko-KR" altLang="en-US" dirty="0">
+              <a:solidFill>
+                <a:schemeClr val="tx1"/>
+              </a:solidFill>
+            </a:endParaRPr>
+          </a:p>
+        </p:txBody>
+      </p:sp>
+      <p:sp>
+        <p:nvSpPr>
+          <p:cNvPr id="29" name="오른쪽 화살표 28"/>
+          <p:cNvSpPr/>
+          <p:nvPr/>
+        </p:nvSpPr>
+        <p:spPr>
+          <a:xfrm rot="13847179">
+            <a:off x="3452597" y="2795869"/>
+            <a:ext cx="864296" cy="409185"/>
+          </a:xfrm>
+          <a:prstGeom prst="rightArrow">
+            <a:avLst/>
+          </a:prstGeom>
+        </p:spPr>
+        <p:style>
+          <a:lnRef idx="2">
+            <a:schemeClr val="accent1">
+              <a:shade val="50000"/>
+            </a:schemeClr>
+          </a:lnRef>
+          <a:fillRef idx="1">
+            <a:schemeClr val="accent1"/>
+          </a:fillRef>
+          <a:effectRef idx="0">
+            <a:schemeClr val="accent1"/>
+          </a:effectRef>
+          <a:fontRef idx="minor">
+            <a:schemeClr val="lt1"/>
+          </a:fontRef>
+        </p:style>
+        <p:txBody>
+          <a:bodyPr rtlCol="0" anchor="ctr"/>
+          <a:lstStyle/>
+          <a:p>
+            <a:pPr algn="ctr"/>
+            <a:endParaRPr lang="ko-KR" altLang="en-US"/>
+          </a:p>
+        </p:txBody>
+      </p:sp>
+      <p:cxnSp>
+        <p:nvCxnSpPr>
+          <p:cNvPr id="4" name="직선 화살표 연결선 3"/>
+          <p:cNvCxnSpPr/>
+          <p:nvPr/>
+        </p:nvCxnSpPr>
+        <p:spPr>
+          <a:xfrm flipH="1" flipV="1">
+            <a:off x="6458545" y="4165860"/>
+            <a:ext cx="538619" cy="748429"/>
+          </a:xfrm>
+          <a:prstGeom prst="straightConnector1">
+            <a:avLst/>
+          </a:prstGeom>
+          <a:ln w="82550">
+            <a:tailEnd type="triangle"/>
+          </a:ln>
+        </p:spPr>
+        <p:style>
+          <a:lnRef idx="1">
+            <a:schemeClr val="accent1"/>
+          </a:lnRef>
+          <a:fillRef idx="0">
+            <a:schemeClr val="accent1"/>
+          </a:fillRef>
+          <a:effectRef idx="0">
+            <a:schemeClr val="accent1"/>
+          </a:effectRef>
+          <a:fontRef idx="minor">
+            <a:schemeClr val="tx1"/>
+          </a:fontRef>
+        </p:style>
+      </p:cxnSp>
+      <p:cxnSp>
+        <p:nvCxnSpPr>
+          <p:cNvPr id="30" name="직선 화살표 연결선 29"/>
+          <p:cNvCxnSpPr/>
+          <p:nvPr/>
+        </p:nvCxnSpPr>
+        <p:spPr>
+          <a:xfrm flipV="1">
+            <a:off x="3814707" y="4253105"/>
+            <a:ext cx="534459" cy="661184"/>
+          </a:xfrm>
+          <a:prstGeom prst="straightConnector1">
+            <a:avLst/>
+          </a:prstGeom>
+          <a:ln w="82550">
+            <a:tailEnd type="triangle"/>
+          </a:ln>
+        </p:spPr>
+        <p:style>
+          <a:lnRef idx="1">
+            <a:schemeClr val="accent1"/>
+          </a:lnRef>
+          <a:fillRef idx="0">
+            <a:schemeClr val="accent1"/>
+          </a:fillRef>
+          <a:effectRef idx="0">
+            <a:schemeClr val="accent1"/>
+          </a:effectRef>
+          <a:fontRef idx="minor">
+            <a:schemeClr val="tx1"/>
+          </a:fontRef>
+        </p:style>
+      </p:cxnSp>
+      <p:sp>
+        <p:nvSpPr>
+          <p:cNvPr id="7" name="TextBox 6"/>
+          <p:cNvSpPr txBox="1"/>
+          <p:nvPr/>
+        </p:nvSpPr>
+        <p:spPr>
+          <a:xfrm>
+            <a:off x="6375756" y="47220"/>
+            <a:ext cx="2654894" cy="646331"/>
+          </a:xfrm>
+          <a:prstGeom prst="rect">
+            <a:avLst/>
+          </a:prstGeom>
+          <a:noFill/>
+        </p:spPr>
+        <p:txBody>
+          <a:bodyPr wrap="none" rtlCol="0">
+            <a:spAutoFit/>
+          </a:bodyPr>
+          <a:lstStyle/>
+          <a:p>
+            <a:r>
+              <a:rPr lang="ko-KR" altLang="en-US" sz="3600" b="1" dirty="0" smtClean="0"/>
+              <a:t>여기서 분류</a:t>
+            </a:r>
+            <a:endParaRPr lang="ko-KR" altLang="en-US" sz="3600" b="1" dirty="0"/>
+          </a:p>
+        </p:txBody>
+      </p:sp>
+      <p:sp>
+        <p:nvSpPr>
+          <p:cNvPr id="31" name="TextBox 30"/>
+          <p:cNvSpPr txBox="1"/>
+          <p:nvPr/>
+        </p:nvSpPr>
+        <p:spPr>
+          <a:xfrm>
+            <a:off x="510758" y="3635597"/>
+            <a:ext cx="2193229" cy="1754326"/>
+          </a:xfrm>
+          <a:prstGeom prst="rect">
+            <a:avLst/>
+          </a:prstGeom>
+          <a:noFill/>
+        </p:spPr>
+        <p:txBody>
+          <a:bodyPr wrap="none" rtlCol="0">
+            <a:spAutoFit/>
+          </a:bodyPr>
+          <a:lstStyle/>
+          <a:p>
+            <a:r>
+              <a:rPr lang="ko-KR" altLang="en-US" sz="3600" b="1" dirty="0" smtClean="0"/>
+              <a:t>여기서 </a:t>
+            </a:r>
+            <a:endParaRPr lang="en-US" altLang="ko-KR" sz="3600" b="1" dirty="0" smtClean="0"/>
+          </a:p>
+          <a:p>
+            <a:r>
+              <a:rPr lang="ko-KR" altLang="en-US" sz="3600" b="1" dirty="0" smtClean="0"/>
+              <a:t>비즈니스</a:t>
+            </a:r>
+            <a:endParaRPr lang="en-US" altLang="ko-KR" sz="3600" b="1" dirty="0" smtClean="0"/>
+          </a:p>
+          <a:p>
+            <a:r>
+              <a:rPr lang="ko-KR" altLang="en-US" sz="3600" b="1" dirty="0" err="1" smtClean="0"/>
+              <a:t>로직</a:t>
+            </a:r>
+            <a:r>
+              <a:rPr lang="ko-KR" altLang="en-US" sz="3600" b="1" dirty="0" smtClean="0"/>
+              <a:t> 실행</a:t>
+            </a:r>
+            <a:endParaRPr lang="ko-KR" altLang="en-US" sz="3600" b="1" dirty="0"/>
+          </a:p>
+        </p:txBody>
+      </p:sp>
+      <p:sp>
+        <p:nvSpPr>
+          <p:cNvPr id="32" name="TextBox 31"/>
+          <p:cNvSpPr txBox="1"/>
+          <p:nvPr/>
+        </p:nvSpPr>
+        <p:spPr>
+          <a:xfrm>
+            <a:off x="49093" y="47219"/>
+            <a:ext cx="4463401" cy="646331"/>
+          </a:xfrm>
+          <a:prstGeom prst="rect">
+            <a:avLst/>
+          </a:prstGeom>
+          <a:noFill/>
+        </p:spPr>
+        <p:txBody>
+          <a:bodyPr wrap="none" rtlCol="0">
+            <a:spAutoFit/>
+          </a:bodyPr>
+          <a:lstStyle/>
+          <a:p>
+            <a:r>
+              <a:rPr lang="en-US" altLang="ko-KR" sz="3600" b="1" dirty="0" err="1" smtClean="0"/>
+              <a:t>FrontController</a:t>
+            </a:r>
+            <a:r>
+              <a:rPr lang="ko-KR" altLang="en-US" sz="3600" b="1" dirty="0" smtClean="0"/>
+              <a:t>패턴</a:t>
+            </a:r>
+            <a:endParaRPr lang="ko-KR" altLang="en-US" sz="3600" b="1" dirty="0"/>
+          </a:p>
+        </p:txBody>
+      </p:sp>
+    </p:spTree>
+    <p:extLst>
+      <p:ext uri="{BB962C8B-B14F-4D97-AF65-F5344CB8AC3E}">
+        <p14:creationId xmlns:p14="http://schemas.microsoft.com/office/powerpoint/2010/main" val="771155721"/>
+      </p:ext>
+    </p:extLst>
+  </p:cSld>
+  <p:clrMapOvr>
+    <a:masterClrMapping/>
+  </p:clrMapOvr>
+</p:sld>
+</file>
+
 <file path=ppt/theme/theme1.xml><?xml version="1.0" encoding="utf-8"?>
 <a:theme xmlns:a="http://schemas.openxmlformats.org/drawingml/2006/main" name="Office 테마">
   <a:themeElements>

--- a/3. HTML/프레젠테이션1.pptx
+++ b/3. HTML/프레젠테이션1.pptx
@@ -10,6 +10,9 @@
     <p:sldId id="258" r:id="rId4"/>
     <p:sldId id="259" r:id="rId5"/>
     <p:sldId id="260" r:id="rId6"/>
+    <p:sldId id="263" r:id="rId7"/>
+    <p:sldId id="264" r:id="rId8"/>
+    <p:sldId id="261" r:id="rId9"/>
   </p:sldIdLst>
   <p:sldSz cx="12192000" cy="6858000"/>
   <p:notesSz cx="6858000" cy="9144000"/>
@@ -247,7 +250,7 @@
           <a:p>
             <a:fld id="{AF6A8A15-839E-47EF-8CE3-3F101DCA030F}" type="datetimeFigureOut">
               <a:rPr lang="ko-KR" altLang="en-US" smtClean="0"/>
-              <a:t>2020-01-28</a:t>
+              <a:t>2020-02-06</a:t>
             </a:fld>
             <a:endParaRPr lang="ko-KR" altLang="en-US"/>
           </a:p>
@@ -417,7 +420,7 @@
           <a:p>
             <a:fld id="{AF6A8A15-839E-47EF-8CE3-3F101DCA030F}" type="datetimeFigureOut">
               <a:rPr lang="ko-KR" altLang="en-US" smtClean="0"/>
-              <a:t>2020-01-28</a:t>
+              <a:t>2020-02-06</a:t>
             </a:fld>
             <a:endParaRPr lang="ko-KR" altLang="en-US"/>
           </a:p>
@@ -597,7 +600,7 @@
           <a:p>
             <a:fld id="{AF6A8A15-839E-47EF-8CE3-3F101DCA030F}" type="datetimeFigureOut">
               <a:rPr lang="ko-KR" altLang="en-US" smtClean="0"/>
-              <a:t>2020-01-28</a:t>
+              <a:t>2020-02-06</a:t>
             </a:fld>
             <a:endParaRPr lang="ko-KR" altLang="en-US"/>
           </a:p>
@@ -767,7 +770,7 @@
           <a:p>
             <a:fld id="{AF6A8A15-839E-47EF-8CE3-3F101DCA030F}" type="datetimeFigureOut">
               <a:rPr lang="ko-KR" altLang="en-US" smtClean="0"/>
-              <a:t>2020-01-28</a:t>
+              <a:t>2020-02-06</a:t>
             </a:fld>
             <a:endParaRPr lang="ko-KR" altLang="en-US"/>
           </a:p>
@@ -1013,7 +1016,7 @@
           <a:p>
             <a:fld id="{AF6A8A15-839E-47EF-8CE3-3F101DCA030F}" type="datetimeFigureOut">
               <a:rPr lang="ko-KR" altLang="en-US" smtClean="0"/>
-              <a:t>2020-01-28</a:t>
+              <a:t>2020-02-06</a:t>
             </a:fld>
             <a:endParaRPr lang="ko-KR" altLang="en-US"/>
           </a:p>
@@ -1245,7 +1248,7 @@
           <a:p>
             <a:fld id="{AF6A8A15-839E-47EF-8CE3-3F101DCA030F}" type="datetimeFigureOut">
               <a:rPr lang="ko-KR" altLang="en-US" smtClean="0"/>
-              <a:t>2020-01-28</a:t>
+              <a:t>2020-02-06</a:t>
             </a:fld>
             <a:endParaRPr lang="ko-KR" altLang="en-US"/>
           </a:p>
@@ -1612,7 +1615,7 @@
           <a:p>
             <a:fld id="{AF6A8A15-839E-47EF-8CE3-3F101DCA030F}" type="datetimeFigureOut">
               <a:rPr lang="ko-KR" altLang="en-US" smtClean="0"/>
-              <a:t>2020-01-28</a:t>
+              <a:t>2020-02-06</a:t>
             </a:fld>
             <a:endParaRPr lang="ko-KR" altLang="en-US"/>
           </a:p>
@@ -1730,7 +1733,7 @@
           <a:p>
             <a:fld id="{AF6A8A15-839E-47EF-8CE3-3F101DCA030F}" type="datetimeFigureOut">
               <a:rPr lang="ko-KR" altLang="en-US" smtClean="0"/>
-              <a:t>2020-01-28</a:t>
+              <a:t>2020-02-06</a:t>
             </a:fld>
             <a:endParaRPr lang="ko-KR" altLang="en-US"/>
           </a:p>
@@ -1825,7 +1828,7 @@
           <a:p>
             <a:fld id="{AF6A8A15-839E-47EF-8CE3-3F101DCA030F}" type="datetimeFigureOut">
               <a:rPr lang="ko-KR" altLang="en-US" smtClean="0"/>
-              <a:t>2020-01-28</a:t>
+              <a:t>2020-02-06</a:t>
             </a:fld>
             <a:endParaRPr lang="ko-KR" altLang="en-US"/>
           </a:p>
@@ -2102,7 +2105,7 @@
           <a:p>
             <a:fld id="{AF6A8A15-839E-47EF-8CE3-3F101DCA030F}" type="datetimeFigureOut">
               <a:rPr lang="ko-KR" altLang="en-US" smtClean="0"/>
-              <a:t>2020-01-28</a:t>
+              <a:t>2020-02-06</a:t>
             </a:fld>
             <a:endParaRPr lang="ko-KR" altLang="en-US"/>
           </a:p>
@@ -2355,7 +2358,7 @@
           <a:p>
             <a:fld id="{AF6A8A15-839E-47EF-8CE3-3F101DCA030F}" type="datetimeFigureOut">
               <a:rPr lang="ko-KR" altLang="en-US" smtClean="0"/>
-              <a:t>2020-01-28</a:t>
+              <a:t>2020-02-06</a:t>
             </a:fld>
             <a:endParaRPr lang="ko-KR" altLang="en-US"/>
           </a:p>
@@ -2568,7 +2571,7 @@
           <a:p>
             <a:fld id="{AF6A8A15-839E-47EF-8CE3-3F101DCA030F}" type="datetimeFigureOut">
               <a:rPr lang="ko-KR" altLang="en-US" smtClean="0"/>
-              <a:t>2020-01-28</a:t>
+              <a:t>2020-02-06</a:t>
             </a:fld>
             <a:endParaRPr lang="ko-KR" altLang="en-US"/>
           </a:p>
@@ -5387,15 +5390,7 @@
                   <a:schemeClr val="tx1"/>
                 </a:solidFill>
               </a:rPr>
-              <a:t> </a:t>
-            </a:r>
-            <a:r>
-              <a:rPr lang="ko-KR" altLang="en-US" dirty="0" smtClean="0">
-                <a:solidFill>
-                  <a:schemeClr val="tx1"/>
-                </a:solidFill>
-              </a:rPr>
-              <a:t>호출</a:t>
+              <a:t> 호출</a:t>
             </a:r>
             <a:endParaRPr lang="en-US" altLang="ko-KR" dirty="0" smtClean="0">
               <a:solidFill>
@@ -6106,6 +6101,13 @@
   <p:clrMapOvr>
     <a:masterClrMapping/>
   </p:clrMapOvr>
+  <p:timing>
+    <p:tnLst>
+      <p:par>
+        <p:cTn id="1" dur="indefinite" restart="never" nodeType="tmRoot"/>
+      </p:par>
+    </p:tnLst>
+  </p:timing>
 </p:sld>
 </file>
 
@@ -6245,15 +6247,7 @@
                   <a:schemeClr val="tx1"/>
                 </a:solidFill>
               </a:rPr>
-              <a:t> </a:t>
-            </a:r>
-            <a:r>
-              <a:rPr lang="ko-KR" altLang="en-US" dirty="0" smtClean="0">
-                <a:solidFill>
-                  <a:schemeClr val="tx1"/>
-                </a:solidFill>
-              </a:rPr>
-              <a:t>호출</a:t>
+              <a:t> 호출</a:t>
             </a:r>
             <a:endParaRPr lang="en-US" altLang="ko-KR" dirty="0" smtClean="0">
               <a:solidFill>
@@ -6964,6 +6958,3841 @@
   <p:clrMapOvr>
     <a:masterClrMapping/>
   </p:clrMapOvr>
+  <p:timing>
+    <p:tnLst>
+      <p:par>
+        <p:cTn id="1" dur="indefinite" restart="never" nodeType="tmRoot"/>
+      </p:par>
+    </p:tnLst>
+  </p:timing>
+</p:sld>
+</file>
+
+<file path=ppt/slides/slide6.xml><?xml version="1.0" encoding="utf-8"?>
+<p:sld xmlns:a="http://schemas.openxmlformats.org/drawingml/2006/main" xmlns:r="http://schemas.openxmlformats.org/officeDocument/2006/relationships" xmlns:p="http://schemas.openxmlformats.org/presentationml/2006/main">
+  <p:cSld>
+    <p:spTree>
+      <p:nvGrpSpPr>
+        <p:cNvPr id="1" name=""/>
+        <p:cNvGrpSpPr/>
+        <p:nvPr/>
+      </p:nvGrpSpPr>
+      <p:grpSpPr>
+        <a:xfrm>
+          <a:off x="0" y="0"/>
+          <a:ext cx="0" cy="0"/>
+          <a:chOff x="0" y="0"/>
+          <a:chExt cx="0" cy="0"/>
+        </a:xfrm>
+      </p:grpSpPr>
+      <p:sp>
+        <p:nvSpPr>
+          <p:cNvPr id="11" name="직사각형 20"/>
+          <p:cNvSpPr/>
+          <p:nvPr/>
+        </p:nvSpPr>
+        <p:spPr>
+          <a:xfrm>
+            <a:off x="3712478" y="698475"/>
+            <a:ext cx="1671362" cy="679776"/>
+          </a:xfrm>
+          <a:prstGeom prst="rect">
+            <a:avLst/>
+          </a:prstGeom>
+          <a:noFill/>
+        </p:spPr>
+        <p:style>
+          <a:lnRef idx="2">
+            <a:schemeClr val="accent1">
+              <a:shade val="50000"/>
+            </a:schemeClr>
+          </a:lnRef>
+          <a:fillRef idx="1">
+            <a:schemeClr val="accent1"/>
+          </a:fillRef>
+          <a:effectRef idx="0">
+            <a:schemeClr val="accent1"/>
+          </a:effectRef>
+          <a:fontRef idx="minor">
+            <a:schemeClr val="lt1"/>
+          </a:fontRef>
+        </p:style>
+        <p:txBody>
+          <a:bodyPr rtlCol="0" anchor="ctr"/>
+          <a:lstStyle/>
+          <a:p>
+            <a:pPr algn="ctr"/>
+            <a:r>
+              <a:rPr lang="en-US" altLang="ko-KR" sz="1400" b="1" dirty="0" smtClean="0">
+                <a:solidFill>
+                  <a:schemeClr val="tx1"/>
+                </a:solidFill>
+              </a:rPr>
+              <a:t>Mybatis xml</a:t>
+            </a:r>
+          </a:p>
+          <a:p>
+            <a:pPr algn="ctr"/>
+            <a:r>
+              <a:rPr lang="en-US" altLang="ko-KR" sz="1400" dirty="0" smtClean="0">
+                <a:solidFill>
+                  <a:schemeClr val="tx1"/>
+                </a:solidFill>
+              </a:rPr>
+              <a:t>VO</a:t>
+            </a:r>
+            <a:r>
+              <a:rPr lang="ko-KR" altLang="en-US" sz="1400" dirty="0" smtClean="0">
+                <a:solidFill>
+                  <a:schemeClr val="tx1"/>
+                </a:solidFill>
+              </a:rPr>
+              <a:t> </a:t>
+            </a:r>
+            <a:r>
+              <a:rPr lang="en-US" altLang="ko-KR" sz="1400" dirty="0" smtClean="0">
+                <a:solidFill>
+                  <a:schemeClr val="tx1"/>
+                </a:solidFill>
+              </a:rPr>
+              <a:t>path</a:t>
+            </a:r>
+            <a:r>
+              <a:rPr lang="ko-KR" altLang="en-US" sz="1400" dirty="0" smtClean="0">
+                <a:solidFill>
+                  <a:schemeClr val="tx1"/>
+                </a:solidFill>
+              </a:rPr>
+              <a:t>와 </a:t>
+            </a:r>
+            <a:r>
+              <a:rPr lang="en-US" altLang="ko-KR" sz="1400" dirty="0" smtClean="0">
+                <a:solidFill>
+                  <a:schemeClr val="tx1"/>
+                </a:solidFill>
+              </a:rPr>
+              <a:t>SQL mapper </a:t>
+            </a:r>
+            <a:r>
+              <a:rPr lang="ko-KR" altLang="en-US" sz="1400" dirty="0" smtClean="0">
+                <a:solidFill>
+                  <a:schemeClr val="tx1"/>
+                </a:solidFill>
+              </a:rPr>
+              <a:t>명시</a:t>
+            </a:r>
+            <a:endParaRPr lang="en-US" altLang="ko-KR" sz="1400" dirty="0" smtClean="0">
+              <a:solidFill>
+                <a:schemeClr val="tx1"/>
+              </a:solidFill>
+            </a:endParaRPr>
+          </a:p>
+        </p:txBody>
+      </p:sp>
+      <p:sp>
+        <p:nvSpPr>
+          <p:cNvPr id="20" name="직사각형 20"/>
+          <p:cNvSpPr/>
+          <p:nvPr/>
+        </p:nvSpPr>
+        <p:spPr>
+          <a:xfrm>
+            <a:off x="3153864" y="1604935"/>
+            <a:ext cx="1316656" cy="998269"/>
+          </a:xfrm>
+          <a:prstGeom prst="rect">
+            <a:avLst/>
+          </a:prstGeom>
+          <a:noFill/>
+        </p:spPr>
+        <p:style>
+          <a:lnRef idx="2">
+            <a:schemeClr val="accent1">
+              <a:shade val="50000"/>
+            </a:schemeClr>
+          </a:lnRef>
+          <a:fillRef idx="1">
+            <a:schemeClr val="accent1"/>
+          </a:fillRef>
+          <a:effectRef idx="0">
+            <a:schemeClr val="accent1"/>
+          </a:effectRef>
+          <a:fontRef idx="minor">
+            <a:schemeClr val="lt1"/>
+          </a:fontRef>
+        </p:style>
+        <p:txBody>
+          <a:bodyPr rtlCol="0" anchor="ctr"/>
+          <a:lstStyle/>
+          <a:p>
+            <a:pPr algn="ctr"/>
+            <a:r>
+              <a:rPr lang="en-US" altLang="ko-KR" sz="1400" b="1" dirty="0" smtClean="0">
+                <a:solidFill>
+                  <a:schemeClr val="tx1"/>
+                </a:solidFill>
+              </a:rPr>
+              <a:t>VO</a:t>
+            </a:r>
+          </a:p>
+          <a:p>
+            <a:r>
+              <a:rPr lang="en-US" altLang="ko-KR" sz="1400" dirty="0" smtClean="0">
+                <a:solidFill>
+                  <a:schemeClr val="tx1"/>
+                </a:solidFill>
+              </a:rPr>
+              <a:t>-DTO</a:t>
+            </a:r>
+            <a:r>
+              <a:rPr lang="ko-KR" altLang="en-US" sz="1400" dirty="0" smtClean="0">
+                <a:solidFill>
+                  <a:schemeClr val="tx1"/>
+                </a:solidFill>
+              </a:rPr>
+              <a:t>와 비슷</a:t>
+            </a:r>
+            <a:endParaRPr lang="en-US" altLang="ko-KR" sz="1400" dirty="0" smtClean="0">
+              <a:solidFill>
+                <a:schemeClr val="tx1"/>
+              </a:solidFill>
+            </a:endParaRPr>
+          </a:p>
+          <a:p>
+            <a:r>
+              <a:rPr lang="en-US" altLang="ko-KR" sz="1400" dirty="0" smtClean="0">
+                <a:solidFill>
+                  <a:schemeClr val="tx1"/>
+                </a:solidFill>
+              </a:rPr>
+              <a:t>-SQL</a:t>
+            </a:r>
+            <a:r>
+              <a:rPr lang="ko-KR" altLang="en-US" sz="1400" dirty="0" smtClean="0">
+                <a:solidFill>
+                  <a:schemeClr val="tx1"/>
+                </a:solidFill>
+              </a:rPr>
+              <a:t>문 </a:t>
+            </a:r>
+            <a:endParaRPr lang="en-US" altLang="ko-KR" sz="1400" dirty="0" smtClean="0">
+              <a:solidFill>
+                <a:schemeClr val="tx1"/>
+              </a:solidFill>
+            </a:endParaRPr>
+          </a:p>
+          <a:p>
+            <a:r>
+              <a:rPr lang="ko-KR" altLang="en-US" sz="1400" dirty="0" smtClean="0">
+                <a:solidFill>
+                  <a:schemeClr val="tx1"/>
+                </a:solidFill>
+              </a:rPr>
+              <a:t>실행 결과매핑</a:t>
+            </a:r>
+            <a:endParaRPr lang="en-US" altLang="ko-KR" sz="1400" dirty="0" smtClean="0">
+              <a:solidFill>
+                <a:schemeClr val="tx1"/>
+              </a:solidFill>
+            </a:endParaRPr>
+          </a:p>
+          <a:p>
+            <a:r>
+              <a:rPr lang="ko-KR" altLang="en-US" sz="1400" dirty="0" smtClean="0">
+                <a:solidFill>
+                  <a:schemeClr val="tx1"/>
+                </a:solidFill>
+              </a:rPr>
+              <a:t>레코드</a:t>
+            </a:r>
+            <a:r>
+              <a:rPr lang="en-US" altLang="ko-KR" sz="1400" dirty="0" smtClean="0">
+                <a:solidFill>
+                  <a:schemeClr val="tx1"/>
+                </a:solidFill>
+              </a:rPr>
+              <a:t>1</a:t>
+            </a:r>
+            <a:r>
+              <a:rPr lang="ko-KR" altLang="en-US" sz="1400" dirty="0" smtClean="0">
+                <a:solidFill>
+                  <a:schemeClr val="tx1"/>
+                </a:solidFill>
+              </a:rPr>
+              <a:t>개만</a:t>
+            </a:r>
+            <a:endParaRPr lang="en-US" altLang="ko-KR" sz="1400" dirty="0" smtClean="0">
+              <a:solidFill>
+                <a:schemeClr val="tx1"/>
+              </a:solidFill>
+            </a:endParaRPr>
+          </a:p>
+        </p:txBody>
+      </p:sp>
+      <p:sp>
+        <p:nvSpPr>
+          <p:cNvPr id="21" name="직사각형 20"/>
+          <p:cNvSpPr/>
+          <p:nvPr/>
+        </p:nvSpPr>
+        <p:spPr>
+          <a:xfrm>
+            <a:off x="4660406" y="1604934"/>
+            <a:ext cx="1300666" cy="998270"/>
+          </a:xfrm>
+          <a:prstGeom prst="rect">
+            <a:avLst/>
+          </a:prstGeom>
+          <a:noFill/>
+        </p:spPr>
+        <p:style>
+          <a:lnRef idx="2">
+            <a:schemeClr val="accent1">
+              <a:shade val="50000"/>
+            </a:schemeClr>
+          </a:lnRef>
+          <a:fillRef idx="1">
+            <a:schemeClr val="accent1"/>
+          </a:fillRef>
+          <a:effectRef idx="0">
+            <a:schemeClr val="accent1"/>
+          </a:effectRef>
+          <a:fontRef idx="minor">
+            <a:schemeClr val="lt1"/>
+          </a:fontRef>
+        </p:style>
+        <p:txBody>
+          <a:bodyPr rtlCol="0" anchor="ctr"/>
+          <a:lstStyle/>
+          <a:p>
+            <a:pPr algn="ctr"/>
+            <a:r>
+              <a:rPr lang="en-US" altLang="ko-KR" sz="1400" b="1" dirty="0" smtClean="0">
+                <a:solidFill>
+                  <a:schemeClr val="tx1"/>
+                </a:solidFill>
+              </a:rPr>
+              <a:t>Mapper </a:t>
+            </a:r>
+          </a:p>
+          <a:p>
+            <a:pPr algn="ctr"/>
+            <a:r>
+              <a:rPr lang="en-US" altLang="ko-KR" sz="1400" dirty="0" smtClean="0">
+                <a:solidFill>
+                  <a:schemeClr val="tx1"/>
+                </a:solidFill>
+              </a:rPr>
+              <a:t>-SQL</a:t>
+            </a:r>
+            <a:r>
+              <a:rPr lang="ko-KR" altLang="en-US" sz="1400" dirty="0" smtClean="0">
+                <a:solidFill>
+                  <a:schemeClr val="tx1"/>
+                </a:solidFill>
+              </a:rPr>
+              <a:t>문 정</a:t>
+            </a:r>
+            <a:r>
+              <a:rPr lang="ko-KR" altLang="en-US" sz="1400" dirty="0">
+                <a:solidFill>
+                  <a:schemeClr val="tx1"/>
+                </a:solidFill>
+              </a:rPr>
+              <a:t>의</a:t>
+            </a:r>
+            <a:endParaRPr lang="en-US" altLang="ko-KR" sz="1400" dirty="0">
+              <a:solidFill>
+                <a:schemeClr val="tx1"/>
+              </a:solidFill>
+            </a:endParaRPr>
+          </a:p>
+          <a:p>
+            <a:pPr algn="ctr"/>
+            <a:endParaRPr lang="en-US" altLang="ko-KR" sz="1400" b="1" dirty="0" smtClean="0">
+              <a:solidFill>
+                <a:schemeClr val="tx1"/>
+              </a:solidFill>
+            </a:endParaRPr>
+          </a:p>
+        </p:txBody>
+      </p:sp>
+      <p:cxnSp>
+        <p:nvCxnSpPr>
+          <p:cNvPr id="23" name="Straight Connector 22"/>
+          <p:cNvCxnSpPr>
+            <a:stCxn id="11" idx="2"/>
+            <a:endCxn id="20" idx="0"/>
+          </p:cNvCxnSpPr>
+          <p:nvPr/>
+        </p:nvCxnSpPr>
+        <p:spPr>
+          <a:xfrm flipH="1">
+            <a:off x="3812192" y="1378251"/>
+            <a:ext cx="735967" cy="226684"/>
+          </a:xfrm>
+          <a:prstGeom prst="line">
+            <a:avLst/>
+          </a:prstGeom>
+        </p:spPr>
+        <p:style>
+          <a:lnRef idx="1">
+            <a:schemeClr val="accent1"/>
+          </a:lnRef>
+          <a:fillRef idx="0">
+            <a:schemeClr val="accent1"/>
+          </a:fillRef>
+          <a:effectRef idx="0">
+            <a:schemeClr val="accent1"/>
+          </a:effectRef>
+          <a:fontRef idx="minor">
+            <a:schemeClr val="tx1"/>
+          </a:fontRef>
+        </p:style>
+      </p:cxnSp>
+      <p:cxnSp>
+        <p:nvCxnSpPr>
+          <p:cNvPr id="26" name="Straight Connector 25"/>
+          <p:cNvCxnSpPr>
+            <a:stCxn id="11" idx="2"/>
+            <a:endCxn id="21" idx="0"/>
+          </p:cNvCxnSpPr>
+          <p:nvPr/>
+        </p:nvCxnSpPr>
+        <p:spPr>
+          <a:xfrm>
+            <a:off x="4548159" y="1378251"/>
+            <a:ext cx="762580" cy="226683"/>
+          </a:xfrm>
+          <a:prstGeom prst="line">
+            <a:avLst/>
+          </a:prstGeom>
+        </p:spPr>
+        <p:style>
+          <a:lnRef idx="1">
+            <a:schemeClr val="accent1"/>
+          </a:lnRef>
+          <a:fillRef idx="0">
+            <a:schemeClr val="accent1"/>
+          </a:fillRef>
+          <a:effectRef idx="0">
+            <a:schemeClr val="accent1"/>
+          </a:effectRef>
+          <a:fontRef idx="minor">
+            <a:schemeClr val="tx1"/>
+          </a:fontRef>
+        </p:style>
+      </p:cxnSp>
+      <p:sp>
+        <p:nvSpPr>
+          <p:cNvPr id="33" name="TextBox 32"/>
+          <p:cNvSpPr txBox="1"/>
+          <p:nvPr/>
+        </p:nvSpPr>
+        <p:spPr>
+          <a:xfrm>
+            <a:off x="0" y="-50923"/>
+            <a:ext cx="2980944" cy="553998"/>
+          </a:xfrm>
+          <a:prstGeom prst="rect">
+            <a:avLst/>
+          </a:prstGeom>
+          <a:noFill/>
+        </p:spPr>
+        <p:txBody>
+          <a:bodyPr wrap="square" rtlCol="0">
+            <a:spAutoFit/>
+          </a:bodyPr>
+          <a:lstStyle/>
+          <a:p>
+            <a:r>
+              <a:rPr lang="ko-KR" altLang="en-US" sz="3000" b="1" dirty="0" smtClean="0"/>
+              <a:t>설정파일</a:t>
+            </a:r>
+            <a:r>
+              <a:rPr lang="en-US" altLang="ko-KR" sz="3000" b="1" dirty="0" smtClean="0"/>
+              <a:t>(.XML):</a:t>
+            </a:r>
+            <a:endParaRPr lang="ko-KR" altLang="en-US" sz="3000" b="1" dirty="0"/>
+          </a:p>
+        </p:txBody>
+      </p:sp>
+      <p:sp>
+        <p:nvSpPr>
+          <p:cNvPr id="34" name="직사각형 20"/>
+          <p:cNvSpPr/>
+          <p:nvPr/>
+        </p:nvSpPr>
+        <p:spPr>
+          <a:xfrm>
+            <a:off x="1087061" y="698474"/>
+            <a:ext cx="1665988" cy="1542656"/>
+          </a:xfrm>
+          <a:prstGeom prst="rect">
+            <a:avLst/>
+          </a:prstGeom>
+          <a:noFill/>
+        </p:spPr>
+        <p:style>
+          <a:lnRef idx="2">
+            <a:schemeClr val="accent1">
+              <a:shade val="50000"/>
+            </a:schemeClr>
+          </a:lnRef>
+          <a:fillRef idx="1">
+            <a:schemeClr val="accent1"/>
+          </a:fillRef>
+          <a:effectRef idx="0">
+            <a:schemeClr val="accent1"/>
+          </a:effectRef>
+          <a:fontRef idx="minor">
+            <a:schemeClr val="lt1"/>
+          </a:fontRef>
+        </p:style>
+        <p:txBody>
+          <a:bodyPr rtlCol="0" anchor="ctr"/>
+          <a:lstStyle/>
+          <a:p>
+            <a:pPr algn="ctr"/>
+            <a:r>
+              <a:rPr lang="en-US" altLang="ko-KR" sz="1400" b="1" dirty="0" smtClean="0">
+                <a:solidFill>
+                  <a:schemeClr val="tx1"/>
+                </a:solidFill>
+              </a:rPr>
+              <a:t>POM xml</a:t>
+            </a:r>
+          </a:p>
+          <a:p>
+            <a:r>
+              <a:rPr lang="en-US" altLang="ko-KR" sz="1400" dirty="0" smtClean="0">
+                <a:solidFill>
+                  <a:schemeClr val="tx1"/>
+                </a:solidFill>
+              </a:rPr>
+              <a:t>- Mybatis </a:t>
+            </a:r>
+            <a:r>
+              <a:rPr lang="ko-KR" altLang="en-US" sz="1400" dirty="0" smtClean="0">
+                <a:solidFill>
+                  <a:schemeClr val="tx1"/>
+                </a:solidFill>
+              </a:rPr>
+              <a:t>라이브러리 추가</a:t>
+            </a:r>
+            <a:endParaRPr lang="en-US" altLang="ko-KR" sz="1400" dirty="0" smtClean="0">
+              <a:solidFill>
+                <a:schemeClr val="tx1"/>
+              </a:solidFill>
+            </a:endParaRPr>
+          </a:p>
+          <a:p>
+            <a:r>
+              <a:rPr lang="en-US" altLang="ko-KR" sz="1400" dirty="0" smtClean="0">
+                <a:solidFill>
+                  <a:schemeClr val="tx1"/>
+                </a:solidFill>
+              </a:rPr>
+              <a:t>- Mybatis spring </a:t>
+            </a:r>
+          </a:p>
+          <a:p>
+            <a:r>
+              <a:rPr lang="ko-KR" altLang="en-US" sz="1400" dirty="0" smtClean="0">
+                <a:solidFill>
+                  <a:schemeClr val="tx1"/>
+                </a:solidFill>
+              </a:rPr>
+              <a:t>라이브러리 추가</a:t>
+            </a:r>
+            <a:endParaRPr lang="en-US" altLang="ko-KR" sz="1400" dirty="0" smtClean="0">
+              <a:solidFill>
+                <a:schemeClr val="tx1"/>
+              </a:solidFill>
+            </a:endParaRPr>
+          </a:p>
+          <a:p>
+            <a:r>
+              <a:rPr lang="en-US" altLang="ko-KR" sz="1400" dirty="0" smtClean="0">
+                <a:solidFill>
+                  <a:schemeClr val="tx1"/>
+                </a:solidFill>
+              </a:rPr>
+              <a:t>- Tiles </a:t>
+            </a:r>
+            <a:r>
+              <a:rPr lang="ko-KR" altLang="en-US" sz="1400" dirty="0" smtClean="0">
+                <a:solidFill>
+                  <a:schemeClr val="tx1"/>
+                </a:solidFill>
+              </a:rPr>
+              <a:t>라이브러리 추가</a:t>
+            </a:r>
+            <a:endParaRPr lang="en-US" altLang="ko-KR" sz="1400" dirty="0">
+              <a:solidFill>
+                <a:schemeClr val="tx1"/>
+              </a:solidFill>
+            </a:endParaRPr>
+          </a:p>
+        </p:txBody>
+      </p:sp>
+      <p:sp>
+        <p:nvSpPr>
+          <p:cNvPr id="29" name="TextBox 28"/>
+          <p:cNvSpPr txBox="1"/>
+          <p:nvPr/>
+        </p:nvSpPr>
+        <p:spPr>
+          <a:xfrm>
+            <a:off x="3523390" y="5969135"/>
+            <a:ext cx="6551281" cy="954107"/>
+          </a:xfrm>
+          <a:prstGeom prst="rect">
+            <a:avLst/>
+          </a:prstGeom>
+          <a:noFill/>
+        </p:spPr>
+        <p:txBody>
+          <a:bodyPr wrap="none" rtlCol="0">
+            <a:spAutoFit/>
+          </a:bodyPr>
+          <a:lstStyle/>
+          <a:p>
+            <a:r>
+              <a:rPr lang="en-US" altLang="ko-KR" sz="1400" b="1" dirty="0" smtClean="0"/>
+              <a:t>Mybatis </a:t>
+            </a:r>
+            <a:r>
+              <a:rPr lang="ko-KR" altLang="en-US" sz="1400" b="1" dirty="0" smtClean="0"/>
+              <a:t>특징</a:t>
+            </a:r>
+            <a:r>
+              <a:rPr lang="en-US" altLang="ko-KR" sz="1400" b="1" dirty="0" smtClean="0"/>
+              <a:t>1:</a:t>
+            </a:r>
+          </a:p>
+          <a:p>
+            <a:r>
+              <a:rPr lang="ko-KR" altLang="ko-KR" sz="1400" dirty="0"/>
+              <a:t>한두 줄의 자바 코드로 </a:t>
+            </a:r>
+            <a:r>
+              <a:rPr lang="en-US" altLang="ko-KR" sz="1400" dirty="0"/>
+              <a:t>DB</a:t>
+            </a:r>
+            <a:r>
+              <a:rPr lang="ko-KR" altLang="ko-KR" sz="1400" dirty="0"/>
+              <a:t>를 연동 처리한다</a:t>
+            </a:r>
+            <a:r>
+              <a:rPr lang="en-US" altLang="ko-KR" sz="1400" dirty="0" smtClean="0"/>
+              <a:t>.</a:t>
+            </a:r>
+            <a:endParaRPr lang="ko-KR" altLang="ko-KR" sz="1400" dirty="0"/>
+          </a:p>
+          <a:p>
+            <a:r>
+              <a:rPr lang="en-US" altLang="ko-KR" sz="1400" b="1" dirty="0"/>
+              <a:t>Mybatis </a:t>
+            </a:r>
+            <a:r>
+              <a:rPr lang="ko-KR" altLang="en-US" sz="1400" b="1" dirty="0" smtClean="0"/>
+              <a:t>특징</a:t>
+            </a:r>
+            <a:r>
+              <a:rPr lang="en-US" altLang="ko-KR" sz="1400" b="1" dirty="0" smtClean="0"/>
+              <a:t>2:</a:t>
+            </a:r>
+            <a:r>
+              <a:rPr lang="en-US" altLang="ko-KR" sz="1400" dirty="0"/>
+              <a:t>SQL </a:t>
+            </a:r>
+            <a:r>
+              <a:rPr lang="ko-KR" altLang="ko-KR" sz="1400" dirty="0"/>
+              <a:t>명령어를 자바코드에서 분리하여 </a:t>
+            </a:r>
+            <a:r>
+              <a:rPr lang="en-US" altLang="ko-KR" sz="1400" dirty="0"/>
+              <a:t>xml</a:t>
+            </a:r>
+            <a:r>
+              <a:rPr lang="ko-KR" altLang="ko-KR" sz="1400" dirty="0"/>
+              <a:t>파일에 따로 관리한다</a:t>
+            </a:r>
+            <a:endParaRPr lang="en-US" altLang="ko-KR" sz="1400" b="1" dirty="0" smtClean="0"/>
+          </a:p>
+          <a:p>
+            <a:r>
+              <a:rPr lang="en-US" altLang="ko-KR" sz="1400" dirty="0" smtClean="0"/>
+              <a:t>.</a:t>
+            </a:r>
+            <a:endParaRPr lang="ko-KR" altLang="en-US" sz="1400" dirty="0"/>
+          </a:p>
+        </p:txBody>
+      </p:sp>
+      <p:sp>
+        <p:nvSpPr>
+          <p:cNvPr id="30" name="TextBox 29"/>
+          <p:cNvSpPr txBox="1"/>
+          <p:nvPr/>
+        </p:nvSpPr>
+        <p:spPr>
+          <a:xfrm>
+            <a:off x="1115620" y="2385397"/>
+            <a:ext cx="1693092" cy="584775"/>
+          </a:xfrm>
+          <a:prstGeom prst="rect">
+            <a:avLst/>
+          </a:prstGeom>
+          <a:noFill/>
+        </p:spPr>
+        <p:txBody>
+          <a:bodyPr wrap="none" rtlCol="0">
+            <a:spAutoFit/>
+          </a:bodyPr>
+          <a:lstStyle/>
+          <a:p>
+            <a:pPr algn="ctr"/>
+            <a:r>
+              <a:rPr lang="en-US" altLang="ko-KR" sz="1600" b="1" dirty="0">
+                <a:solidFill>
+                  <a:srgbClr val="0070C0"/>
+                </a:solidFill>
+              </a:rPr>
+              <a:t>Mybatis</a:t>
+            </a:r>
+          </a:p>
+          <a:p>
+            <a:pPr algn="ctr"/>
+            <a:r>
+              <a:rPr lang="ko-KR" altLang="en-US" sz="1600" b="1" dirty="0">
+                <a:solidFill>
+                  <a:srgbClr val="0070C0"/>
+                </a:solidFill>
+              </a:rPr>
+              <a:t>라이브러리 추가</a:t>
+            </a:r>
+          </a:p>
+        </p:txBody>
+      </p:sp>
+      <p:sp>
+        <p:nvSpPr>
+          <p:cNvPr id="35" name="TextBox 34"/>
+          <p:cNvSpPr txBox="1"/>
+          <p:nvPr/>
+        </p:nvSpPr>
+        <p:spPr>
+          <a:xfrm>
+            <a:off x="3864189" y="2637523"/>
+            <a:ext cx="1424557" cy="338554"/>
+          </a:xfrm>
+          <a:prstGeom prst="rect">
+            <a:avLst/>
+          </a:prstGeom>
+          <a:noFill/>
+        </p:spPr>
+        <p:txBody>
+          <a:bodyPr wrap="none" rtlCol="0">
+            <a:spAutoFit/>
+          </a:bodyPr>
+          <a:lstStyle/>
+          <a:p>
+            <a:r>
+              <a:rPr lang="en-US" altLang="ko-KR" sz="1600" b="1" dirty="0">
+                <a:solidFill>
+                  <a:srgbClr val="0070C0"/>
+                </a:solidFill>
+              </a:rPr>
+              <a:t>Mybatis</a:t>
+            </a:r>
+            <a:r>
+              <a:rPr lang="en-US" altLang="ko-KR" sz="1200" dirty="0" smtClean="0"/>
+              <a:t> </a:t>
+            </a:r>
+            <a:r>
+              <a:rPr lang="ko-KR" altLang="en-US" sz="1600" b="1" dirty="0">
+                <a:solidFill>
+                  <a:srgbClr val="0070C0"/>
+                </a:solidFill>
+              </a:rPr>
+              <a:t>설정</a:t>
+            </a:r>
+          </a:p>
+        </p:txBody>
+      </p:sp>
+      <p:sp>
+        <p:nvSpPr>
+          <p:cNvPr id="36" name="TextBox 35"/>
+          <p:cNvSpPr txBox="1"/>
+          <p:nvPr/>
+        </p:nvSpPr>
+        <p:spPr>
+          <a:xfrm>
+            <a:off x="6388482" y="2175172"/>
+            <a:ext cx="2612382" cy="584775"/>
+          </a:xfrm>
+          <a:prstGeom prst="rect">
+            <a:avLst/>
+          </a:prstGeom>
+          <a:noFill/>
+        </p:spPr>
+        <p:txBody>
+          <a:bodyPr wrap="none" rtlCol="0">
+            <a:spAutoFit/>
+          </a:bodyPr>
+          <a:lstStyle/>
+          <a:p>
+            <a:r>
+              <a:rPr lang="en-US" altLang="ko-KR" sz="1600" b="1" dirty="0" smtClean="0">
+                <a:solidFill>
+                  <a:srgbClr val="0070C0"/>
+                </a:solidFill>
+              </a:rPr>
+              <a:t>Mybatis </a:t>
+            </a:r>
+            <a:r>
+              <a:rPr lang="ko-KR" altLang="en-US" sz="1600" b="1" dirty="0" smtClean="0">
+                <a:solidFill>
+                  <a:srgbClr val="0070C0"/>
+                </a:solidFill>
+              </a:rPr>
+              <a:t>사용할 수 있도록</a:t>
+            </a:r>
+            <a:endParaRPr lang="en-US" altLang="ko-KR" sz="1600" b="1" dirty="0" smtClean="0">
+              <a:solidFill>
+                <a:srgbClr val="0070C0"/>
+              </a:solidFill>
+            </a:endParaRPr>
+          </a:p>
+          <a:p>
+            <a:pPr algn="ctr"/>
+            <a:r>
+              <a:rPr lang="en-US" altLang="ko-KR" sz="1600" b="1" dirty="0" smtClean="0">
+                <a:solidFill>
+                  <a:srgbClr val="0070C0"/>
+                </a:solidFill>
+              </a:rPr>
+              <a:t>Spring </a:t>
+            </a:r>
+            <a:r>
+              <a:rPr lang="ko-KR" altLang="en-US" sz="1600" b="1" dirty="0" smtClean="0">
+                <a:solidFill>
+                  <a:srgbClr val="0070C0"/>
+                </a:solidFill>
+              </a:rPr>
+              <a:t>설정</a:t>
+            </a:r>
+            <a:endParaRPr lang="ko-KR" altLang="en-US" sz="1600" b="1" dirty="0">
+              <a:solidFill>
+                <a:srgbClr val="0070C0"/>
+              </a:solidFill>
+            </a:endParaRPr>
+          </a:p>
+        </p:txBody>
+      </p:sp>
+      <p:sp>
+        <p:nvSpPr>
+          <p:cNvPr id="38" name="TextBox 37"/>
+          <p:cNvSpPr txBox="1"/>
+          <p:nvPr/>
+        </p:nvSpPr>
+        <p:spPr>
+          <a:xfrm>
+            <a:off x="365468" y="5973027"/>
+            <a:ext cx="3031599" cy="738664"/>
+          </a:xfrm>
+          <a:prstGeom prst="rect">
+            <a:avLst/>
+          </a:prstGeom>
+          <a:noFill/>
+        </p:spPr>
+        <p:txBody>
+          <a:bodyPr wrap="none" rtlCol="0">
+            <a:spAutoFit/>
+          </a:bodyPr>
+          <a:lstStyle/>
+          <a:p>
+            <a:r>
+              <a:rPr lang="en-US" altLang="ko-KR" sz="1400" b="1" dirty="0" smtClean="0"/>
+              <a:t>Note:</a:t>
+            </a:r>
+          </a:p>
+          <a:p>
+            <a:pPr marL="342900" indent="-342900">
+              <a:buAutoNum type="arabicPeriod"/>
+            </a:pPr>
+            <a:r>
+              <a:rPr lang="en-US" altLang="ko-KR" sz="1400" dirty="0" smtClean="0"/>
+              <a:t>Mybatis</a:t>
+            </a:r>
+            <a:r>
+              <a:rPr lang="ko-KR" altLang="en-US" sz="1400" dirty="0" smtClean="0"/>
+              <a:t>는 </a:t>
+            </a:r>
+            <a:r>
+              <a:rPr lang="en-US" altLang="ko-KR" sz="1400" dirty="0" smtClean="0"/>
+              <a:t>DB</a:t>
+            </a:r>
+            <a:r>
+              <a:rPr lang="ko-KR" altLang="en-US" sz="1400" dirty="0" smtClean="0"/>
+              <a:t>연동 프레임워크</a:t>
+            </a:r>
+            <a:endParaRPr lang="en-US" altLang="ko-KR" sz="1400" dirty="0" smtClean="0"/>
+          </a:p>
+          <a:p>
+            <a:pPr marL="342900" indent="-342900">
+              <a:buAutoNum type="arabicPeriod"/>
+            </a:pPr>
+            <a:r>
+              <a:rPr lang="en-US" altLang="ko-KR" sz="1400" dirty="0" smtClean="0"/>
+              <a:t>Tiles</a:t>
+            </a:r>
+            <a:r>
+              <a:rPr lang="ko-KR" altLang="en-US" sz="1400" dirty="0" smtClean="0"/>
+              <a:t>는 웹화면 구성 프레임워크</a:t>
+            </a:r>
+            <a:endParaRPr lang="ko-KR" altLang="en-US" sz="1400" dirty="0"/>
+          </a:p>
+        </p:txBody>
+      </p:sp>
+      <p:sp>
+        <p:nvSpPr>
+          <p:cNvPr id="39" name="Right Arrow 38"/>
+          <p:cNvSpPr/>
+          <p:nvPr/>
+        </p:nvSpPr>
+        <p:spPr>
+          <a:xfrm>
+            <a:off x="2980944" y="1165864"/>
+            <a:ext cx="411480" cy="274320"/>
+          </a:xfrm>
+          <a:prstGeom prst="rightArrow">
+            <a:avLst/>
+          </a:prstGeom>
+        </p:spPr>
+        <p:style>
+          <a:lnRef idx="2">
+            <a:schemeClr val="accent1">
+              <a:shade val="50000"/>
+            </a:schemeClr>
+          </a:lnRef>
+          <a:fillRef idx="1">
+            <a:schemeClr val="accent1"/>
+          </a:fillRef>
+          <a:effectRef idx="0">
+            <a:schemeClr val="accent1"/>
+          </a:effectRef>
+          <a:fontRef idx="minor">
+            <a:schemeClr val="lt1"/>
+          </a:fontRef>
+        </p:style>
+        <p:txBody>
+          <a:bodyPr rtlCol="0" anchor="ctr"/>
+          <a:lstStyle/>
+          <a:p>
+            <a:pPr algn="ctr"/>
+            <a:endParaRPr lang="ko-KR" altLang="en-US"/>
+          </a:p>
+        </p:txBody>
+      </p:sp>
+      <p:sp>
+        <p:nvSpPr>
+          <p:cNvPr id="40" name="Right Arrow 39"/>
+          <p:cNvSpPr/>
+          <p:nvPr/>
+        </p:nvSpPr>
+        <p:spPr>
+          <a:xfrm>
+            <a:off x="5713045" y="1163894"/>
+            <a:ext cx="411480" cy="274320"/>
+          </a:xfrm>
+          <a:prstGeom prst="rightArrow">
+            <a:avLst/>
+          </a:prstGeom>
+        </p:spPr>
+        <p:style>
+          <a:lnRef idx="2">
+            <a:schemeClr val="accent1">
+              <a:shade val="50000"/>
+            </a:schemeClr>
+          </a:lnRef>
+          <a:fillRef idx="1">
+            <a:schemeClr val="accent1"/>
+          </a:fillRef>
+          <a:effectRef idx="0">
+            <a:schemeClr val="accent1"/>
+          </a:effectRef>
+          <a:fontRef idx="minor">
+            <a:schemeClr val="lt1"/>
+          </a:fontRef>
+        </p:style>
+        <p:txBody>
+          <a:bodyPr rtlCol="0" anchor="ctr"/>
+          <a:lstStyle/>
+          <a:p>
+            <a:pPr algn="ctr"/>
+            <a:endParaRPr lang="ko-KR" altLang="en-US"/>
+          </a:p>
+        </p:txBody>
+      </p:sp>
+      <p:sp>
+        <p:nvSpPr>
+          <p:cNvPr id="41" name="TextBox 40"/>
+          <p:cNvSpPr txBox="1"/>
+          <p:nvPr/>
+        </p:nvSpPr>
+        <p:spPr>
+          <a:xfrm>
+            <a:off x="1147168" y="420940"/>
+            <a:ext cx="1629998" cy="276999"/>
+          </a:xfrm>
+          <a:prstGeom prst="rect">
+            <a:avLst/>
+          </a:prstGeom>
+          <a:noFill/>
+        </p:spPr>
+        <p:txBody>
+          <a:bodyPr wrap="none" rtlCol="0">
+            <a:spAutoFit/>
+          </a:bodyPr>
+          <a:lstStyle/>
+          <a:p>
+            <a:r>
+              <a:rPr lang="ko-KR" altLang="en-US" sz="1200" dirty="0" smtClean="0"/>
+              <a:t>위치</a:t>
+            </a:r>
+            <a:r>
+              <a:rPr lang="en-US" altLang="ko-KR" sz="1200" dirty="0" smtClean="0"/>
+              <a:t>: Project </a:t>
+            </a:r>
+            <a:r>
+              <a:rPr lang="ko-KR" altLang="en-US" sz="1200" dirty="0" smtClean="0"/>
+              <a:t>맨 상단</a:t>
+            </a:r>
+            <a:endParaRPr lang="ko-KR" altLang="en-US" sz="1200" dirty="0"/>
+          </a:p>
+        </p:txBody>
+      </p:sp>
+      <p:sp>
+        <p:nvSpPr>
+          <p:cNvPr id="42" name="TextBox 41"/>
+          <p:cNvSpPr txBox="1"/>
+          <p:nvPr/>
+        </p:nvSpPr>
+        <p:spPr>
+          <a:xfrm>
+            <a:off x="3579473" y="454923"/>
+            <a:ext cx="2047355" cy="276999"/>
+          </a:xfrm>
+          <a:prstGeom prst="rect">
+            <a:avLst/>
+          </a:prstGeom>
+          <a:noFill/>
+        </p:spPr>
+        <p:txBody>
+          <a:bodyPr wrap="none" rtlCol="0">
+            <a:spAutoFit/>
+          </a:bodyPr>
+          <a:lstStyle/>
+          <a:p>
+            <a:r>
+              <a:rPr lang="ko-KR" altLang="en-US" sz="1200" dirty="0"/>
+              <a:t>위치</a:t>
+            </a:r>
+            <a:r>
+              <a:rPr lang="en-US" altLang="ko-KR" sz="1200" dirty="0"/>
+              <a:t>: </a:t>
+            </a:r>
+            <a:r>
+              <a:rPr lang="en-US" altLang="ko-KR" sz="1200" dirty="0" smtClean="0"/>
+              <a:t>WEB-INF</a:t>
+            </a:r>
+            <a:r>
+              <a:rPr lang="ko-KR" altLang="en-US" sz="1200" dirty="0" smtClean="0"/>
+              <a:t> 하단 </a:t>
+            </a:r>
+            <a:r>
+              <a:rPr lang="en-US" altLang="ko-KR" sz="1200" dirty="0" err="1" smtClean="0"/>
+              <a:t>config</a:t>
+            </a:r>
+            <a:endParaRPr lang="ko-KR" altLang="en-US" sz="1200" dirty="0"/>
+          </a:p>
+        </p:txBody>
+      </p:sp>
+      <p:sp>
+        <p:nvSpPr>
+          <p:cNvPr id="44" name="직사각형 20"/>
+          <p:cNvSpPr/>
+          <p:nvPr/>
+        </p:nvSpPr>
+        <p:spPr>
+          <a:xfrm>
+            <a:off x="6505643" y="850875"/>
+            <a:ext cx="2271158" cy="1176108"/>
+          </a:xfrm>
+          <a:prstGeom prst="rect">
+            <a:avLst/>
+          </a:prstGeom>
+          <a:noFill/>
+        </p:spPr>
+        <p:style>
+          <a:lnRef idx="2">
+            <a:schemeClr val="accent1">
+              <a:shade val="50000"/>
+            </a:schemeClr>
+          </a:lnRef>
+          <a:fillRef idx="1">
+            <a:schemeClr val="accent1"/>
+          </a:fillRef>
+          <a:effectRef idx="0">
+            <a:schemeClr val="accent1"/>
+          </a:effectRef>
+          <a:fontRef idx="minor">
+            <a:schemeClr val="lt1"/>
+          </a:fontRef>
+        </p:style>
+        <p:txBody>
+          <a:bodyPr rtlCol="0" anchor="ctr"/>
+          <a:lstStyle/>
+          <a:p>
+            <a:pPr algn="ctr"/>
+            <a:r>
+              <a:rPr lang="en-US" altLang="ko-KR" sz="1400" b="1" dirty="0" smtClean="0">
+                <a:solidFill>
+                  <a:schemeClr val="tx1"/>
+                </a:solidFill>
+              </a:rPr>
+              <a:t>Spring xml</a:t>
+            </a:r>
+          </a:p>
+          <a:p>
+            <a:r>
+              <a:rPr lang="en-US" altLang="ko-KR" sz="1400" dirty="0" smtClean="0">
+                <a:solidFill>
+                  <a:schemeClr val="tx1"/>
+                </a:solidFill>
+              </a:rPr>
+              <a:t>-   View Resolver </a:t>
+            </a:r>
+            <a:r>
+              <a:rPr lang="ko-KR" altLang="en-US" sz="1400" dirty="0" smtClean="0">
+                <a:solidFill>
+                  <a:schemeClr val="tx1"/>
+                </a:solidFill>
+              </a:rPr>
+              <a:t>등록</a:t>
+            </a:r>
+            <a:endParaRPr lang="en-US" altLang="ko-KR" sz="1400" dirty="0" smtClean="0">
+              <a:solidFill>
+                <a:schemeClr val="tx1"/>
+              </a:solidFill>
+            </a:endParaRPr>
+          </a:p>
+          <a:p>
+            <a:pPr marL="285750" indent="-285750">
+              <a:buFontTx/>
+              <a:buChar char="-"/>
+            </a:pPr>
+            <a:r>
+              <a:rPr lang="en-US" altLang="ko-KR" sz="1400" dirty="0" smtClean="0">
+                <a:solidFill>
+                  <a:schemeClr val="tx1"/>
+                </a:solidFill>
+              </a:rPr>
+              <a:t>Tiles path </a:t>
+            </a:r>
+            <a:r>
+              <a:rPr lang="ko-KR" altLang="en-US" sz="1400" dirty="0" smtClean="0">
+                <a:solidFill>
+                  <a:schemeClr val="tx1"/>
+                </a:solidFill>
+              </a:rPr>
+              <a:t>등록</a:t>
+            </a:r>
+            <a:endParaRPr lang="en-US" altLang="ko-KR" sz="1400" dirty="0" smtClean="0">
+              <a:solidFill>
+                <a:schemeClr val="tx1"/>
+              </a:solidFill>
+            </a:endParaRPr>
+          </a:p>
+          <a:p>
+            <a:pPr marL="285750" indent="-285750">
+              <a:buFontTx/>
+              <a:buChar char="-"/>
+            </a:pPr>
+            <a:r>
+              <a:rPr lang="en-US" altLang="ko-KR" sz="1400" dirty="0" err="1" smtClean="0">
+                <a:solidFill>
+                  <a:schemeClr val="tx1"/>
+                </a:solidFill>
+              </a:rPr>
+              <a:t>Mybatis</a:t>
+            </a:r>
+            <a:r>
+              <a:rPr lang="en-US" altLang="ko-KR" sz="1400" dirty="0" smtClean="0">
+                <a:solidFill>
+                  <a:schemeClr val="tx1"/>
+                </a:solidFill>
+              </a:rPr>
+              <a:t> DB</a:t>
+            </a:r>
+            <a:r>
+              <a:rPr lang="ko-KR" altLang="en-US" sz="1400" dirty="0" smtClean="0">
+                <a:solidFill>
+                  <a:schemeClr val="tx1"/>
+                </a:solidFill>
+              </a:rPr>
+              <a:t>연동 설정</a:t>
+            </a:r>
+            <a:endParaRPr lang="en-US" altLang="ko-KR" sz="1400" dirty="0" smtClean="0">
+              <a:solidFill>
+                <a:schemeClr val="tx1"/>
+              </a:solidFill>
+            </a:endParaRPr>
+          </a:p>
+          <a:p>
+            <a:r>
+              <a:rPr lang="ko-KR" altLang="en-US" sz="1100" dirty="0" smtClean="0">
+                <a:solidFill>
+                  <a:schemeClr val="tx1"/>
+                </a:solidFill>
+              </a:rPr>
+              <a:t>핵심 클래스</a:t>
+            </a:r>
+            <a:r>
+              <a:rPr lang="en-US" altLang="ko-KR" sz="1100" dirty="0" smtClean="0">
+                <a:solidFill>
+                  <a:schemeClr val="tx1"/>
+                </a:solidFill>
+              </a:rPr>
+              <a:t>: </a:t>
+            </a:r>
+            <a:r>
+              <a:rPr lang="en-US" altLang="ko-KR" sz="1100" b="1" dirty="0" err="1" smtClean="0">
+                <a:solidFill>
+                  <a:srgbClr val="FF0000"/>
+                </a:solidFill>
+              </a:rPr>
+              <a:t>sqlSession</a:t>
+            </a:r>
+            <a:endParaRPr lang="en-US" altLang="ko-KR" sz="1400" b="1" dirty="0">
+              <a:solidFill>
+                <a:srgbClr val="FF0000"/>
+              </a:solidFill>
+            </a:endParaRPr>
+          </a:p>
+        </p:txBody>
+      </p:sp>
+      <p:sp>
+        <p:nvSpPr>
+          <p:cNvPr id="51" name="직사각형 20"/>
+          <p:cNvSpPr/>
+          <p:nvPr/>
+        </p:nvSpPr>
+        <p:spPr>
+          <a:xfrm>
+            <a:off x="351719" y="4042841"/>
+            <a:ext cx="2338378" cy="717647"/>
+          </a:xfrm>
+          <a:prstGeom prst="rect">
+            <a:avLst/>
+          </a:prstGeom>
+          <a:noFill/>
+        </p:spPr>
+        <p:style>
+          <a:lnRef idx="2">
+            <a:schemeClr val="accent1">
+              <a:shade val="50000"/>
+            </a:schemeClr>
+          </a:lnRef>
+          <a:fillRef idx="1">
+            <a:schemeClr val="accent1"/>
+          </a:fillRef>
+          <a:effectRef idx="0">
+            <a:schemeClr val="accent1"/>
+          </a:effectRef>
+          <a:fontRef idx="minor">
+            <a:schemeClr val="lt1"/>
+          </a:fontRef>
+        </p:style>
+        <p:txBody>
+          <a:bodyPr rtlCol="0" anchor="ctr"/>
+          <a:lstStyle/>
+          <a:p>
+            <a:pPr algn="ctr"/>
+            <a:r>
+              <a:rPr lang="en-US" altLang="ko-KR" sz="1400" b="1" dirty="0" smtClean="0">
+                <a:solidFill>
+                  <a:schemeClr val="tx1"/>
+                </a:solidFill>
+              </a:rPr>
+              <a:t>Web xml</a:t>
+            </a:r>
+          </a:p>
+          <a:p>
+            <a:pPr marL="285750" indent="-285750">
+              <a:buFontTx/>
+              <a:buChar char="-"/>
+            </a:pPr>
+            <a:r>
+              <a:rPr lang="en-US" altLang="ko-KR" sz="1400" dirty="0" smtClean="0">
+                <a:solidFill>
+                  <a:schemeClr val="tx1"/>
+                </a:solidFill>
+              </a:rPr>
+              <a:t>DispatcherServlet </a:t>
+            </a:r>
+            <a:r>
+              <a:rPr lang="ko-KR" altLang="en-US" sz="1400" dirty="0" smtClean="0">
+                <a:solidFill>
+                  <a:schemeClr val="tx1"/>
+                </a:solidFill>
+              </a:rPr>
+              <a:t>등록</a:t>
+            </a:r>
+            <a:endParaRPr lang="en-US" altLang="ko-KR" sz="1400" dirty="0" smtClean="0">
+              <a:solidFill>
+                <a:schemeClr val="tx1"/>
+              </a:solidFill>
+            </a:endParaRPr>
+          </a:p>
+          <a:p>
+            <a:pPr marL="285750" indent="-285750">
+              <a:buFontTx/>
+              <a:buChar char="-"/>
+            </a:pPr>
+            <a:r>
+              <a:rPr lang="ko-KR" altLang="en-US" sz="1400" dirty="0" smtClean="0">
+                <a:solidFill>
+                  <a:schemeClr val="tx1"/>
+                </a:solidFill>
+              </a:rPr>
+              <a:t>한글 </a:t>
+            </a:r>
+            <a:r>
+              <a:rPr lang="en-US" altLang="ko-KR" sz="1400" dirty="0" smtClean="0">
+                <a:solidFill>
+                  <a:schemeClr val="tx1"/>
+                </a:solidFill>
+              </a:rPr>
+              <a:t>encoding</a:t>
+            </a:r>
+          </a:p>
+        </p:txBody>
+      </p:sp>
+      <p:sp>
+        <p:nvSpPr>
+          <p:cNvPr id="52" name="TextBox 51"/>
+          <p:cNvSpPr txBox="1"/>
+          <p:nvPr/>
+        </p:nvSpPr>
+        <p:spPr>
+          <a:xfrm>
+            <a:off x="1019964" y="3786512"/>
+            <a:ext cx="1196161" cy="276999"/>
+          </a:xfrm>
+          <a:prstGeom prst="rect">
+            <a:avLst/>
+          </a:prstGeom>
+          <a:noFill/>
+        </p:spPr>
+        <p:txBody>
+          <a:bodyPr wrap="none" rtlCol="0">
+            <a:spAutoFit/>
+          </a:bodyPr>
+          <a:lstStyle/>
+          <a:p>
+            <a:r>
+              <a:rPr lang="ko-KR" altLang="en-US" sz="1200" dirty="0"/>
+              <a:t>위치</a:t>
+            </a:r>
+            <a:r>
+              <a:rPr lang="en-US" altLang="ko-KR" sz="1200" dirty="0"/>
+              <a:t>: </a:t>
+            </a:r>
+            <a:r>
+              <a:rPr lang="en-US" altLang="ko-KR" sz="1200" dirty="0" smtClean="0"/>
+              <a:t>WEB-INF</a:t>
+            </a:r>
+            <a:endParaRPr lang="ko-KR" altLang="en-US" sz="1200" dirty="0"/>
+          </a:p>
+        </p:txBody>
+      </p:sp>
+      <p:sp>
+        <p:nvSpPr>
+          <p:cNvPr id="54" name="TextBox 53"/>
+          <p:cNvSpPr txBox="1"/>
+          <p:nvPr/>
+        </p:nvSpPr>
+        <p:spPr>
+          <a:xfrm>
+            <a:off x="6670996" y="527655"/>
+            <a:ext cx="2047355" cy="276999"/>
+          </a:xfrm>
+          <a:prstGeom prst="rect">
+            <a:avLst/>
+          </a:prstGeom>
+          <a:noFill/>
+        </p:spPr>
+        <p:txBody>
+          <a:bodyPr wrap="none" rtlCol="0">
+            <a:spAutoFit/>
+          </a:bodyPr>
+          <a:lstStyle/>
+          <a:p>
+            <a:r>
+              <a:rPr lang="ko-KR" altLang="en-US" sz="1200" dirty="0"/>
+              <a:t>위치</a:t>
+            </a:r>
+            <a:r>
+              <a:rPr lang="en-US" altLang="ko-KR" sz="1200" dirty="0"/>
+              <a:t>: </a:t>
+            </a:r>
+            <a:r>
+              <a:rPr lang="en-US" altLang="ko-KR" sz="1200" dirty="0" smtClean="0"/>
+              <a:t>WEB-INF</a:t>
+            </a:r>
+            <a:r>
+              <a:rPr lang="ko-KR" altLang="en-US" sz="1200" dirty="0" smtClean="0"/>
+              <a:t> 하단 </a:t>
+            </a:r>
+            <a:r>
+              <a:rPr lang="en-US" altLang="ko-KR" sz="1200" dirty="0" err="1" smtClean="0"/>
+              <a:t>config</a:t>
+            </a:r>
+            <a:endParaRPr lang="ko-KR" altLang="en-US" sz="1200" dirty="0"/>
+          </a:p>
+        </p:txBody>
+      </p:sp>
+      <p:sp>
+        <p:nvSpPr>
+          <p:cNvPr id="57" name="직사각형 20"/>
+          <p:cNvSpPr/>
+          <p:nvPr/>
+        </p:nvSpPr>
+        <p:spPr>
+          <a:xfrm>
+            <a:off x="3334705" y="4008345"/>
+            <a:ext cx="2271158" cy="885640"/>
+          </a:xfrm>
+          <a:prstGeom prst="rect">
+            <a:avLst/>
+          </a:prstGeom>
+          <a:noFill/>
+        </p:spPr>
+        <p:style>
+          <a:lnRef idx="2">
+            <a:schemeClr val="accent1">
+              <a:shade val="50000"/>
+            </a:schemeClr>
+          </a:lnRef>
+          <a:fillRef idx="1">
+            <a:schemeClr val="accent1"/>
+          </a:fillRef>
+          <a:effectRef idx="0">
+            <a:schemeClr val="accent1"/>
+          </a:effectRef>
+          <a:fontRef idx="minor">
+            <a:schemeClr val="lt1"/>
+          </a:fontRef>
+        </p:style>
+        <p:txBody>
+          <a:bodyPr rtlCol="0" anchor="ctr"/>
+          <a:lstStyle/>
+          <a:p>
+            <a:pPr algn="ctr"/>
+            <a:r>
+              <a:rPr lang="en-US" altLang="ko-KR" sz="1400" b="1" dirty="0" err="1" smtClean="0">
+                <a:solidFill>
+                  <a:schemeClr val="tx1"/>
+                </a:solidFill>
+              </a:rPr>
+              <a:t>Tilesx</a:t>
+            </a:r>
+            <a:r>
+              <a:rPr lang="en-US" altLang="ko-KR" sz="1400" b="1" dirty="0" smtClean="0">
+                <a:solidFill>
+                  <a:schemeClr val="tx1"/>
+                </a:solidFill>
+              </a:rPr>
+              <a:t> xml</a:t>
+            </a:r>
+          </a:p>
+          <a:p>
+            <a:pPr marL="285750" indent="-285750">
+              <a:buFontTx/>
+              <a:buChar char="-"/>
+            </a:pPr>
+            <a:r>
+              <a:rPr lang="ko-KR" altLang="en-US" sz="1400" dirty="0" smtClean="0">
+                <a:solidFill>
+                  <a:schemeClr val="tx1"/>
+                </a:solidFill>
+              </a:rPr>
+              <a:t>메인 템플릿 설정</a:t>
+            </a:r>
+            <a:endParaRPr lang="en-US" altLang="ko-KR" sz="1400" dirty="0" smtClean="0">
+              <a:solidFill>
+                <a:schemeClr val="tx1"/>
+              </a:solidFill>
+            </a:endParaRPr>
+          </a:p>
+          <a:p>
+            <a:pPr marL="285750" indent="-285750">
+              <a:buFontTx/>
+              <a:buChar char="-"/>
+            </a:pPr>
+            <a:r>
+              <a:rPr lang="ko-KR" altLang="en-US" sz="1400" dirty="0" smtClean="0">
+                <a:solidFill>
+                  <a:schemeClr val="tx1"/>
+                </a:solidFill>
+              </a:rPr>
+              <a:t>요청할 </a:t>
+            </a:r>
+            <a:r>
+              <a:rPr lang="en-US" altLang="ko-KR" sz="1400" dirty="0" smtClean="0">
+                <a:solidFill>
+                  <a:schemeClr val="tx1"/>
+                </a:solidFill>
+              </a:rPr>
+              <a:t>view </a:t>
+            </a:r>
+            <a:r>
+              <a:rPr lang="ko-KR" altLang="en-US" sz="1400" dirty="0" smtClean="0">
+                <a:solidFill>
+                  <a:schemeClr val="tx1"/>
+                </a:solidFill>
+              </a:rPr>
+              <a:t>설정</a:t>
+            </a:r>
+            <a:endParaRPr lang="en-US" altLang="ko-KR" sz="1400" dirty="0">
+              <a:solidFill>
+                <a:schemeClr val="tx1"/>
+              </a:solidFill>
+            </a:endParaRPr>
+          </a:p>
+        </p:txBody>
+      </p:sp>
+      <p:sp>
+        <p:nvSpPr>
+          <p:cNvPr id="58" name="TextBox 57"/>
+          <p:cNvSpPr txBox="1"/>
+          <p:nvPr/>
+        </p:nvSpPr>
+        <p:spPr>
+          <a:xfrm>
+            <a:off x="3446606" y="3685126"/>
+            <a:ext cx="2047355" cy="276999"/>
+          </a:xfrm>
+          <a:prstGeom prst="rect">
+            <a:avLst/>
+          </a:prstGeom>
+          <a:noFill/>
+        </p:spPr>
+        <p:txBody>
+          <a:bodyPr wrap="none" rtlCol="0">
+            <a:spAutoFit/>
+          </a:bodyPr>
+          <a:lstStyle/>
+          <a:p>
+            <a:r>
+              <a:rPr lang="ko-KR" altLang="en-US" sz="1200" dirty="0"/>
+              <a:t>위치</a:t>
+            </a:r>
+            <a:r>
+              <a:rPr lang="en-US" altLang="ko-KR" sz="1200" dirty="0"/>
+              <a:t>: </a:t>
+            </a:r>
+            <a:r>
+              <a:rPr lang="en-US" altLang="ko-KR" sz="1200" dirty="0" smtClean="0"/>
+              <a:t>WEB-INF</a:t>
+            </a:r>
+            <a:r>
+              <a:rPr lang="ko-KR" altLang="en-US" sz="1200" dirty="0" smtClean="0"/>
+              <a:t> 하단 </a:t>
+            </a:r>
+            <a:r>
+              <a:rPr lang="en-US" altLang="ko-KR" sz="1200" dirty="0" err="1" smtClean="0"/>
+              <a:t>config</a:t>
+            </a:r>
+            <a:endParaRPr lang="ko-KR" altLang="en-US" sz="1200" dirty="0"/>
+          </a:p>
+        </p:txBody>
+      </p:sp>
+      <p:sp>
+        <p:nvSpPr>
+          <p:cNvPr id="59" name="Right Arrow 58"/>
+          <p:cNvSpPr/>
+          <p:nvPr/>
+        </p:nvSpPr>
+        <p:spPr>
+          <a:xfrm>
+            <a:off x="2806661" y="4277618"/>
+            <a:ext cx="411480" cy="274320"/>
+          </a:xfrm>
+          <a:prstGeom prst="rightArrow">
+            <a:avLst/>
+          </a:prstGeom>
+        </p:spPr>
+        <p:style>
+          <a:lnRef idx="2">
+            <a:schemeClr val="accent1">
+              <a:shade val="50000"/>
+            </a:schemeClr>
+          </a:lnRef>
+          <a:fillRef idx="1">
+            <a:schemeClr val="accent1"/>
+          </a:fillRef>
+          <a:effectRef idx="0">
+            <a:schemeClr val="accent1"/>
+          </a:effectRef>
+          <a:fontRef idx="minor">
+            <a:schemeClr val="lt1"/>
+          </a:fontRef>
+        </p:style>
+        <p:txBody>
+          <a:bodyPr rtlCol="0" anchor="ctr"/>
+          <a:lstStyle/>
+          <a:p>
+            <a:pPr algn="ctr"/>
+            <a:endParaRPr lang="ko-KR" altLang="en-US"/>
+          </a:p>
+        </p:txBody>
+      </p:sp>
+      <p:sp>
+        <p:nvSpPr>
+          <p:cNvPr id="60" name="직사각형 20"/>
+          <p:cNvSpPr/>
+          <p:nvPr/>
+        </p:nvSpPr>
+        <p:spPr>
+          <a:xfrm>
+            <a:off x="6461491" y="4008345"/>
+            <a:ext cx="2271158" cy="885640"/>
+          </a:xfrm>
+          <a:prstGeom prst="rect">
+            <a:avLst/>
+          </a:prstGeom>
+          <a:noFill/>
+        </p:spPr>
+        <p:style>
+          <a:lnRef idx="2">
+            <a:schemeClr val="accent1">
+              <a:shade val="50000"/>
+            </a:schemeClr>
+          </a:lnRef>
+          <a:fillRef idx="1">
+            <a:schemeClr val="accent1"/>
+          </a:fillRef>
+          <a:effectRef idx="0">
+            <a:schemeClr val="accent1"/>
+          </a:effectRef>
+          <a:fontRef idx="minor">
+            <a:schemeClr val="lt1"/>
+          </a:fontRef>
+        </p:style>
+        <p:txBody>
+          <a:bodyPr rtlCol="0" anchor="ctr"/>
+          <a:lstStyle/>
+          <a:p>
+            <a:pPr algn="ctr"/>
+            <a:r>
+              <a:rPr lang="ko-KR" altLang="en-US" sz="1400" b="1" dirty="0" smtClean="0">
+                <a:solidFill>
+                  <a:schemeClr val="tx1"/>
+                </a:solidFill>
+              </a:rPr>
+              <a:t>메인 템플릿</a:t>
+            </a:r>
+            <a:r>
+              <a:rPr lang="en-US" altLang="ko-KR" sz="1400" b="1" dirty="0" smtClean="0">
+                <a:solidFill>
+                  <a:schemeClr val="tx1"/>
+                </a:solidFill>
+              </a:rPr>
+              <a:t>(.</a:t>
+            </a:r>
+            <a:r>
+              <a:rPr lang="en-US" altLang="ko-KR" sz="1400" b="1" dirty="0" err="1" smtClean="0">
+                <a:solidFill>
+                  <a:schemeClr val="tx1"/>
+                </a:solidFill>
+              </a:rPr>
+              <a:t>jsp</a:t>
+            </a:r>
+            <a:r>
+              <a:rPr lang="en-US" altLang="ko-KR" sz="1400" b="1" dirty="0" smtClean="0">
+                <a:solidFill>
+                  <a:schemeClr val="tx1"/>
+                </a:solidFill>
+              </a:rPr>
+              <a:t>)</a:t>
+            </a:r>
+          </a:p>
+          <a:p>
+            <a:pPr marL="285750" lvl="0" indent="-285750">
+              <a:buFontTx/>
+              <a:buChar char="-"/>
+            </a:pPr>
+            <a:r>
+              <a:rPr lang="ko-KR" altLang="en-US" sz="1400" dirty="0" smtClean="0">
+                <a:solidFill>
+                  <a:prstClr val="black"/>
+                </a:solidFill>
+              </a:rPr>
+              <a:t>메인 템플릿 만들기</a:t>
+            </a:r>
+            <a:endParaRPr lang="en-US" altLang="ko-KR" sz="1400" dirty="0" smtClean="0">
+              <a:solidFill>
+                <a:prstClr val="black"/>
+              </a:solidFill>
+            </a:endParaRPr>
+          </a:p>
+          <a:p>
+            <a:pPr marL="285750" indent="-285750">
+              <a:buFontTx/>
+              <a:buChar char="-"/>
+            </a:pPr>
+            <a:r>
+              <a:rPr lang="en-US" altLang="ko-KR" sz="1400" dirty="0">
+                <a:solidFill>
+                  <a:prstClr val="black"/>
+                </a:solidFill>
+              </a:rPr>
+              <a:t>Top, Content </a:t>
+            </a:r>
+            <a:r>
+              <a:rPr lang="ko-KR" altLang="en-US" sz="1400" dirty="0" smtClean="0">
+                <a:solidFill>
+                  <a:prstClr val="black"/>
+                </a:solidFill>
+              </a:rPr>
+              <a:t>등록</a:t>
+            </a:r>
+            <a:endParaRPr lang="en-US" altLang="ko-KR" sz="1400" dirty="0">
+              <a:solidFill>
+                <a:schemeClr val="tx1"/>
+              </a:solidFill>
+            </a:endParaRPr>
+          </a:p>
+        </p:txBody>
+      </p:sp>
+      <p:sp>
+        <p:nvSpPr>
+          <p:cNvPr id="61" name="TextBox 60"/>
+          <p:cNvSpPr txBox="1"/>
+          <p:nvPr/>
+        </p:nvSpPr>
+        <p:spPr>
+          <a:xfrm>
+            <a:off x="6573392" y="3685126"/>
+            <a:ext cx="2041713" cy="276999"/>
+          </a:xfrm>
+          <a:prstGeom prst="rect">
+            <a:avLst/>
+          </a:prstGeom>
+          <a:noFill/>
+        </p:spPr>
+        <p:txBody>
+          <a:bodyPr wrap="none" rtlCol="0">
+            <a:spAutoFit/>
+          </a:bodyPr>
+          <a:lstStyle/>
+          <a:p>
+            <a:r>
+              <a:rPr lang="ko-KR" altLang="en-US" sz="1200" dirty="0"/>
+              <a:t>위치</a:t>
+            </a:r>
+            <a:r>
+              <a:rPr lang="en-US" altLang="ko-KR" sz="1200" dirty="0"/>
+              <a:t>: </a:t>
+            </a:r>
+            <a:r>
+              <a:rPr lang="en-US" altLang="ko-KR" sz="1200" dirty="0" smtClean="0"/>
+              <a:t>WEB-INF</a:t>
+            </a:r>
+            <a:r>
+              <a:rPr lang="ko-KR" altLang="en-US" sz="1200" dirty="0" smtClean="0"/>
+              <a:t> 하단 </a:t>
+            </a:r>
+            <a:r>
+              <a:rPr lang="en-US" altLang="ko-KR" sz="1200" dirty="0" smtClean="0"/>
+              <a:t>layout</a:t>
+            </a:r>
+            <a:endParaRPr lang="ko-KR" altLang="en-US" sz="1200" dirty="0"/>
+          </a:p>
+        </p:txBody>
+      </p:sp>
+      <p:sp>
+        <p:nvSpPr>
+          <p:cNvPr id="62" name="Right Arrow 61"/>
+          <p:cNvSpPr/>
+          <p:nvPr/>
+        </p:nvSpPr>
+        <p:spPr>
+          <a:xfrm>
+            <a:off x="5785436" y="4264504"/>
+            <a:ext cx="411480" cy="274320"/>
+          </a:xfrm>
+          <a:prstGeom prst="rightArrow">
+            <a:avLst/>
+          </a:prstGeom>
+        </p:spPr>
+        <p:style>
+          <a:lnRef idx="2">
+            <a:schemeClr val="accent1">
+              <a:shade val="50000"/>
+            </a:schemeClr>
+          </a:lnRef>
+          <a:fillRef idx="1">
+            <a:schemeClr val="accent1"/>
+          </a:fillRef>
+          <a:effectRef idx="0">
+            <a:schemeClr val="accent1"/>
+          </a:effectRef>
+          <a:fontRef idx="minor">
+            <a:schemeClr val="lt1"/>
+          </a:fontRef>
+        </p:style>
+        <p:txBody>
+          <a:bodyPr rtlCol="0" anchor="ctr"/>
+          <a:lstStyle/>
+          <a:p>
+            <a:pPr algn="ctr"/>
+            <a:endParaRPr lang="ko-KR" altLang="en-US"/>
+          </a:p>
+        </p:txBody>
+      </p:sp>
+      <p:sp>
+        <p:nvSpPr>
+          <p:cNvPr id="67" name="직사각형 20"/>
+          <p:cNvSpPr/>
+          <p:nvPr/>
+        </p:nvSpPr>
+        <p:spPr>
+          <a:xfrm>
+            <a:off x="9416623" y="4008345"/>
+            <a:ext cx="2271158" cy="885640"/>
+          </a:xfrm>
+          <a:prstGeom prst="rect">
+            <a:avLst/>
+          </a:prstGeom>
+          <a:noFill/>
+        </p:spPr>
+        <p:style>
+          <a:lnRef idx="2">
+            <a:schemeClr val="accent1">
+              <a:shade val="50000"/>
+            </a:schemeClr>
+          </a:lnRef>
+          <a:fillRef idx="1">
+            <a:schemeClr val="accent1"/>
+          </a:fillRef>
+          <a:effectRef idx="0">
+            <a:schemeClr val="accent1"/>
+          </a:effectRef>
+          <a:fontRef idx="minor">
+            <a:schemeClr val="lt1"/>
+          </a:fontRef>
+        </p:style>
+        <p:txBody>
+          <a:bodyPr rtlCol="0" anchor="ctr"/>
+          <a:lstStyle/>
+          <a:p>
+            <a:pPr algn="ctr"/>
+            <a:r>
+              <a:rPr lang="en-US" altLang="ko-KR" sz="1400" b="1" dirty="0" smtClean="0">
+                <a:solidFill>
+                  <a:schemeClr val="tx1"/>
+                </a:solidFill>
+              </a:rPr>
+              <a:t>sub</a:t>
+            </a:r>
+            <a:r>
+              <a:rPr lang="ko-KR" altLang="en-US" sz="1400" b="1" dirty="0" smtClean="0">
+                <a:solidFill>
+                  <a:schemeClr val="tx1"/>
+                </a:solidFill>
+              </a:rPr>
+              <a:t> 템플릿</a:t>
+            </a:r>
+            <a:r>
+              <a:rPr lang="en-US" altLang="ko-KR" sz="1400" b="1" dirty="0" smtClean="0">
+                <a:solidFill>
+                  <a:schemeClr val="tx1"/>
+                </a:solidFill>
+              </a:rPr>
+              <a:t>(.</a:t>
+            </a:r>
+            <a:r>
+              <a:rPr lang="en-US" altLang="ko-KR" sz="1400" b="1" dirty="0" err="1" smtClean="0">
+                <a:solidFill>
+                  <a:schemeClr val="tx1"/>
+                </a:solidFill>
+              </a:rPr>
+              <a:t>jsp</a:t>
+            </a:r>
+            <a:r>
+              <a:rPr lang="en-US" altLang="ko-KR" sz="1400" b="1" dirty="0" smtClean="0">
+                <a:solidFill>
+                  <a:schemeClr val="tx1"/>
+                </a:solidFill>
+              </a:rPr>
+              <a:t>)</a:t>
+            </a:r>
+          </a:p>
+          <a:p>
+            <a:pPr marL="285750" lvl="0" indent="-285750">
+              <a:buFontTx/>
+              <a:buChar char="-"/>
+            </a:pPr>
+            <a:r>
+              <a:rPr lang="en-US" altLang="ko-KR" sz="1400" dirty="0" smtClean="0">
+                <a:solidFill>
+                  <a:prstClr val="black"/>
+                </a:solidFill>
+              </a:rPr>
+              <a:t>Top, Content </a:t>
+            </a:r>
+            <a:r>
+              <a:rPr lang="ko-KR" altLang="en-US" sz="1400" dirty="0" smtClean="0">
+                <a:solidFill>
+                  <a:prstClr val="black"/>
+                </a:solidFill>
+              </a:rPr>
+              <a:t>만들기</a:t>
+            </a:r>
+            <a:endParaRPr lang="en-US" altLang="ko-KR" sz="1400" dirty="0">
+              <a:solidFill>
+                <a:prstClr val="black"/>
+              </a:solidFill>
+            </a:endParaRPr>
+          </a:p>
+          <a:p>
+            <a:pPr algn="ctr"/>
+            <a:endParaRPr lang="en-US" altLang="ko-KR" sz="1400" dirty="0">
+              <a:solidFill>
+                <a:schemeClr val="tx1"/>
+              </a:solidFill>
+            </a:endParaRPr>
+          </a:p>
+        </p:txBody>
+      </p:sp>
+      <p:sp>
+        <p:nvSpPr>
+          <p:cNvPr id="68" name="TextBox 67"/>
+          <p:cNvSpPr txBox="1"/>
+          <p:nvPr/>
+        </p:nvSpPr>
+        <p:spPr>
+          <a:xfrm>
+            <a:off x="9528524" y="3685126"/>
+            <a:ext cx="2116285" cy="276999"/>
+          </a:xfrm>
+          <a:prstGeom prst="rect">
+            <a:avLst/>
+          </a:prstGeom>
+          <a:noFill/>
+        </p:spPr>
+        <p:txBody>
+          <a:bodyPr wrap="none" rtlCol="0">
+            <a:spAutoFit/>
+          </a:bodyPr>
+          <a:lstStyle/>
+          <a:p>
+            <a:r>
+              <a:rPr lang="ko-KR" altLang="en-US" sz="1200" dirty="0"/>
+              <a:t>위치</a:t>
+            </a:r>
+            <a:r>
+              <a:rPr lang="en-US" altLang="ko-KR" sz="1200" dirty="0"/>
+              <a:t>: </a:t>
+            </a:r>
+            <a:r>
+              <a:rPr lang="en-US" altLang="ko-KR" sz="1200" dirty="0" smtClean="0"/>
+              <a:t>WEB-INF</a:t>
+            </a:r>
+            <a:r>
+              <a:rPr lang="ko-KR" altLang="en-US" sz="1200" dirty="0" smtClean="0"/>
+              <a:t> 하단 </a:t>
+            </a:r>
+            <a:r>
+              <a:rPr lang="en-US" altLang="ko-KR" sz="1200" dirty="0" smtClean="0"/>
+              <a:t>include</a:t>
+            </a:r>
+            <a:endParaRPr lang="ko-KR" altLang="en-US" sz="1200" dirty="0"/>
+          </a:p>
+        </p:txBody>
+      </p:sp>
+      <p:sp>
+        <p:nvSpPr>
+          <p:cNvPr id="69" name="Right Arrow 68"/>
+          <p:cNvSpPr/>
+          <p:nvPr/>
+        </p:nvSpPr>
+        <p:spPr>
+          <a:xfrm>
+            <a:off x="8928706" y="4122617"/>
+            <a:ext cx="411480" cy="274320"/>
+          </a:xfrm>
+          <a:prstGeom prst="rightArrow">
+            <a:avLst/>
+          </a:prstGeom>
+        </p:spPr>
+        <p:style>
+          <a:lnRef idx="2">
+            <a:schemeClr val="accent1">
+              <a:shade val="50000"/>
+            </a:schemeClr>
+          </a:lnRef>
+          <a:fillRef idx="1">
+            <a:schemeClr val="accent1"/>
+          </a:fillRef>
+          <a:effectRef idx="0">
+            <a:schemeClr val="accent1"/>
+          </a:effectRef>
+          <a:fontRef idx="minor">
+            <a:schemeClr val="lt1"/>
+          </a:fontRef>
+        </p:style>
+        <p:txBody>
+          <a:bodyPr rtlCol="0" anchor="ctr"/>
+          <a:lstStyle/>
+          <a:p>
+            <a:pPr algn="ctr"/>
+            <a:endParaRPr lang="ko-KR" altLang="en-US"/>
+          </a:p>
+        </p:txBody>
+      </p:sp>
+      <p:sp>
+        <p:nvSpPr>
+          <p:cNvPr id="70" name="Rectangle 69"/>
+          <p:cNvSpPr/>
+          <p:nvPr/>
+        </p:nvSpPr>
+        <p:spPr>
+          <a:xfrm>
+            <a:off x="6326874" y="3456506"/>
+            <a:ext cx="5521004" cy="1871952"/>
+          </a:xfrm>
+          <a:prstGeom prst="rect">
+            <a:avLst/>
+          </a:prstGeom>
+          <a:noFill/>
+          <a:ln w="50800">
+            <a:solidFill>
+              <a:schemeClr val="accent4">
+                <a:lumMod val="75000"/>
+              </a:schemeClr>
+            </a:solidFill>
+          </a:ln>
+        </p:spPr>
+        <p:style>
+          <a:lnRef idx="2">
+            <a:schemeClr val="accent1">
+              <a:shade val="50000"/>
+            </a:schemeClr>
+          </a:lnRef>
+          <a:fillRef idx="1">
+            <a:schemeClr val="accent1"/>
+          </a:fillRef>
+          <a:effectRef idx="0">
+            <a:schemeClr val="accent1"/>
+          </a:effectRef>
+          <a:fontRef idx="minor">
+            <a:schemeClr val="lt1"/>
+          </a:fontRef>
+        </p:style>
+        <p:txBody>
+          <a:bodyPr rtlCol="0" anchor="ctr"/>
+          <a:lstStyle/>
+          <a:p>
+            <a:pPr algn="ctr"/>
+            <a:endParaRPr lang="ko-KR" altLang="en-US"/>
+          </a:p>
+        </p:txBody>
+      </p:sp>
+      <p:sp>
+        <p:nvSpPr>
+          <p:cNvPr id="71" name="TextBox 70"/>
+          <p:cNvSpPr txBox="1"/>
+          <p:nvPr/>
+        </p:nvSpPr>
+        <p:spPr>
+          <a:xfrm>
+            <a:off x="8273211" y="5311709"/>
+            <a:ext cx="1951175" cy="646331"/>
+          </a:xfrm>
+          <a:prstGeom prst="rect">
+            <a:avLst/>
+          </a:prstGeom>
+          <a:noFill/>
+        </p:spPr>
+        <p:txBody>
+          <a:bodyPr wrap="none" rtlCol="0">
+            <a:spAutoFit/>
+          </a:bodyPr>
+          <a:lstStyle/>
+          <a:p>
+            <a:pPr algn="ctr"/>
+            <a:r>
+              <a:rPr lang="ko-KR" altLang="en-US" b="1" dirty="0" smtClean="0"/>
+              <a:t>실행하면</a:t>
+            </a:r>
+            <a:endParaRPr lang="en-US" altLang="ko-KR" b="1" dirty="0" smtClean="0"/>
+          </a:p>
+          <a:p>
+            <a:r>
+              <a:rPr lang="ko-KR" altLang="en-US" b="1" dirty="0" smtClean="0"/>
+              <a:t>클라이언트</a:t>
+            </a:r>
+            <a:r>
+              <a:rPr lang="en-US" altLang="ko-KR" b="1" dirty="0" smtClean="0"/>
+              <a:t> View</a:t>
+            </a:r>
+            <a:endParaRPr lang="ko-KR" altLang="en-US" b="1" dirty="0"/>
+          </a:p>
+        </p:txBody>
+      </p:sp>
+      <p:sp>
+        <p:nvSpPr>
+          <p:cNvPr id="72" name="Rectangle 71"/>
+          <p:cNvSpPr/>
+          <p:nvPr/>
+        </p:nvSpPr>
+        <p:spPr>
+          <a:xfrm>
+            <a:off x="519706" y="447282"/>
+            <a:ext cx="8642581" cy="2522890"/>
+          </a:xfrm>
+          <a:prstGeom prst="rect">
+            <a:avLst/>
+          </a:prstGeom>
+          <a:noFill/>
+          <a:ln w="50800">
+            <a:solidFill>
+              <a:srgbClr val="FF0000"/>
+            </a:solidFill>
+          </a:ln>
+        </p:spPr>
+        <p:style>
+          <a:lnRef idx="2">
+            <a:schemeClr val="accent1">
+              <a:shade val="50000"/>
+            </a:schemeClr>
+          </a:lnRef>
+          <a:fillRef idx="1">
+            <a:schemeClr val="accent1"/>
+          </a:fillRef>
+          <a:effectRef idx="0">
+            <a:schemeClr val="accent1"/>
+          </a:effectRef>
+          <a:fontRef idx="minor">
+            <a:schemeClr val="lt1"/>
+          </a:fontRef>
+        </p:style>
+        <p:txBody>
+          <a:bodyPr rtlCol="0" anchor="ctr"/>
+          <a:lstStyle/>
+          <a:p>
+            <a:pPr algn="ctr"/>
+            <a:endParaRPr lang="ko-KR" altLang="en-US"/>
+          </a:p>
+        </p:txBody>
+      </p:sp>
+      <p:sp>
+        <p:nvSpPr>
+          <p:cNvPr id="73" name="TextBox 72"/>
+          <p:cNvSpPr txBox="1"/>
+          <p:nvPr/>
+        </p:nvSpPr>
+        <p:spPr>
+          <a:xfrm>
+            <a:off x="3669967" y="43573"/>
+            <a:ext cx="1600631" cy="369332"/>
+          </a:xfrm>
+          <a:prstGeom prst="rect">
+            <a:avLst/>
+          </a:prstGeom>
+          <a:noFill/>
+        </p:spPr>
+        <p:txBody>
+          <a:bodyPr wrap="none" rtlCol="0">
+            <a:spAutoFit/>
+          </a:bodyPr>
+          <a:lstStyle/>
+          <a:p>
+            <a:pPr algn="ctr"/>
+            <a:r>
+              <a:rPr lang="en-US" altLang="ko-KR" b="1" dirty="0" smtClean="0"/>
+              <a:t>Mybatis </a:t>
+            </a:r>
+            <a:r>
+              <a:rPr lang="ko-KR" altLang="en-US" b="1" dirty="0" smtClean="0"/>
+              <a:t>설정</a:t>
+            </a:r>
+            <a:endParaRPr lang="ko-KR" altLang="en-US" b="1" dirty="0"/>
+          </a:p>
+        </p:txBody>
+      </p:sp>
+      <p:sp>
+        <p:nvSpPr>
+          <p:cNvPr id="75" name="Rectangle 74"/>
+          <p:cNvSpPr/>
+          <p:nvPr/>
+        </p:nvSpPr>
+        <p:spPr>
+          <a:xfrm>
+            <a:off x="247906" y="3320536"/>
+            <a:ext cx="11753238" cy="2626409"/>
+          </a:xfrm>
+          <a:prstGeom prst="rect">
+            <a:avLst/>
+          </a:prstGeom>
+          <a:noFill/>
+          <a:ln w="50800">
+            <a:solidFill>
+              <a:schemeClr val="accent2">
+                <a:lumMod val="75000"/>
+              </a:schemeClr>
+            </a:solidFill>
+          </a:ln>
+        </p:spPr>
+        <p:style>
+          <a:lnRef idx="2">
+            <a:schemeClr val="accent1">
+              <a:shade val="50000"/>
+            </a:schemeClr>
+          </a:lnRef>
+          <a:fillRef idx="1">
+            <a:schemeClr val="accent1"/>
+          </a:fillRef>
+          <a:effectRef idx="0">
+            <a:schemeClr val="accent1"/>
+          </a:effectRef>
+          <a:fontRef idx="minor">
+            <a:schemeClr val="lt1"/>
+          </a:fontRef>
+        </p:style>
+        <p:txBody>
+          <a:bodyPr rtlCol="0" anchor="ctr"/>
+          <a:lstStyle/>
+          <a:p>
+            <a:pPr algn="ctr"/>
+            <a:endParaRPr lang="ko-KR" altLang="en-US"/>
+          </a:p>
+        </p:txBody>
+      </p:sp>
+      <p:sp>
+        <p:nvSpPr>
+          <p:cNvPr id="76" name="TextBox 75"/>
+          <p:cNvSpPr txBox="1"/>
+          <p:nvPr/>
+        </p:nvSpPr>
+        <p:spPr>
+          <a:xfrm>
+            <a:off x="113741" y="2951204"/>
+            <a:ext cx="1225015" cy="369332"/>
+          </a:xfrm>
+          <a:prstGeom prst="rect">
+            <a:avLst/>
+          </a:prstGeom>
+          <a:noFill/>
+        </p:spPr>
+        <p:txBody>
+          <a:bodyPr wrap="none" rtlCol="0">
+            <a:spAutoFit/>
+          </a:bodyPr>
+          <a:lstStyle/>
+          <a:p>
+            <a:pPr algn="ctr"/>
+            <a:r>
+              <a:rPr lang="en-US" altLang="ko-KR" b="1" dirty="0" smtClean="0"/>
+              <a:t>Tiles </a:t>
+            </a:r>
+            <a:r>
+              <a:rPr lang="ko-KR" altLang="en-US" b="1" dirty="0"/>
+              <a:t>설정</a:t>
+            </a:r>
+          </a:p>
+        </p:txBody>
+      </p:sp>
+      <p:sp>
+        <p:nvSpPr>
+          <p:cNvPr id="77" name="Right Arrow 76"/>
+          <p:cNvSpPr/>
+          <p:nvPr/>
+        </p:nvSpPr>
+        <p:spPr>
+          <a:xfrm rot="5400000">
+            <a:off x="1549464" y="3181500"/>
+            <a:ext cx="411480" cy="274320"/>
+          </a:xfrm>
+          <a:prstGeom prst="rightArrow">
+            <a:avLst/>
+          </a:prstGeom>
+        </p:spPr>
+        <p:style>
+          <a:lnRef idx="2">
+            <a:schemeClr val="accent1">
+              <a:shade val="50000"/>
+            </a:schemeClr>
+          </a:lnRef>
+          <a:fillRef idx="1">
+            <a:schemeClr val="accent1"/>
+          </a:fillRef>
+          <a:effectRef idx="0">
+            <a:schemeClr val="accent1"/>
+          </a:effectRef>
+          <a:fontRef idx="minor">
+            <a:schemeClr val="lt1"/>
+          </a:fontRef>
+        </p:style>
+        <p:txBody>
+          <a:bodyPr rtlCol="0" anchor="ctr"/>
+          <a:lstStyle/>
+          <a:p>
+            <a:pPr algn="ctr"/>
+            <a:endParaRPr lang="ko-KR" altLang="en-US"/>
+          </a:p>
+        </p:txBody>
+      </p:sp>
+    </p:spTree>
+    <p:extLst>
+      <p:ext uri="{BB962C8B-B14F-4D97-AF65-F5344CB8AC3E}">
+        <p14:creationId xmlns:p14="http://schemas.microsoft.com/office/powerpoint/2010/main" val="926100236"/>
+      </p:ext>
+    </p:extLst>
+  </p:cSld>
+  <p:clrMapOvr>
+    <a:masterClrMapping/>
+  </p:clrMapOvr>
+  <p:timing>
+    <p:tnLst>
+      <p:par>
+        <p:cTn id="1" dur="indefinite" restart="never" nodeType="tmRoot"/>
+      </p:par>
+    </p:tnLst>
+  </p:timing>
+</p:sld>
+</file>
+
+<file path=ppt/slides/slide7.xml><?xml version="1.0" encoding="utf-8"?>
+<p:sld xmlns:a="http://schemas.openxmlformats.org/drawingml/2006/main" xmlns:r="http://schemas.openxmlformats.org/officeDocument/2006/relationships" xmlns:p="http://schemas.openxmlformats.org/presentationml/2006/main">
+  <p:cSld>
+    <p:spTree>
+      <p:nvGrpSpPr>
+        <p:cNvPr id="1" name=""/>
+        <p:cNvGrpSpPr/>
+        <p:nvPr/>
+      </p:nvGrpSpPr>
+      <p:grpSpPr>
+        <a:xfrm>
+          <a:off x="0" y="0"/>
+          <a:ext cx="0" cy="0"/>
+          <a:chOff x="0" y="0"/>
+          <a:chExt cx="0" cy="0"/>
+        </a:xfrm>
+      </p:grpSpPr>
+      <p:sp>
+        <p:nvSpPr>
+          <p:cNvPr id="3" name="Content Placeholder 2"/>
+          <p:cNvSpPr>
+            <a:spLocks noGrp="1"/>
+          </p:cNvSpPr>
+          <p:nvPr>
+            <p:ph idx="1"/>
+          </p:nvPr>
+        </p:nvSpPr>
+        <p:spPr>
+          <a:xfrm>
+            <a:off x="838200" y="374904"/>
+            <a:ext cx="10515600" cy="5802059"/>
+          </a:xfrm>
+        </p:spPr>
+        <p:txBody>
+          <a:bodyPr>
+            <a:noAutofit/>
+          </a:bodyPr>
+          <a:lstStyle/>
+          <a:p>
+            <a:r>
+              <a:rPr lang="en-US" altLang="ko-KR" sz="1800" dirty="0"/>
+              <a:t>1. </a:t>
+            </a:r>
+            <a:r>
+              <a:rPr lang="ko-KR" altLang="en-US" sz="1800" dirty="0"/>
+              <a:t>뷰 설정하고 만들고 보여주기</a:t>
+            </a:r>
+          </a:p>
+          <a:p>
+            <a:r>
+              <a:rPr lang="ko-KR" altLang="en-US" sz="1800" dirty="0"/>
+              <a:t>	메인레이아웃</a:t>
+            </a:r>
+          </a:p>
+          <a:p>
+            <a:r>
+              <a:rPr lang="ko-KR" altLang="en-US" sz="1800" dirty="0"/>
+              <a:t>	각 파트</a:t>
+            </a:r>
+          </a:p>
+          <a:p>
+            <a:r>
+              <a:rPr lang="ko-KR" altLang="en-US" sz="1800" dirty="0"/>
+              <a:t>	타일즈 설정</a:t>
+            </a:r>
+          </a:p>
+          <a:p>
+            <a:r>
+              <a:rPr lang="ko-KR" altLang="en-US" sz="1800" dirty="0"/>
+              <a:t>	컨트롤러 이름 설정</a:t>
+            </a:r>
+          </a:p>
+          <a:p>
+            <a:r>
+              <a:rPr lang="ko-KR" altLang="en-US" sz="1800" dirty="0"/>
+              <a:t>		단 타일즈에서 컨트롤러 </a:t>
+            </a:r>
+            <a:r>
+              <a:rPr lang="en-US" altLang="ko-KR" sz="1800" dirty="0"/>
+              <a:t>name</a:t>
+            </a:r>
+            <a:r>
+              <a:rPr lang="ko-KR" altLang="en-US" sz="1800" dirty="0"/>
+              <a:t>이 동일하게</a:t>
+            </a:r>
+          </a:p>
+          <a:p>
+            <a:endParaRPr lang="ko-KR" altLang="en-US" sz="1800" dirty="0"/>
+          </a:p>
+          <a:p>
+            <a:r>
+              <a:rPr lang="en-US" altLang="ko-KR" sz="1800" dirty="0"/>
+              <a:t>2. VO </a:t>
+            </a:r>
+            <a:r>
+              <a:rPr lang="ko-KR" altLang="en-US" sz="1800" dirty="0"/>
+              <a:t>만들기</a:t>
+            </a:r>
+          </a:p>
+          <a:p>
+            <a:r>
+              <a:rPr lang="en-US" altLang="ko-KR" sz="1800" dirty="0"/>
+              <a:t>3. DAO</a:t>
+            </a:r>
+          </a:p>
+          <a:p>
+            <a:r>
+              <a:rPr lang="en-US" altLang="ko-KR" sz="1800" dirty="0"/>
+              <a:t>4. Service</a:t>
+            </a:r>
+          </a:p>
+          <a:p>
+            <a:r>
+              <a:rPr lang="en-US" altLang="ko-KR" sz="1800" dirty="0"/>
+              <a:t>5. </a:t>
+            </a:r>
+            <a:r>
+              <a:rPr lang="ko-KR" altLang="en-US" sz="1800" dirty="0"/>
+              <a:t>컨트롤러 구체적인 설정</a:t>
+            </a:r>
+          </a:p>
+          <a:p>
+            <a:r>
+              <a:rPr lang="ko-KR" altLang="en-US" sz="1800" dirty="0"/>
+              <a:t>	</a:t>
+            </a:r>
+            <a:r>
+              <a:rPr lang="en-US" altLang="ko-KR" sz="1800" dirty="0" err="1"/>
+              <a:t>mybatis</a:t>
+            </a:r>
+            <a:r>
+              <a:rPr lang="en-US" altLang="ko-KR" sz="1800" dirty="0"/>
+              <a:t> </a:t>
+            </a:r>
+            <a:r>
+              <a:rPr lang="ko-KR" altLang="en-US" sz="1800" dirty="0"/>
+              <a:t>설정 추가</a:t>
+            </a:r>
+          </a:p>
+          <a:p>
+            <a:r>
+              <a:rPr lang="en-US" altLang="ko-KR" sz="1800" dirty="0"/>
+              <a:t>6. map view</a:t>
+            </a:r>
+            <a:r>
+              <a:rPr lang="ko-KR" altLang="en-US" sz="1800" dirty="0"/>
+              <a:t>가서 </a:t>
+            </a:r>
+            <a:r>
+              <a:rPr lang="en-US" altLang="ko-KR" sz="1800" dirty="0"/>
+              <a:t>body</a:t>
+            </a:r>
+            <a:r>
+              <a:rPr lang="ko-KR" altLang="en-US" sz="1800" dirty="0"/>
+              <a:t>아래</a:t>
+            </a:r>
+          </a:p>
+          <a:p>
+            <a:r>
+              <a:rPr lang="en-US" altLang="ko-KR" sz="1800" dirty="0"/>
+              <a:t>&lt;% </a:t>
+            </a:r>
+            <a:r>
+              <a:rPr lang="en-US" altLang="ko-KR" sz="1800" dirty="0" err="1"/>
+              <a:t>ArrayList</a:t>
+            </a:r>
+            <a:r>
+              <a:rPr lang="en-US" altLang="ko-KR" sz="1800" dirty="0"/>
+              <a:t>&lt;</a:t>
+            </a:r>
+            <a:r>
+              <a:rPr lang="en-US" altLang="ko-KR" sz="1800" dirty="0" err="1"/>
+              <a:t>parkingVO</a:t>
+            </a:r>
+            <a:r>
+              <a:rPr lang="en-US" altLang="ko-KR" sz="1800" dirty="0"/>
+              <a:t>&gt; list = (</a:t>
+            </a:r>
+            <a:r>
+              <a:rPr lang="en-US" altLang="ko-KR" sz="1800" dirty="0" err="1"/>
+              <a:t>ArrayList</a:t>
+            </a:r>
+            <a:r>
+              <a:rPr lang="en-US" altLang="ko-KR" sz="1800" dirty="0"/>
+              <a:t>&lt;</a:t>
+            </a:r>
+            <a:r>
+              <a:rPr lang="en-US" altLang="ko-KR" sz="1800" dirty="0" err="1"/>
+              <a:t>parkingVO</a:t>
+            </a:r>
+            <a:r>
+              <a:rPr lang="en-US" altLang="ko-KR" sz="1800" dirty="0"/>
+              <a:t>&gt;)</a:t>
+            </a:r>
+            <a:r>
+              <a:rPr lang="en-US" altLang="ko-KR" sz="1800" dirty="0" err="1"/>
+              <a:t>request.getAttribute</a:t>
+            </a:r>
+            <a:r>
+              <a:rPr lang="en-US" altLang="ko-KR" sz="1800" dirty="0"/>
+              <a:t>("</a:t>
+            </a:r>
+            <a:r>
+              <a:rPr lang="en-US" altLang="ko-KR" sz="1800" dirty="0" err="1"/>
+              <a:t>parkingInfo</a:t>
+            </a:r>
+            <a:r>
+              <a:rPr lang="en-US" altLang="ko-KR" sz="1800" dirty="0"/>
+              <a:t>") %&gt;</a:t>
+            </a:r>
+          </a:p>
+          <a:p>
+            <a:pPr marL="0" indent="0">
+              <a:buNone/>
+            </a:pPr>
+            <a:r>
+              <a:rPr lang="en-US" altLang="ko-KR" sz="1800" dirty="0"/>
+              <a:t>	</a:t>
+            </a:r>
+          </a:p>
+          <a:p>
+            <a:endParaRPr lang="ko-KR" altLang="en-US" sz="1800" dirty="0"/>
+          </a:p>
+        </p:txBody>
+      </p:sp>
+    </p:spTree>
+    <p:extLst>
+      <p:ext uri="{BB962C8B-B14F-4D97-AF65-F5344CB8AC3E}">
+        <p14:creationId xmlns:p14="http://schemas.microsoft.com/office/powerpoint/2010/main" val="440446830"/>
+      </p:ext>
+    </p:extLst>
+  </p:cSld>
+  <p:clrMapOvr>
+    <a:masterClrMapping/>
+  </p:clrMapOvr>
+</p:sld>
+</file>
+
+<file path=ppt/slides/slide8.xml><?xml version="1.0" encoding="utf-8"?>
+<p:sld xmlns:a="http://schemas.openxmlformats.org/drawingml/2006/main" xmlns:r="http://schemas.openxmlformats.org/officeDocument/2006/relationships" xmlns:p="http://schemas.openxmlformats.org/presentationml/2006/main">
+  <p:cSld>
+    <p:spTree>
+      <p:nvGrpSpPr>
+        <p:cNvPr id="1" name=""/>
+        <p:cNvGrpSpPr/>
+        <p:nvPr/>
+      </p:nvGrpSpPr>
+      <p:grpSpPr>
+        <a:xfrm>
+          <a:off x="0" y="0"/>
+          <a:ext cx="0" cy="0"/>
+          <a:chOff x="0" y="0"/>
+          <a:chExt cx="0" cy="0"/>
+        </a:xfrm>
+      </p:grpSpPr>
+      <p:sp>
+        <p:nvSpPr>
+          <p:cNvPr id="4" name="직사각형 20"/>
+          <p:cNvSpPr/>
+          <p:nvPr/>
+        </p:nvSpPr>
+        <p:spPr>
+          <a:xfrm>
+            <a:off x="4228565" y="4142232"/>
+            <a:ext cx="1102466" cy="932145"/>
+          </a:xfrm>
+          <a:prstGeom prst="rect">
+            <a:avLst/>
+          </a:prstGeom>
+          <a:noFill/>
+        </p:spPr>
+        <p:style>
+          <a:lnRef idx="2">
+            <a:schemeClr val="accent1">
+              <a:shade val="50000"/>
+            </a:schemeClr>
+          </a:lnRef>
+          <a:fillRef idx="1">
+            <a:schemeClr val="accent1"/>
+          </a:fillRef>
+          <a:effectRef idx="0">
+            <a:schemeClr val="accent1"/>
+          </a:effectRef>
+          <a:fontRef idx="minor">
+            <a:schemeClr val="lt1"/>
+          </a:fontRef>
+        </p:style>
+        <p:txBody>
+          <a:bodyPr rtlCol="0" anchor="ctr"/>
+          <a:lstStyle/>
+          <a:p>
+            <a:pPr algn="ctr"/>
+            <a:r>
+              <a:rPr lang="ko-KR" altLang="en-US" sz="2000" b="1" dirty="0" smtClean="0">
+                <a:solidFill>
+                  <a:schemeClr val="tx1"/>
+                </a:solidFill>
+              </a:rPr>
+              <a:t>새로운</a:t>
+            </a:r>
+            <a:endParaRPr lang="en-US" altLang="ko-KR" sz="2000" b="1" dirty="0" smtClean="0">
+              <a:solidFill>
+                <a:schemeClr val="tx1"/>
+              </a:solidFill>
+            </a:endParaRPr>
+          </a:p>
+          <a:p>
+            <a:pPr algn="ctr"/>
+            <a:r>
+              <a:rPr lang="en-US" altLang="ko-KR" sz="2000" b="1" dirty="0" smtClean="0">
+                <a:solidFill>
+                  <a:schemeClr val="tx1"/>
+                </a:solidFill>
+              </a:rPr>
+              <a:t>VIEW</a:t>
+            </a:r>
+          </a:p>
+        </p:txBody>
+      </p:sp>
+      <p:sp>
+        <p:nvSpPr>
+          <p:cNvPr id="5" name="직사각형 20"/>
+          <p:cNvSpPr/>
+          <p:nvPr/>
+        </p:nvSpPr>
+        <p:spPr>
+          <a:xfrm>
+            <a:off x="3132678" y="2249963"/>
+            <a:ext cx="1483802" cy="932145"/>
+          </a:xfrm>
+          <a:prstGeom prst="rect">
+            <a:avLst/>
+          </a:prstGeom>
+          <a:noFill/>
+        </p:spPr>
+        <p:style>
+          <a:lnRef idx="2">
+            <a:schemeClr val="accent1">
+              <a:shade val="50000"/>
+            </a:schemeClr>
+          </a:lnRef>
+          <a:fillRef idx="1">
+            <a:schemeClr val="accent1"/>
+          </a:fillRef>
+          <a:effectRef idx="0">
+            <a:schemeClr val="accent1"/>
+          </a:effectRef>
+          <a:fontRef idx="minor">
+            <a:schemeClr val="lt1"/>
+          </a:fontRef>
+        </p:style>
+        <p:txBody>
+          <a:bodyPr rtlCol="0" anchor="ctr"/>
+          <a:lstStyle/>
+          <a:p>
+            <a:pPr algn="ctr"/>
+            <a:r>
+              <a:rPr lang="en-US" altLang="ko-KR" sz="2000" b="1" dirty="0" smtClean="0">
+                <a:solidFill>
+                  <a:schemeClr val="tx1"/>
+                </a:solidFill>
+              </a:rPr>
+              <a:t>Dispatcher</a:t>
+            </a:r>
+          </a:p>
+          <a:p>
+            <a:pPr algn="ctr"/>
+            <a:r>
+              <a:rPr lang="en-US" altLang="ko-KR" sz="2000" b="1" dirty="0" smtClean="0">
+                <a:solidFill>
+                  <a:schemeClr val="tx1"/>
+                </a:solidFill>
+              </a:rPr>
+              <a:t>Servlet</a:t>
+            </a:r>
+          </a:p>
+        </p:txBody>
+      </p:sp>
+      <p:sp>
+        <p:nvSpPr>
+          <p:cNvPr id="6" name="직사각형 20"/>
+          <p:cNvSpPr/>
+          <p:nvPr/>
+        </p:nvSpPr>
+        <p:spPr>
+          <a:xfrm>
+            <a:off x="7062130" y="2263410"/>
+            <a:ext cx="1078082" cy="932145"/>
+          </a:xfrm>
+          <a:prstGeom prst="rect">
+            <a:avLst/>
+          </a:prstGeom>
+          <a:noFill/>
+        </p:spPr>
+        <p:style>
+          <a:lnRef idx="2">
+            <a:schemeClr val="accent1">
+              <a:shade val="50000"/>
+            </a:schemeClr>
+          </a:lnRef>
+          <a:fillRef idx="1">
+            <a:schemeClr val="accent1"/>
+          </a:fillRef>
+          <a:effectRef idx="0">
+            <a:schemeClr val="accent1"/>
+          </a:effectRef>
+          <a:fontRef idx="minor">
+            <a:schemeClr val="lt1"/>
+          </a:fontRef>
+        </p:style>
+        <p:txBody>
+          <a:bodyPr rtlCol="0" anchor="ctr"/>
+          <a:lstStyle/>
+          <a:p>
+            <a:pPr algn="ctr"/>
+            <a:r>
+              <a:rPr lang="ko-KR" altLang="en-US" sz="2000" b="1" dirty="0" smtClean="0">
+                <a:solidFill>
+                  <a:schemeClr val="tx1"/>
+                </a:solidFill>
+              </a:rPr>
+              <a:t>서비스</a:t>
+            </a:r>
+            <a:endParaRPr lang="en-US" altLang="ko-KR" sz="2000" b="1" dirty="0" smtClean="0">
+              <a:solidFill>
+                <a:schemeClr val="tx1"/>
+              </a:solidFill>
+            </a:endParaRPr>
+          </a:p>
+        </p:txBody>
+      </p:sp>
+      <p:sp>
+        <p:nvSpPr>
+          <p:cNvPr id="7" name="직사각형 20"/>
+          <p:cNvSpPr/>
+          <p:nvPr/>
+        </p:nvSpPr>
+        <p:spPr>
+          <a:xfrm>
+            <a:off x="8969848" y="1719177"/>
+            <a:ext cx="1794362" cy="1476379"/>
+          </a:xfrm>
+          <a:prstGeom prst="rect">
+            <a:avLst/>
+          </a:prstGeom>
+          <a:noFill/>
+        </p:spPr>
+        <p:style>
+          <a:lnRef idx="2">
+            <a:schemeClr val="accent1">
+              <a:shade val="50000"/>
+            </a:schemeClr>
+          </a:lnRef>
+          <a:fillRef idx="1">
+            <a:schemeClr val="accent1"/>
+          </a:fillRef>
+          <a:effectRef idx="0">
+            <a:schemeClr val="accent1"/>
+          </a:effectRef>
+          <a:fontRef idx="minor">
+            <a:schemeClr val="lt1"/>
+          </a:fontRef>
+        </p:style>
+        <p:txBody>
+          <a:bodyPr rtlCol="0" anchor="ctr"/>
+          <a:lstStyle/>
+          <a:p>
+            <a:pPr algn="ctr"/>
+            <a:r>
+              <a:rPr lang="en-US" altLang="ko-KR" sz="2000" b="1" dirty="0" smtClean="0">
+                <a:solidFill>
+                  <a:schemeClr val="tx1"/>
+                </a:solidFill>
+              </a:rPr>
+              <a:t>Model</a:t>
+            </a:r>
+          </a:p>
+          <a:p>
+            <a:pPr algn="ctr"/>
+            <a:r>
+              <a:rPr lang="en-US" altLang="ko-KR" sz="1400" b="1" dirty="0" smtClean="0">
+                <a:solidFill>
+                  <a:schemeClr val="tx1"/>
+                </a:solidFill>
+              </a:rPr>
+              <a:t>-DAO</a:t>
+            </a:r>
+          </a:p>
+          <a:p>
+            <a:pPr algn="ctr"/>
+            <a:r>
+              <a:rPr lang="en-US" altLang="ko-KR" sz="1400" b="1" dirty="0">
+                <a:solidFill>
+                  <a:schemeClr val="tx1"/>
+                </a:solidFill>
+              </a:rPr>
+              <a:t>@Repository</a:t>
+            </a:r>
+            <a:endParaRPr lang="en-US" altLang="ko-KR" sz="1400" b="1" dirty="0" smtClean="0">
+              <a:solidFill>
+                <a:schemeClr val="tx1"/>
+              </a:solidFill>
+            </a:endParaRPr>
+          </a:p>
+          <a:p>
+            <a:pPr algn="ctr"/>
+            <a:r>
+              <a:rPr lang="en-US" altLang="ko-KR" sz="1400" b="1" dirty="0" smtClean="0">
+                <a:solidFill>
+                  <a:schemeClr val="tx1"/>
+                </a:solidFill>
+              </a:rPr>
+              <a:t>-DTO</a:t>
+            </a:r>
+          </a:p>
+          <a:p>
+            <a:pPr algn="ctr"/>
+            <a:r>
+              <a:rPr lang="en-US" altLang="ko-KR" sz="1400" b="1" dirty="0" smtClean="0">
+                <a:solidFill>
+                  <a:schemeClr val="tx1"/>
+                </a:solidFill>
+              </a:rPr>
+              <a:t>-Business Methods</a:t>
+            </a:r>
+          </a:p>
+        </p:txBody>
+      </p:sp>
+      <p:sp>
+        <p:nvSpPr>
+          <p:cNvPr id="8" name="직사각형 20"/>
+          <p:cNvSpPr/>
+          <p:nvPr/>
+        </p:nvSpPr>
+        <p:spPr>
+          <a:xfrm>
+            <a:off x="9292936" y="4065203"/>
+            <a:ext cx="1148186" cy="932145"/>
+          </a:xfrm>
+          <a:prstGeom prst="rect">
+            <a:avLst/>
+          </a:prstGeom>
+          <a:noFill/>
+        </p:spPr>
+        <p:style>
+          <a:lnRef idx="2">
+            <a:schemeClr val="accent1">
+              <a:shade val="50000"/>
+            </a:schemeClr>
+          </a:lnRef>
+          <a:fillRef idx="1">
+            <a:schemeClr val="accent1"/>
+          </a:fillRef>
+          <a:effectRef idx="0">
+            <a:schemeClr val="accent1"/>
+          </a:effectRef>
+          <a:fontRef idx="minor">
+            <a:schemeClr val="lt1"/>
+          </a:fontRef>
+        </p:style>
+        <p:txBody>
+          <a:bodyPr rtlCol="0" anchor="ctr"/>
+          <a:lstStyle/>
+          <a:p>
+            <a:pPr algn="ctr"/>
+            <a:r>
+              <a:rPr lang="en-US" altLang="ko-KR" sz="2000" b="1" dirty="0" smtClean="0">
+                <a:solidFill>
+                  <a:schemeClr val="tx1"/>
+                </a:solidFill>
+              </a:rPr>
+              <a:t>DB</a:t>
+            </a:r>
+          </a:p>
+        </p:txBody>
+      </p:sp>
+      <p:sp>
+        <p:nvSpPr>
+          <p:cNvPr id="12" name="직사각형 20"/>
+          <p:cNvSpPr/>
+          <p:nvPr/>
+        </p:nvSpPr>
+        <p:spPr>
+          <a:xfrm>
+            <a:off x="768096" y="2249963"/>
+            <a:ext cx="1468470" cy="932145"/>
+          </a:xfrm>
+          <a:prstGeom prst="rect">
+            <a:avLst/>
+          </a:prstGeom>
+          <a:noFill/>
+        </p:spPr>
+        <p:style>
+          <a:lnRef idx="2">
+            <a:schemeClr val="accent1">
+              <a:shade val="50000"/>
+            </a:schemeClr>
+          </a:lnRef>
+          <a:fillRef idx="1">
+            <a:schemeClr val="accent1"/>
+          </a:fillRef>
+          <a:effectRef idx="0">
+            <a:schemeClr val="accent1"/>
+          </a:effectRef>
+          <a:fontRef idx="minor">
+            <a:schemeClr val="lt1"/>
+          </a:fontRef>
+        </p:style>
+        <p:txBody>
+          <a:bodyPr rtlCol="0" anchor="ctr"/>
+          <a:lstStyle/>
+          <a:p>
+            <a:pPr algn="ctr"/>
+            <a:r>
+              <a:rPr lang="ko-KR" altLang="en-US" sz="2000" b="1" dirty="0">
+                <a:solidFill>
+                  <a:schemeClr val="tx1"/>
+                </a:solidFill>
+              </a:rPr>
+              <a:t>클</a:t>
+            </a:r>
+            <a:r>
+              <a:rPr lang="ko-KR" altLang="en-US" sz="2000" b="1" dirty="0" smtClean="0">
+                <a:solidFill>
+                  <a:schemeClr val="tx1"/>
+                </a:solidFill>
+              </a:rPr>
+              <a:t>라이언트</a:t>
+            </a:r>
+            <a:endParaRPr lang="en-US" altLang="ko-KR" sz="2000" b="1" dirty="0" smtClean="0">
+              <a:solidFill>
+                <a:schemeClr val="tx1"/>
+              </a:solidFill>
+            </a:endParaRPr>
+          </a:p>
+          <a:p>
+            <a:pPr algn="ctr"/>
+            <a:r>
+              <a:rPr lang="en-US" altLang="ko-KR" sz="2000" b="1" dirty="0" smtClean="0">
+                <a:solidFill>
+                  <a:schemeClr val="tx1"/>
+                </a:solidFill>
+              </a:rPr>
+              <a:t>VIEW</a:t>
+            </a:r>
+          </a:p>
+        </p:txBody>
+      </p:sp>
+      <p:sp>
+        <p:nvSpPr>
+          <p:cNvPr id="14" name="직사각형 20"/>
+          <p:cNvSpPr/>
+          <p:nvPr/>
+        </p:nvSpPr>
+        <p:spPr>
+          <a:xfrm>
+            <a:off x="4892102" y="2263410"/>
+            <a:ext cx="956788" cy="367647"/>
+          </a:xfrm>
+          <a:prstGeom prst="rect">
+            <a:avLst/>
+          </a:prstGeom>
+          <a:noFill/>
+        </p:spPr>
+        <p:style>
+          <a:lnRef idx="2">
+            <a:schemeClr val="accent1">
+              <a:shade val="50000"/>
+            </a:schemeClr>
+          </a:lnRef>
+          <a:fillRef idx="1">
+            <a:schemeClr val="accent1"/>
+          </a:fillRef>
+          <a:effectRef idx="0">
+            <a:schemeClr val="accent1"/>
+          </a:effectRef>
+          <a:fontRef idx="minor">
+            <a:schemeClr val="lt1"/>
+          </a:fontRef>
+        </p:style>
+        <p:txBody>
+          <a:bodyPr rtlCol="0" anchor="ctr"/>
+          <a:lstStyle/>
+          <a:p>
+            <a:pPr algn="ctr"/>
+            <a:r>
+              <a:rPr lang="ko-KR" altLang="en-US" sz="1200" b="1" dirty="0" smtClean="0">
+                <a:solidFill>
+                  <a:schemeClr val="tx1"/>
+                </a:solidFill>
+              </a:rPr>
+              <a:t>컨트롤러</a:t>
+            </a:r>
+            <a:endParaRPr lang="en-US" altLang="ko-KR" sz="1200" b="1" dirty="0" smtClean="0">
+              <a:solidFill>
+                <a:schemeClr val="tx1"/>
+              </a:solidFill>
+            </a:endParaRPr>
+          </a:p>
+        </p:txBody>
+      </p:sp>
+      <p:sp>
+        <p:nvSpPr>
+          <p:cNvPr id="36" name="Right Arrow 35"/>
+          <p:cNvSpPr/>
+          <p:nvPr/>
+        </p:nvSpPr>
+        <p:spPr>
+          <a:xfrm>
+            <a:off x="2473073" y="2542299"/>
+            <a:ext cx="411480" cy="274320"/>
+          </a:xfrm>
+          <a:prstGeom prst="rightArrow">
+            <a:avLst/>
+          </a:prstGeom>
+        </p:spPr>
+        <p:style>
+          <a:lnRef idx="2">
+            <a:schemeClr val="accent1">
+              <a:shade val="50000"/>
+            </a:schemeClr>
+          </a:lnRef>
+          <a:fillRef idx="1">
+            <a:schemeClr val="accent1"/>
+          </a:fillRef>
+          <a:effectRef idx="0">
+            <a:schemeClr val="accent1"/>
+          </a:effectRef>
+          <a:fontRef idx="minor">
+            <a:schemeClr val="lt1"/>
+          </a:fontRef>
+        </p:style>
+        <p:txBody>
+          <a:bodyPr rtlCol="0" anchor="ctr"/>
+          <a:lstStyle/>
+          <a:p>
+            <a:pPr algn="ctr"/>
+            <a:endParaRPr lang="ko-KR" altLang="en-US"/>
+          </a:p>
+        </p:txBody>
+      </p:sp>
+      <p:sp>
+        <p:nvSpPr>
+          <p:cNvPr id="38" name="Right Arrow 37"/>
+          <p:cNvSpPr/>
+          <p:nvPr/>
+        </p:nvSpPr>
+        <p:spPr>
+          <a:xfrm rot="12505829">
+            <a:off x="2489029" y="3773818"/>
+            <a:ext cx="1241104" cy="381423"/>
+          </a:xfrm>
+          <a:prstGeom prst="rightArrow">
+            <a:avLst/>
+          </a:prstGeom>
+        </p:spPr>
+        <p:style>
+          <a:lnRef idx="2">
+            <a:schemeClr val="accent1">
+              <a:shade val="50000"/>
+            </a:schemeClr>
+          </a:lnRef>
+          <a:fillRef idx="1">
+            <a:schemeClr val="accent1"/>
+          </a:fillRef>
+          <a:effectRef idx="0">
+            <a:schemeClr val="accent1"/>
+          </a:effectRef>
+          <a:fontRef idx="minor">
+            <a:schemeClr val="lt1"/>
+          </a:fontRef>
+        </p:style>
+        <p:txBody>
+          <a:bodyPr rtlCol="0" anchor="ctr"/>
+          <a:lstStyle/>
+          <a:p>
+            <a:pPr algn="ctr"/>
+            <a:endParaRPr lang="ko-KR" altLang="en-US"/>
+          </a:p>
+        </p:txBody>
+      </p:sp>
+      <p:sp>
+        <p:nvSpPr>
+          <p:cNvPr id="40" name="Rectangle 39"/>
+          <p:cNvSpPr/>
+          <p:nvPr/>
+        </p:nvSpPr>
+        <p:spPr>
+          <a:xfrm>
+            <a:off x="3066202" y="2121407"/>
+            <a:ext cx="3166292" cy="1216153"/>
+          </a:xfrm>
+          <a:prstGeom prst="rect">
+            <a:avLst/>
+          </a:prstGeom>
+          <a:noFill/>
+          <a:ln w="50800">
+            <a:solidFill>
+              <a:srgbClr val="0070C0"/>
+            </a:solidFill>
+          </a:ln>
+        </p:spPr>
+        <p:style>
+          <a:lnRef idx="2">
+            <a:schemeClr val="accent1">
+              <a:shade val="50000"/>
+            </a:schemeClr>
+          </a:lnRef>
+          <a:fillRef idx="1">
+            <a:schemeClr val="accent1"/>
+          </a:fillRef>
+          <a:effectRef idx="0">
+            <a:schemeClr val="accent1"/>
+          </a:effectRef>
+          <a:fontRef idx="minor">
+            <a:schemeClr val="lt1"/>
+          </a:fontRef>
+        </p:style>
+        <p:txBody>
+          <a:bodyPr rtlCol="0" anchor="ctr"/>
+          <a:lstStyle/>
+          <a:p>
+            <a:pPr algn="ctr"/>
+            <a:endParaRPr lang="ko-KR" altLang="en-US"/>
+          </a:p>
+        </p:txBody>
+      </p:sp>
+      <p:sp>
+        <p:nvSpPr>
+          <p:cNvPr id="41" name="Right Arrow 40"/>
+          <p:cNvSpPr/>
+          <p:nvPr/>
+        </p:nvSpPr>
+        <p:spPr>
+          <a:xfrm rot="5400000">
+            <a:off x="4574058" y="3596851"/>
+            <a:ext cx="411480" cy="274320"/>
+          </a:xfrm>
+          <a:prstGeom prst="rightArrow">
+            <a:avLst/>
+          </a:prstGeom>
+        </p:spPr>
+        <p:style>
+          <a:lnRef idx="2">
+            <a:schemeClr val="accent1">
+              <a:shade val="50000"/>
+            </a:schemeClr>
+          </a:lnRef>
+          <a:fillRef idx="1">
+            <a:schemeClr val="accent1"/>
+          </a:fillRef>
+          <a:effectRef idx="0">
+            <a:schemeClr val="accent1"/>
+          </a:effectRef>
+          <a:fontRef idx="minor">
+            <a:schemeClr val="lt1"/>
+          </a:fontRef>
+        </p:style>
+        <p:txBody>
+          <a:bodyPr rtlCol="0" anchor="ctr"/>
+          <a:lstStyle/>
+          <a:p>
+            <a:pPr algn="ctr"/>
+            <a:endParaRPr lang="ko-KR" altLang="en-US"/>
+          </a:p>
+        </p:txBody>
+      </p:sp>
+      <p:sp>
+        <p:nvSpPr>
+          <p:cNvPr id="43" name="Right Arrow 42"/>
+          <p:cNvSpPr/>
+          <p:nvPr/>
+        </p:nvSpPr>
+        <p:spPr>
+          <a:xfrm>
+            <a:off x="8349290" y="2455162"/>
+            <a:ext cx="411480" cy="274320"/>
+          </a:xfrm>
+          <a:prstGeom prst="rightArrow">
+            <a:avLst/>
+          </a:prstGeom>
+        </p:spPr>
+        <p:style>
+          <a:lnRef idx="2">
+            <a:schemeClr val="accent1">
+              <a:shade val="50000"/>
+            </a:schemeClr>
+          </a:lnRef>
+          <a:fillRef idx="1">
+            <a:schemeClr val="accent1"/>
+          </a:fillRef>
+          <a:effectRef idx="0">
+            <a:schemeClr val="accent1"/>
+          </a:effectRef>
+          <a:fontRef idx="minor">
+            <a:schemeClr val="lt1"/>
+          </a:fontRef>
+        </p:style>
+        <p:txBody>
+          <a:bodyPr rtlCol="0" anchor="ctr"/>
+          <a:lstStyle/>
+          <a:p>
+            <a:pPr algn="ctr"/>
+            <a:endParaRPr lang="ko-KR" altLang="en-US"/>
+          </a:p>
+        </p:txBody>
+      </p:sp>
+      <p:sp>
+        <p:nvSpPr>
+          <p:cNvPr id="44" name="Right Arrow 43"/>
+          <p:cNvSpPr/>
+          <p:nvPr/>
+        </p:nvSpPr>
+        <p:spPr>
+          <a:xfrm rot="5400000">
+            <a:off x="9524129" y="3542198"/>
+            <a:ext cx="411480" cy="274320"/>
+          </a:xfrm>
+          <a:prstGeom prst="rightArrow">
+            <a:avLst/>
+          </a:prstGeom>
+        </p:spPr>
+        <p:style>
+          <a:lnRef idx="2">
+            <a:schemeClr val="accent1">
+              <a:shade val="50000"/>
+            </a:schemeClr>
+          </a:lnRef>
+          <a:fillRef idx="1">
+            <a:schemeClr val="accent1"/>
+          </a:fillRef>
+          <a:effectRef idx="0">
+            <a:schemeClr val="accent1"/>
+          </a:effectRef>
+          <a:fontRef idx="minor">
+            <a:schemeClr val="lt1"/>
+          </a:fontRef>
+        </p:style>
+        <p:txBody>
+          <a:bodyPr rtlCol="0" anchor="ctr"/>
+          <a:lstStyle/>
+          <a:p>
+            <a:pPr algn="ctr"/>
+            <a:endParaRPr lang="ko-KR" altLang="en-US"/>
+          </a:p>
+        </p:txBody>
+      </p:sp>
+      <p:sp>
+        <p:nvSpPr>
+          <p:cNvPr id="45" name="Right Arrow 44"/>
+          <p:cNvSpPr/>
+          <p:nvPr/>
+        </p:nvSpPr>
+        <p:spPr>
+          <a:xfrm rot="16200000">
+            <a:off x="9798449" y="3542198"/>
+            <a:ext cx="411480" cy="274320"/>
+          </a:xfrm>
+          <a:prstGeom prst="rightArrow">
+            <a:avLst/>
+          </a:prstGeom>
+        </p:spPr>
+        <p:style>
+          <a:lnRef idx="2">
+            <a:schemeClr val="accent1">
+              <a:shade val="50000"/>
+            </a:schemeClr>
+          </a:lnRef>
+          <a:fillRef idx="1">
+            <a:schemeClr val="accent1"/>
+          </a:fillRef>
+          <a:effectRef idx="0">
+            <a:schemeClr val="accent1"/>
+          </a:effectRef>
+          <a:fontRef idx="minor">
+            <a:schemeClr val="lt1"/>
+          </a:fontRef>
+        </p:style>
+        <p:txBody>
+          <a:bodyPr rtlCol="0" anchor="ctr"/>
+          <a:lstStyle/>
+          <a:p>
+            <a:pPr algn="ctr"/>
+            <a:endParaRPr lang="ko-KR" altLang="en-US"/>
+          </a:p>
+        </p:txBody>
+      </p:sp>
+      <p:sp>
+        <p:nvSpPr>
+          <p:cNvPr id="46" name="Right Arrow 45"/>
+          <p:cNvSpPr/>
+          <p:nvPr/>
+        </p:nvSpPr>
+        <p:spPr>
+          <a:xfrm rot="10800000">
+            <a:off x="8349290" y="2729482"/>
+            <a:ext cx="411480" cy="274320"/>
+          </a:xfrm>
+          <a:prstGeom prst="rightArrow">
+            <a:avLst/>
+          </a:prstGeom>
+        </p:spPr>
+        <p:style>
+          <a:lnRef idx="2">
+            <a:schemeClr val="accent1">
+              <a:shade val="50000"/>
+            </a:schemeClr>
+          </a:lnRef>
+          <a:fillRef idx="1">
+            <a:schemeClr val="accent1"/>
+          </a:fillRef>
+          <a:effectRef idx="0">
+            <a:schemeClr val="accent1"/>
+          </a:effectRef>
+          <a:fontRef idx="minor">
+            <a:schemeClr val="lt1"/>
+          </a:fontRef>
+        </p:style>
+        <p:txBody>
+          <a:bodyPr rtlCol="0" anchor="ctr"/>
+          <a:lstStyle/>
+          <a:p>
+            <a:pPr algn="ctr"/>
+            <a:endParaRPr lang="ko-KR" altLang="en-US"/>
+          </a:p>
+        </p:txBody>
+      </p:sp>
+      <p:sp>
+        <p:nvSpPr>
+          <p:cNvPr id="47" name="Right Arrow 46"/>
+          <p:cNvSpPr/>
+          <p:nvPr/>
+        </p:nvSpPr>
+        <p:spPr>
+          <a:xfrm>
+            <a:off x="6408911" y="2455162"/>
+            <a:ext cx="411480" cy="274320"/>
+          </a:xfrm>
+          <a:prstGeom prst="rightArrow">
+            <a:avLst/>
+          </a:prstGeom>
+        </p:spPr>
+        <p:style>
+          <a:lnRef idx="2">
+            <a:schemeClr val="accent1">
+              <a:shade val="50000"/>
+            </a:schemeClr>
+          </a:lnRef>
+          <a:fillRef idx="1">
+            <a:schemeClr val="accent1"/>
+          </a:fillRef>
+          <a:effectRef idx="0">
+            <a:schemeClr val="accent1"/>
+          </a:effectRef>
+          <a:fontRef idx="minor">
+            <a:schemeClr val="lt1"/>
+          </a:fontRef>
+        </p:style>
+        <p:txBody>
+          <a:bodyPr rtlCol="0" anchor="ctr"/>
+          <a:lstStyle/>
+          <a:p>
+            <a:pPr algn="ctr"/>
+            <a:endParaRPr lang="ko-KR" altLang="en-US"/>
+          </a:p>
+        </p:txBody>
+      </p:sp>
+      <p:sp>
+        <p:nvSpPr>
+          <p:cNvPr id="48" name="Right Arrow 47"/>
+          <p:cNvSpPr/>
+          <p:nvPr/>
+        </p:nvSpPr>
+        <p:spPr>
+          <a:xfrm rot="10800000">
+            <a:off x="6408911" y="2729482"/>
+            <a:ext cx="411480" cy="274320"/>
+          </a:xfrm>
+          <a:prstGeom prst="rightArrow">
+            <a:avLst/>
+          </a:prstGeom>
+        </p:spPr>
+        <p:style>
+          <a:lnRef idx="2">
+            <a:schemeClr val="accent1">
+              <a:shade val="50000"/>
+            </a:schemeClr>
+          </a:lnRef>
+          <a:fillRef idx="1">
+            <a:schemeClr val="accent1"/>
+          </a:fillRef>
+          <a:effectRef idx="0">
+            <a:schemeClr val="accent1"/>
+          </a:effectRef>
+          <a:fontRef idx="minor">
+            <a:schemeClr val="lt1"/>
+          </a:fontRef>
+        </p:style>
+        <p:txBody>
+          <a:bodyPr rtlCol="0" anchor="ctr"/>
+          <a:lstStyle/>
+          <a:p>
+            <a:pPr algn="ctr"/>
+            <a:endParaRPr lang="ko-KR" altLang="en-US"/>
+          </a:p>
+        </p:txBody>
+      </p:sp>
+      <p:sp>
+        <p:nvSpPr>
+          <p:cNvPr id="21" name="Rectangle 20"/>
+          <p:cNvSpPr/>
+          <p:nvPr/>
+        </p:nvSpPr>
+        <p:spPr>
+          <a:xfrm>
+            <a:off x="3590434" y="1173345"/>
+            <a:ext cx="2378728" cy="830997"/>
+          </a:xfrm>
+          <a:prstGeom prst="rect">
+            <a:avLst/>
+          </a:prstGeom>
+        </p:spPr>
+        <p:txBody>
+          <a:bodyPr wrap="none">
+            <a:spAutoFit/>
+          </a:bodyPr>
+          <a:lstStyle/>
+          <a:p>
+            <a:pPr algn="ctr"/>
+            <a:r>
+              <a:rPr lang="ko-KR" altLang="en-US" sz="1200" dirty="0"/>
+              <a:t>클라이언트</a:t>
+            </a:r>
+            <a:r>
+              <a:rPr lang="en-US" altLang="ko-KR" sz="1200" dirty="0"/>
+              <a:t> </a:t>
+            </a:r>
+            <a:r>
+              <a:rPr lang="ko-KR" altLang="en-US" sz="1200" dirty="0"/>
+              <a:t>요청정보 추출</a:t>
+            </a:r>
+            <a:endParaRPr lang="en-US" altLang="ko-KR" sz="1200" dirty="0"/>
+          </a:p>
+          <a:p>
+            <a:pPr algn="ctr"/>
+            <a:r>
+              <a:rPr lang="en-US" altLang="ko-KR" sz="1200" dirty="0" smtClean="0"/>
+              <a:t>@</a:t>
+            </a:r>
+            <a:r>
+              <a:rPr lang="en-US" altLang="ko-KR" sz="1200" dirty="0" err="1"/>
+              <a:t>RequestMapping</a:t>
+            </a:r>
+            <a:r>
+              <a:rPr lang="en-US" altLang="ko-KR" sz="1200" dirty="0"/>
+              <a:t>("/index.do</a:t>
+            </a:r>
+            <a:r>
+              <a:rPr lang="en-US" altLang="ko-KR" sz="1200" dirty="0" smtClean="0"/>
+              <a:t>")</a:t>
+            </a:r>
+          </a:p>
+          <a:p>
+            <a:pPr algn="ctr"/>
+            <a:r>
+              <a:rPr lang="ko-KR" altLang="en-US" sz="1200" dirty="0" smtClean="0"/>
+              <a:t>서비스 호출</a:t>
+            </a:r>
+            <a:endParaRPr lang="en-US" altLang="ko-KR" sz="1200" dirty="0" smtClean="0"/>
+          </a:p>
+          <a:p>
+            <a:pPr algn="ctr"/>
+            <a:r>
+              <a:rPr lang="ko-KR" altLang="en-US" sz="1200" dirty="0" smtClean="0"/>
+              <a:t>뷰이름 등록</a:t>
+            </a:r>
+            <a:endParaRPr lang="en-US" altLang="ko-KR" sz="1200" dirty="0"/>
+          </a:p>
+        </p:txBody>
+      </p:sp>
+      <p:sp>
+        <p:nvSpPr>
+          <p:cNvPr id="22" name="Rectangle 21"/>
+          <p:cNvSpPr/>
+          <p:nvPr/>
+        </p:nvSpPr>
+        <p:spPr>
+          <a:xfrm>
+            <a:off x="6728977" y="1719177"/>
+            <a:ext cx="1744388" cy="461665"/>
+          </a:xfrm>
+          <a:prstGeom prst="rect">
+            <a:avLst/>
+          </a:prstGeom>
+        </p:spPr>
+        <p:txBody>
+          <a:bodyPr wrap="none">
+            <a:spAutoFit/>
+          </a:bodyPr>
+          <a:lstStyle/>
+          <a:p>
+            <a:pPr algn="ctr"/>
+            <a:r>
+              <a:rPr lang="ko-KR" altLang="en-US" sz="1200" dirty="0" smtClean="0"/>
+              <a:t>요청에 필요한 </a:t>
+            </a:r>
+            <a:endParaRPr lang="en-US" altLang="ko-KR" sz="1200" dirty="0" smtClean="0"/>
+          </a:p>
+          <a:p>
+            <a:pPr algn="ctr"/>
+            <a:r>
+              <a:rPr lang="en-US" altLang="ko-KR" sz="1200" dirty="0" smtClean="0"/>
+              <a:t>Business Method </a:t>
+            </a:r>
+            <a:r>
+              <a:rPr lang="ko-KR" altLang="en-US" sz="1200" dirty="0" smtClean="0"/>
+              <a:t>조합</a:t>
+            </a:r>
+            <a:endParaRPr lang="en-US" altLang="ko-KR" sz="1200" dirty="0"/>
+          </a:p>
+        </p:txBody>
+      </p:sp>
+      <p:sp>
+        <p:nvSpPr>
+          <p:cNvPr id="23" name="Rectangle 22"/>
+          <p:cNvSpPr/>
+          <p:nvPr/>
+        </p:nvSpPr>
+        <p:spPr>
+          <a:xfrm>
+            <a:off x="9466919" y="1173345"/>
+            <a:ext cx="800219" cy="461665"/>
+          </a:xfrm>
+          <a:prstGeom prst="rect">
+            <a:avLst/>
+          </a:prstGeom>
+        </p:spPr>
+        <p:txBody>
+          <a:bodyPr wrap="none">
+            <a:spAutoFit/>
+          </a:bodyPr>
+          <a:lstStyle/>
+          <a:p>
+            <a:pPr algn="ctr"/>
+            <a:r>
+              <a:rPr lang="ko-KR" altLang="en-US" sz="1200" dirty="0" smtClean="0"/>
+              <a:t>두뇌역할</a:t>
+            </a:r>
+            <a:endParaRPr lang="en-US" altLang="ko-KR" sz="1200" dirty="0" smtClean="0"/>
+          </a:p>
+          <a:p>
+            <a:pPr algn="ctr"/>
+            <a:r>
+              <a:rPr lang="en-US" altLang="ko-KR" sz="1200" dirty="0" smtClean="0"/>
+              <a:t>DB</a:t>
+            </a:r>
+            <a:r>
+              <a:rPr lang="ko-KR" altLang="en-US" sz="1200" dirty="0" smtClean="0"/>
+              <a:t>연동</a:t>
+            </a:r>
+            <a:endParaRPr lang="en-US" altLang="ko-KR" sz="1200" dirty="0"/>
+          </a:p>
+        </p:txBody>
+      </p:sp>
+      <p:sp>
+        <p:nvSpPr>
+          <p:cNvPr id="3" name="Rectangle 2"/>
+          <p:cNvSpPr/>
+          <p:nvPr/>
+        </p:nvSpPr>
+        <p:spPr>
+          <a:xfrm>
+            <a:off x="721766" y="1719177"/>
+            <a:ext cx="1470211" cy="369332"/>
+          </a:xfrm>
+          <a:prstGeom prst="rect">
+            <a:avLst/>
+          </a:prstGeom>
+        </p:spPr>
+        <p:txBody>
+          <a:bodyPr wrap="none">
+            <a:spAutoFit/>
+          </a:bodyPr>
+          <a:lstStyle/>
+          <a:p>
+            <a:pPr algn="ctr"/>
+            <a:r>
+              <a:rPr lang="en-US" altLang="ko-KR" dirty="0"/>
+              <a:t>("/</a:t>
+            </a:r>
+            <a:r>
+              <a:rPr lang="en-US" altLang="ko-KR"/>
+              <a:t>index.do</a:t>
+            </a:r>
+            <a:r>
+              <a:rPr lang="en-US" altLang="ko-KR" smtClean="0"/>
+              <a:t>")</a:t>
+            </a:r>
+            <a:endParaRPr lang="en-US" altLang="ko-KR" dirty="0" smtClean="0"/>
+          </a:p>
+        </p:txBody>
+      </p:sp>
+      <p:sp>
+        <p:nvSpPr>
+          <p:cNvPr id="25" name="Rectangle 24"/>
+          <p:cNvSpPr/>
+          <p:nvPr/>
+        </p:nvSpPr>
+        <p:spPr>
+          <a:xfrm>
+            <a:off x="10701605" y="2180842"/>
+            <a:ext cx="1018227" cy="430887"/>
+          </a:xfrm>
+          <a:prstGeom prst="rect">
+            <a:avLst/>
+          </a:prstGeom>
+        </p:spPr>
+        <p:txBody>
+          <a:bodyPr wrap="none">
+            <a:spAutoFit/>
+          </a:bodyPr>
+          <a:lstStyle/>
+          <a:p>
+            <a:pPr algn="ctr"/>
+            <a:r>
+              <a:rPr lang="en-US" altLang="ko-KR" sz="1100" b="1" dirty="0" smtClean="0">
+                <a:solidFill>
+                  <a:srgbClr val="FF0000"/>
+                </a:solidFill>
+              </a:rPr>
+              <a:t>sqlSession</a:t>
+            </a:r>
+          </a:p>
+          <a:p>
+            <a:pPr algn="ctr"/>
+            <a:r>
+              <a:rPr lang="en-US" altLang="ko-KR" sz="1100" b="1" dirty="0" smtClean="0">
+                <a:solidFill>
+                  <a:srgbClr val="FF0000"/>
+                </a:solidFill>
+              </a:rPr>
+              <a:t>Mapper SQL</a:t>
+            </a:r>
+            <a:endParaRPr lang="en-US" altLang="ko-KR" sz="1100" dirty="0">
+              <a:solidFill>
+                <a:srgbClr val="FF0000"/>
+              </a:solidFill>
+            </a:endParaRPr>
+          </a:p>
+        </p:txBody>
+      </p:sp>
+      <p:sp>
+        <p:nvSpPr>
+          <p:cNvPr id="2" name="Rectangle 1"/>
+          <p:cNvSpPr/>
+          <p:nvPr/>
+        </p:nvSpPr>
+        <p:spPr>
+          <a:xfrm>
+            <a:off x="3284039" y="3325790"/>
+            <a:ext cx="1084279" cy="276999"/>
+          </a:xfrm>
+          <a:prstGeom prst="rect">
+            <a:avLst/>
+          </a:prstGeom>
+        </p:spPr>
+        <p:txBody>
+          <a:bodyPr wrap="square">
+            <a:spAutoFit/>
+          </a:bodyPr>
+          <a:lstStyle/>
+          <a:p>
+            <a:pPr algn="ctr"/>
+            <a:r>
+              <a:rPr lang="en-US" altLang="ko-KR" sz="1200" dirty="0" smtClean="0"/>
+              <a:t>VO</a:t>
+            </a:r>
+            <a:endParaRPr lang="en-US" altLang="ko-KR" sz="1200" dirty="0"/>
+          </a:p>
+        </p:txBody>
+      </p:sp>
+      <p:sp>
+        <p:nvSpPr>
+          <p:cNvPr id="26" name="직사각형 20"/>
+          <p:cNvSpPr/>
+          <p:nvPr/>
+        </p:nvSpPr>
+        <p:spPr>
+          <a:xfrm>
+            <a:off x="4902496" y="2748122"/>
+            <a:ext cx="956788" cy="367647"/>
+          </a:xfrm>
+          <a:prstGeom prst="rect">
+            <a:avLst/>
+          </a:prstGeom>
+          <a:noFill/>
+        </p:spPr>
+        <p:style>
+          <a:lnRef idx="2">
+            <a:schemeClr val="accent1">
+              <a:shade val="50000"/>
+            </a:schemeClr>
+          </a:lnRef>
+          <a:fillRef idx="1">
+            <a:schemeClr val="accent1"/>
+          </a:fillRef>
+          <a:effectRef idx="0">
+            <a:schemeClr val="accent1"/>
+          </a:effectRef>
+          <a:fontRef idx="minor">
+            <a:schemeClr val="lt1"/>
+          </a:fontRef>
+        </p:style>
+        <p:txBody>
+          <a:bodyPr rtlCol="0" anchor="ctr"/>
+          <a:lstStyle/>
+          <a:p>
+            <a:pPr algn="ctr"/>
+            <a:r>
+              <a:rPr lang="ko-KR" altLang="en-US" sz="1200" b="1" dirty="0" smtClean="0">
+                <a:solidFill>
+                  <a:schemeClr val="tx1"/>
+                </a:solidFill>
+              </a:rPr>
+              <a:t>컨트롤러</a:t>
+            </a:r>
+            <a:endParaRPr lang="en-US" altLang="ko-KR" sz="1200" b="1" dirty="0" smtClean="0">
+              <a:solidFill>
+                <a:schemeClr val="tx1"/>
+              </a:solidFill>
+            </a:endParaRPr>
+          </a:p>
+        </p:txBody>
+      </p:sp>
+      <p:sp>
+        <p:nvSpPr>
+          <p:cNvPr id="27" name="직사각형 20"/>
+          <p:cNvSpPr/>
+          <p:nvPr/>
+        </p:nvSpPr>
+        <p:spPr>
+          <a:xfrm>
+            <a:off x="3247203" y="1671851"/>
+            <a:ext cx="956788" cy="367647"/>
+          </a:xfrm>
+          <a:prstGeom prst="rect">
+            <a:avLst/>
+          </a:prstGeom>
+          <a:noFill/>
+        </p:spPr>
+        <p:style>
+          <a:lnRef idx="2">
+            <a:schemeClr val="accent1">
+              <a:shade val="50000"/>
+            </a:schemeClr>
+          </a:lnRef>
+          <a:fillRef idx="1">
+            <a:schemeClr val="accent1"/>
+          </a:fillRef>
+          <a:effectRef idx="0">
+            <a:schemeClr val="accent1"/>
+          </a:effectRef>
+          <a:fontRef idx="minor">
+            <a:schemeClr val="lt1"/>
+          </a:fontRef>
+        </p:style>
+        <p:txBody>
+          <a:bodyPr rtlCol="0" anchor="ctr"/>
+          <a:lstStyle/>
+          <a:p>
+            <a:pPr algn="ctr"/>
+            <a:r>
+              <a:rPr lang="en-US" altLang="ko-KR" sz="1200" b="1" smtClean="0">
+                <a:solidFill>
+                  <a:schemeClr val="tx1"/>
+                </a:solidFill>
+              </a:rPr>
+              <a:t>Handler</a:t>
+            </a:r>
+          </a:p>
+          <a:p>
+            <a:pPr algn="ctr"/>
+            <a:r>
+              <a:rPr lang="en-US" altLang="ko-KR" sz="1200" b="1" smtClean="0">
+                <a:solidFill>
+                  <a:schemeClr val="tx1"/>
+                </a:solidFill>
+              </a:rPr>
+              <a:t>Mapping</a:t>
+            </a:r>
+            <a:endParaRPr lang="en-US" altLang="ko-KR" sz="1200" b="1" dirty="0" smtClean="0">
+              <a:solidFill>
+                <a:schemeClr val="tx1"/>
+              </a:solidFill>
+            </a:endParaRPr>
+          </a:p>
+        </p:txBody>
+      </p:sp>
+    </p:spTree>
+    <p:extLst>
+      <p:ext uri="{BB962C8B-B14F-4D97-AF65-F5344CB8AC3E}">
+        <p14:creationId xmlns:p14="http://schemas.microsoft.com/office/powerpoint/2010/main" val="3798999474"/>
+      </p:ext>
+    </p:extLst>
+  </p:cSld>
+  <p:clrMapOvr>
+    <a:masterClrMapping/>
+  </p:clrMapOvr>
+  <p:timing>
+    <p:tnLst>
+      <p:par>
+        <p:cTn id="1" dur="indefinite" restart="never" nodeType="tmRoot"/>
+      </p:par>
+    </p:tnLst>
+  </p:timing>
 </p:sld>
 </file>
 

--- a/3. HTML/프레젠테이션1.pptx
+++ b/3. HTML/프레젠테이션1.pptx
@@ -11,8 +11,8 @@
     <p:sldId id="259" r:id="rId5"/>
     <p:sldId id="260" r:id="rId6"/>
     <p:sldId id="263" r:id="rId7"/>
-    <p:sldId id="264" r:id="rId8"/>
-    <p:sldId id="261" r:id="rId9"/>
+    <p:sldId id="261" r:id="rId8"/>
+    <p:sldId id="264" r:id="rId9"/>
   </p:sldIdLst>
   <p:sldSz cx="12192000" cy="6858000"/>
   <p:notesSz cx="6858000" cy="9144000"/>
@@ -250,7 +250,7 @@
           <a:p>
             <a:fld id="{AF6A8A15-839E-47EF-8CE3-3F101DCA030F}" type="datetimeFigureOut">
               <a:rPr lang="ko-KR" altLang="en-US" smtClean="0"/>
-              <a:t>2020-02-06</a:t>
+              <a:t>2020-02-21</a:t>
             </a:fld>
             <a:endParaRPr lang="ko-KR" altLang="en-US"/>
           </a:p>
@@ -420,7 +420,7 @@
           <a:p>
             <a:fld id="{AF6A8A15-839E-47EF-8CE3-3F101DCA030F}" type="datetimeFigureOut">
               <a:rPr lang="ko-KR" altLang="en-US" smtClean="0"/>
-              <a:t>2020-02-06</a:t>
+              <a:t>2020-02-21</a:t>
             </a:fld>
             <a:endParaRPr lang="ko-KR" altLang="en-US"/>
           </a:p>
@@ -600,7 +600,7 @@
           <a:p>
             <a:fld id="{AF6A8A15-839E-47EF-8CE3-3F101DCA030F}" type="datetimeFigureOut">
               <a:rPr lang="ko-KR" altLang="en-US" smtClean="0"/>
-              <a:t>2020-02-06</a:t>
+              <a:t>2020-02-21</a:t>
             </a:fld>
             <a:endParaRPr lang="ko-KR" altLang="en-US"/>
           </a:p>
@@ -770,7 +770,7 @@
           <a:p>
             <a:fld id="{AF6A8A15-839E-47EF-8CE3-3F101DCA030F}" type="datetimeFigureOut">
               <a:rPr lang="ko-KR" altLang="en-US" smtClean="0"/>
-              <a:t>2020-02-06</a:t>
+              <a:t>2020-02-21</a:t>
             </a:fld>
             <a:endParaRPr lang="ko-KR" altLang="en-US"/>
           </a:p>
@@ -1016,7 +1016,7 @@
           <a:p>
             <a:fld id="{AF6A8A15-839E-47EF-8CE3-3F101DCA030F}" type="datetimeFigureOut">
               <a:rPr lang="ko-KR" altLang="en-US" smtClean="0"/>
-              <a:t>2020-02-06</a:t>
+              <a:t>2020-02-21</a:t>
             </a:fld>
             <a:endParaRPr lang="ko-KR" altLang="en-US"/>
           </a:p>
@@ -1248,7 +1248,7 @@
           <a:p>
             <a:fld id="{AF6A8A15-839E-47EF-8CE3-3F101DCA030F}" type="datetimeFigureOut">
               <a:rPr lang="ko-KR" altLang="en-US" smtClean="0"/>
-              <a:t>2020-02-06</a:t>
+              <a:t>2020-02-21</a:t>
             </a:fld>
             <a:endParaRPr lang="ko-KR" altLang="en-US"/>
           </a:p>
@@ -1615,7 +1615,7 @@
           <a:p>
             <a:fld id="{AF6A8A15-839E-47EF-8CE3-3F101DCA030F}" type="datetimeFigureOut">
               <a:rPr lang="ko-KR" altLang="en-US" smtClean="0"/>
-              <a:t>2020-02-06</a:t>
+              <a:t>2020-02-21</a:t>
             </a:fld>
             <a:endParaRPr lang="ko-KR" altLang="en-US"/>
           </a:p>
@@ -1733,7 +1733,7 @@
           <a:p>
             <a:fld id="{AF6A8A15-839E-47EF-8CE3-3F101DCA030F}" type="datetimeFigureOut">
               <a:rPr lang="ko-KR" altLang="en-US" smtClean="0"/>
-              <a:t>2020-02-06</a:t>
+              <a:t>2020-02-21</a:t>
             </a:fld>
             <a:endParaRPr lang="ko-KR" altLang="en-US"/>
           </a:p>
@@ -1828,7 +1828,7 @@
           <a:p>
             <a:fld id="{AF6A8A15-839E-47EF-8CE3-3F101DCA030F}" type="datetimeFigureOut">
               <a:rPr lang="ko-KR" altLang="en-US" smtClean="0"/>
-              <a:t>2020-02-06</a:t>
+              <a:t>2020-02-21</a:t>
             </a:fld>
             <a:endParaRPr lang="ko-KR" altLang="en-US"/>
           </a:p>
@@ -2105,7 +2105,7 @@
           <a:p>
             <a:fld id="{AF6A8A15-839E-47EF-8CE3-3F101DCA030F}" type="datetimeFigureOut">
               <a:rPr lang="ko-KR" altLang="en-US" smtClean="0"/>
-              <a:t>2020-02-06</a:t>
+              <a:t>2020-02-21</a:t>
             </a:fld>
             <a:endParaRPr lang="ko-KR" altLang="en-US"/>
           </a:p>
@@ -2358,7 +2358,7 @@
           <a:p>
             <a:fld id="{AF6A8A15-839E-47EF-8CE3-3F101DCA030F}" type="datetimeFigureOut">
               <a:rPr lang="ko-KR" altLang="en-US" smtClean="0"/>
-              <a:t>2020-02-06</a:t>
+              <a:t>2020-02-21</a:t>
             </a:fld>
             <a:endParaRPr lang="ko-KR" altLang="en-US"/>
           </a:p>
@@ -2571,7 +2571,7 @@
           <a:p>
             <a:fld id="{AF6A8A15-839E-47EF-8CE3-3F101DCA030F}" type="datetimeFigureOut">
               <a:rPr lang="ko-KR" altLang="en-US" smtClean="0"/>
-              <a:t>2020-02-06</a:t>
+              <a:t>2020-02-21</a:t>
             </a:fld>
             <a:endParaRPr lang="ko-KR" altLang="en-US"/>
           </a:p>
@@ -9297,222 +9297,1298 @@
       </p:grpSpPr>
       <p:sp>
         <p:nvSpPr>
-          <p:cNvPr id="3" name="Content Placeholder 2"/>
-          <p:cNvSpPr>
-            <a:spLocks noGrp="1"/>
-          </p:cNvSpPr>
-          <p:nvPr>
-            <p:ph idx="1"/>
-          </p:nvPr>
-        </p:nvSpPr>
-        <p:spPr>
-          <a:xfrm>
-            <a:off x="838200" y="374904"/>
-            <a:ext cx="10515600" cy="5802059"/>
-          </a:xfrm>
-        </p:spPr>
-        <p:txBody>
-          <a:bodyPr>
-            <a:noAutofit/>
+          <p:cNvPr id="4" name="직사각형 20"/>
+          <p:cNvSpPr/>
+          <p:nvPr/>
+        </p:nvSpPr>
+        <p:spPr>
+          <a:xfrm>
+            <a:off x="4228565" y="4142232"/>
+            <a:ext cx="1102466" cy="932145"/>
+          </a:xfrm>
+          <a:prstGeom prst="rect">
+            <a:avLst/>
+          </a:prstGeom>
+          <a:noFill/>
+        </p:spPr>
+        <p:style>
+          <a:lnRef idx="2">
+            <a:schemeClr val="accent1">
+              <a:shade val="50000"/>
+            </a:schemeClr>
+          </a:lnRef>
+          <a:fillRef idx="1">
+            <a:schemeClr val="accent1"/>
+          </a:fillRef>
+          <a:effectRef idx="0">
+            <a:schemeClr val="accent1"/>
+          </a:effectRef>
+          <a:fontRef idx="minor">
+            <a:schemeClr val="lt1"/>
+          </a:fontRef>
+        </p:style>
+        <p:txBody>
+          <a:bodyPr rtlCol="0" anchor="ctr"/>
+          <a:lstStyle/>
+          <a:p>
+            <a:pPr algn="ctr"/>
+            <a:r>
+              <a:rPr lang="ko-KR" altLang="en-US" sz="2000" b="1" dirty="0" smtClean="0">
+                <a:solidFill>
+                  <a:schemeClr val="tx1"/>
+                </a:solidFill>
+              </a:rPr>
+              <a:t>새로운</a:t>
+            </a:r>
+            <a:endParaRPr lang="en-US" altLang="ko-KR" sz="2000" b="1" dirty="0" smtClean="0">
+              <a:solidFill>
+                <a:schemeClr val="tx1"/>
+              </a:solidFill>
+            </a:endParaRPr>
+          </a:p>
+          <a:p>
+            <a:pPr algn="ctr"/>
+            <a:r>
+              <a:rPr lang="en-US" altLang="ko-KR" sz="2000" b="1" dirty="0" smtClean="0">
+                <a:solidFill>
+                  <a:schemeClr val="tx1"/>
+                </a:solidFill>
+              </a:rPr>
+              <a:t>VIEW</a:t>
+            </a:r>
+          </a:p>
+        </p:txBody>
+      </p:sp>
+      <p:sp>
+        <p:nvSpPr>
+          <p:cNvPr id="5" name="직사각형 20"/>
+          <p:cNvSpPr/>
+          <p:nvPr/>
+        </p:nvSpPr>
+        <p:spPr>
+          <a:xfrm>
+            <a:off x="3132678" y="2249963"/>
+            <a:ext cx="1483802" cy="932145"/>
+          </a:xfrm>
+          <a:prstGeom prst="rect">
+            <a:avLst/>
+          </a:prstGeom>
+          <a:noFill/>
+        </p:spPr>
+        <p:style>
+          <a:lnRef idx="2">
+            <a:schemeClr val="accent1">
+              <a:shade val="50000"/>
+            </a:schemeClr>
+          </a:lnRef>
+          <a:fillRef idx="1">
+            <a:schemeClr val="accent1"/>
+          </a:fillRef>
+          <a:effectRef idx="0">
+            <a:schemeClr val="accent1"/>
+          </a:effectRef>
+          <a:fontRef idx="minor">
+            <a:schemeClr val="lt1"/>
+          </a:fontRef>
+        </p:style>
+        <p:txBody>
+          <a:bodyPr rtlCol="0" anchor="ctr"/>
+          <a:lstStyle/>
+          <a:p>
+            <a:pPr algn="ctr"/>
+            <a:r>
+              <a:rPr lang="en-US" altLang="ko-KR" sz="2000" b="1" dirty="0" smtClean="0">
+                <a:solidFill>
+                  <a:schemeClr val="tx1"/>
+                </a:solidFill>
+              </a:rPr>
+              <a:t>Dispatcher</a:t>
+            </a:r>
+          </a:p>
+          <a:p>
+            <a:pPr algn="ctr"/>
+            <a:r>
+              <a:rPr lang="en-US" altLang="ko-KR" sz="2000" b="1" dirty="0" smtClean="0">
+                <a:solidFill>
+                  <a:schemeClr val="tx1"/>
+                </a:solidFill>
+              </a:rPr>
+              <a:t>Servlet</a:t>
+            </a:r>
+          </a:p>
+        </p:txBody>
+      </p:sp>
+      <p:sp>
+        <p:nvSpPr>
+          <p:cNvPr id="6" name="직사각형 20"/>
+          <p:cNvSpPr/>
+          <p:nvPr/>
+        </p:nvSpPr>
+        <p:spPr>
+          <a:xfrm>
+            <a:off x="7062130" y="2263410"/>
+            <a:ext cx="1078082" cy="932145"/>
+          </a:xfrm>
+          <a:prstGeom prst="rect">
+            <a:avLst/>
+          </a:prstGeom>
+          <a:noFill/>
+        </p:spPr>
+        <p:style>
+          <a:lnRef idx="2">
+            <a:schemeClr val="accent1">
+              <a:shade val="50000"/>
+            </a:schemeClr>
+          </a:lnRef>
+          <a:fillRef idx="1">
+            <a:schemeClr val="accent1"/>
+          </a:fillRef>
+          <a:effectRef idx="0">
+            <a:schemeClr val="accent1"/>
+          </a:effectRef>
+          <a:fontRef idx="minor">
+            <a:schemeClr val="lt1"/>
+          </a:fontRef>
+        </p:style>
+        <p:txBody>
+          <a:bodyPr rtlCol="0" anchor="ctr"/>
+          <a:lstStyle/>
+          <a:p>
+            <a:pPr algn="ctr"/>
+            <a:r>
+              <a:rPr lang="ko-KR" altLang="en-US" sz="2000" b="1" dirty="0" smtClean="0">
+                <a:solidFill>
+                  <a:schemeClr val="tx1"/>
+                </a:solidFill>
+              </a:rPr>
+              <a:t>서비스</a:t>
+            </a:r>
+            <a:endParaRPr lang="en-US" altLang="ko-KR" sz="2000" b="1" dirty="0" smtClean="0">
+              <a:solidFill>
+                <a:schemeClr val="tx1"/>
+              </a:solidFill>
+            </a:endParaRPr>
+          </a:p>
+        </p:txBody>
+      </p:sp>
+      <p:sp>
+        <p:nvSpPr>
+          <p:cNvPr id="7" name="직사각형 20"/>
+          <p:cNvSpPr/>
+          <p:nvPr/>
+        </p:nvSpPr>
+        <p:spPr>
+          <a:xfrm>
+            <a:off x="8969848" y="1719177"/>
+            <a:ext cx="1794362" cy="1476379"/>
+          </a:xfrm>
+          <a:prstGeom prst="rect">
+            <a:avLst/>
+          </a:prstGeom>
+          <a:noFill/>
+        </p:spPr>
+        <p:style>
+          <a:lnRef idx="2">
+            <a:schemeClr val="accent1">
+              <a:shade val="50000"/>
+            </a:schemeClr>
+          </a:lnRef>
+          <a:fillRef idx="1">
+            <a:schemeClr val="accent1"/>
+          </a:fillRef>
+          <a:effectRef idx="0">
+            <a:schemeClr val="accent1"/>
+          </a:effectRef>
+          <a:fontRef idx="minor">
+            <a:schemeClr val="lt1"/>
+          </a:fontRef>
+        </p:style>
+        <p:txBody>
+          <a:bodyPr rtlCol="0" anchor="ctr"/>
+          <a:lstStyle/>
+          <a:p>
+            <a:pPr algn="ctr"/>
+            <a:r>
+              <a:rPr lang="en-US" altLang="ko-KR" sz="2000" b="1" dirty="0" smtClean="0">
+                <a:solidFill>
+                  <a:schemeClr val="tx1"/>
+                </a:solidFill>
+              </a:rPr>
+              <a:t>Model</a:t>
+            </a:r>
+          </a:p>
+          <a:p>
+            <a:pPr algn="ctr"/>
+            <a:r>
+              <a:rPr lang="en-US" altLang="ko-KR" sz="1400" b="1" dirty="0" smtClean="0">
+                <a:solidFill>
+                  <a:schemeClr val="tx1"/>
+                </a:solidFill>
+              </a:rPr>
+              <a:t>-DAO</a:t>
+            </a:r>
+          </a:p>
+          <a:p>
+            <a:pPr algn="ctr"/>
+            <a:r>
+              <a:rPr lang="en-US" altLang="ko-KR" sz="1400" b="1" dirty="0">
+                <a:solidFill>
+                  <a:schemeClr val="tx1"/>
+                </a:solidFill>
+              </a:rPr>
+              <a:t>@Repository</a:t>
+            </a:r>
+            <a:endParaRPr lang="en-US" altLang="ko-KR" sz="1400" b="1" dirty="0" smtClean="0">
+              <a:solidFill>
+                <a:schemeClr val="tx1"/>
+              </a:solidFill>
+            </a:endParaRPr>
+          </a:p>
+          <a:p>
+            <a:pPr algn="ctr"/>
+            <a:r>
+              <a:rPr lang="en-US" altLang="ko-KR" sz="1400" b="1" dirty="0" smtClean="0">
+                <a:solidFill>
+                  <a:schemeClr val="tx1"/>
+                </a:solidFill>
+              </a:rPr>
+              <a:t>-DTO</a:t>
+            </a:r>
+          </a:p>
+          <a:p>
+            <a:pPr algn="ctr"/>
+            <a:r>
+              <a:rPr lang="en-US" altLang="ko-KR" sz="1400" b="1" dirty="0" smtClean="0">
+                <a:solidFill>
+                  <a:schemeClr val="tx1"/>
+                </a:solidFill>
+              </a:rPr>
+              <a:t>-Business Methods</a:t>
+            </a:r>
+          </a:p>
+        </p:txBody>
+      </p:sp>
+      <p:sp>
+        <p:nvSpPr>
+          <p:cNvPr id="8" name="직사각형 20"/>
+          <p:cNvSpPr/>
+          <p:nvPr/>
+        </p:nvSpPr>
+        <p:spPr>
+          <a:xfrm>
+            <a:off x="9292936" y="4065203"/>
+            <a:ext cx="1148186" cy="932145"/>
+          </a:xfrm>
+          <a:prstGeom prst="rect">
+            <a:avLst/>
+          </a:prstGeom>
+          <a:noFill/>
+        </p:spPr>
+        <p:style>
+          <a:lnRef idx="2">
+            <a:schemeClr val="accent1">
+              <a:shade val="50000"/>
+            </a:schemeClr>
+          </a:lnRef>
+          <a:fillRef idx="1">
+            <a:schemeClr val="accent1"/>
+          </a:fillRef>
+          <a:effectRef idx="0">
+            <a:schemeClr val="accent1"/>
+          </a:effectRef>
+          <a:fontRef idx="minor">
+            <a:schemeClr val="lt1"/>
+          </a:fontRef>
+        </p:style>
+        <p:txBody>
+          <a:bodyPr rtlCol="0" anchor="ctr"/>
+          <a:lstStyle/>
+          <a:p>
+            <a:pPr algn="ctr"/>
+            <a:r>
+              <a:rPr lang="en-US" altLang="ko-KR" sz="2000" b="1" dirty="0" smtClean="0">
+                <a:solidFill>
+                  <a:schemeClr val="tx1"/>
+                </a:solidFill>
+              </a:rPr>
+              <a:t>DB</a:t>
+            </a:r>
+          </a:p>
+        </p:txBody>
+      </p:sp>
+      <p:sp>
+        <p:nvSpPr>
+          <p:cNvPr id="12" name="직사각형 20"/>
+          <p:cNvSpPr/>
+          <p:nvPr/>
+        </p:nvSpPr>
+        <p:spPr>
+          <a:xfrm>
+            <a:off x="768096" y="2249963"/>
+            <a:ext cx="1468470" cy="932145"/>
+          </a:xfrm>
+          <a:prstGeom prst="rect">
+            <a:avLst/>
+          </a:prstGeom>
+          <a:noFill/>
+        </p:spPr>
+        <p:style>
+          <a:lnRef idx="2">
+            <a:schemeClr val="accent1">
+              <a:shade val="50000"/>
+            </a:schemeClr>
+          </a:lnRef>
+          <a:fillRef idx="1">
+            <a:schemeClr val="accent1"/>
+          </a:fillRef>
+          <a:effectRef idx="0">
+            <a:schemeClr val="accent1"/>
+          </a:effectRef>
+          <a:fontRef idx="minor">
+            <a:schemeClr val="lt1"/>
+          </a:fontRef>
+        </p:style>
+        <p:txBody>
+          <a:bodyPr rtlCol="0" anchor="ctr"/>
+          <a:lstStyle/>
+          <a:p>
+            <a:pPr algn="ctr"/>
+            <a:r>
+              <a:rPr lang="ko-KR" altLang="en-US" sz="2000" b="1" dirty="0">
+                <a:solidFill>
+                  <a:schemeClr val="tx1"/>
+                </a:solidFill>
+              </a:rPr>
+              <a:t>클</a:t>
+            </a:r>
+            <a:r>
+              <a:rPr lang="ko-KR" altLang="en-US" sz="2000" b="1" dirty="0" smtClean="0">
+                <a:solidFill>
+                  <a:schemeClr val="tx1"/>
+                </a:solidFill>
+              </a:rPr>
+              <a:t>라이언트</a:t>
+            </a:r>
+            <a:endParaRPr lang="en-US" altLang="ko-KR" sz="2000" b="1" dirty="0" smtClean="0">
+              <a:solidFill>
+                <a:schemeClr val="tx1"/>
+              </a:solidFill>
+            </a:endParaRPr>
+          </a:p>
+          <a:p>
+            <a:pPr algn="ctr"/>
+            <a:r>
+              <a:rPr lang="en-US" altLang="ko-KR" sz="2000" b="1" dirty="0" smtClean="0">
+                <a:solidFill>
+                  <a:schemeClr val="tx1"/>
+                </a:solidFill>
+              </a:rPr>
+              <a:t>VIEW</a:t>
+            </a:r>
+          </a:p>
+        </p:txBody>
+      </p:sp>
+      <p:sp>
+        <p:nvSpPr>
+          <p:cNvPr id="14" name="직사각형 20"/>
+          <p:cNvSpPr/>
+          <p:nvPr/>
+        </p:nvSpPr>
+        <p:spPr>
+          <a:xfrm>
+            <a:off x="4892102" y="2263410"/>
+            <a:ext cx="956788" cy="367647"/>
+          </a:xfrm>
+          <a:prstGeom prst="rect">
+            <a:avLst/>
+          </a:prstGeom>
+          <a:noFill/>
+        </p:spPr>
+        <p:style>
+          <a:lnRef idx="2">
+            <a:schemeClr val="accent1">
+              <a:shade val="50000"/>
+            </a:schemeClr>
+          </a:lnRef>
+          <a:fillRef idx="1">
+            <a:schemeClr val="accent1"/>
+          </a:fillRef>
+          <a:effectRef idx="0">
+            <a:schemeClr val="accent1"/>
+          </a:effectRef>
+          <a:fontRef idx="minor">
+            <a:schemeClr val="lt1"/>
+          </a:fontRef>
+        </p:style>
+        <p:txBody>
+          <a:bodyPr rtlCol="0" anchor="ctr"/>
+          <a:lstStyle/>
+          <a:p>
+            <a:pPr algn="ctr"/>
+            <a:r>
+              <a:rPr lang="ko-KR" altLang="en-US" sz="1200" b="1" dirty="0" smtClean="0">
+                <a:solidFill>
+                  <a:schemeClr val="tx1"/>
+                </a:solidFill>
+              </a:rPr>
+              <a:t>컨트롤러</a:t>
+            </a:r>
+            <a:endParaRPr lang="en-US" altLang="ko-KR" sz="1200" b="1" dirty="0" smtClean="0">
+              <a:solidFill>
+                <a:schemeClr val="tx1"/>
+              </a:solidFill>
+            </a:endParaRPr>
+          </a:p>
+        </p:txBody>
+      </p:sp>
+      <p:sp>
+        <p:nvSpPr>
+          <p:cNvPr id="36" name="Right Arrow 35"/>
+          <p:cNvSpPr/>
+          <p:nvPr/>
+        </p:nvSpPr>
+        <p:spPr>
+          <a:xfrm>
+            <a:off x="2473073" y="2542299"/>
+            <a:ext cx="411480" cy="274320"/>
+          </a:xfrm>
+          <a:prstGeom prst="rightArrow">
+            <a:avLst/>
+          </a:prstGeom>
+        </p:spPr>
+        <p:style>
+          <a:lnRef idx="2">
+            <a:schemeClr val="accent1">
+              <a:shade val="50000"/>
+            </a:schemeClr>
+          </a:lnRef>
+          <a:fillRef idx="1">
+            <a:schemeClr val="accent1"/>
+          </a:fillRef>
+          <a:effectRef idx="0">
+            <a:schemeClr val="accent1"/>
+          </a:effectRef>
+          <a:fontRef idx="minor">
+            <a:schemeClr val="lt1"/>
+          </a:fontRef>
+        </p:style>
+        <p:txBody>
+          <a:bodyPr rtlCol="0" anchor="ctr"/>
+          <a:lstStyle/>
+          <a:p>
+            <a:pPr algn="ctr"/>
+            <a:endParaRPr lang="ko-KR" altLang="en-US"/>
+          </a:p>
+        </p:txBody>
+      </p:sp>
+      <p:sp>
+        <p:nvSpPr>
+          <p:cNvPr id="38" name="Right Arrow 37"/>
+          <p:cNvSpPr/>
+          <p:nvPr/>
+        </p:nvSpPr>
+        <p:spPr>
+          <a:xfrm rot="12505829">
+            <a:off x="2489029" y="3773818"/>
+            <a:ext cx="1241104" cy="381423"/>
+          </a:xfrm>
+          <a:prstGeom prst="rightArrow">
+            <a:avLst/>
+          </a:prstGeom>
+        </p:spPr>
+        <p:style>
+          <a:lnRef idx="2">
+            <a:schemeClr val="accent1">
+              <a:shade val="50000"/>
+            </a:schemeClr>
+          </a:lnRef>
+          <a:fillRef idx="1">
+            <a:schemeClr val="accent1"/>
+          </a:fillRef>
+          <a:effectRef idx="0">
+            <a:schemeClr val="accent1"/>
+          </a:effectRef>
+          <a:fontRef idx="minor">
+            <a:schemeClr val="lt1"/>
+          </a:fontRef>
+        </p:style>
+        <p:txBody>
+          <a:bodyPr rtlCol="0" anchor="ctr"/>
+          <a:lstStyle/>
+          <a:p>
+            <a:pPr algn="ctr"/>
+            <a:endParaRPr lang="ko-KR" altLang="en-US"/>
+          </a:p>
+        </p:txBody>
+      </p:sp>
+      <p:sp>
+        <p:nvSpPr>
+          <p:cNvPr id="40" name="Rectangle 39"/>
+          <p:cNvSpPr/>
+          <p:nvPr/>
+        </p:nvSpPr>
+        <p:spPr>
+          <a:xfrm>
+            <a:off x="3066202" y="2121407"/>
+            <a:ext cx="3166292" cy="1216153"/>
+          </a:xfrm>
+          <a:prstGeom prst="rect">
+            <a:avLst/>
+          </a:prstGeom>
+          <a:noFill/>
+          <a:ln w="50800">
+            <a:solidFill>
+              <a:srgbClr val="0070C0"/>
+            </a:solidFill>
+          </a:ln>
+        </p:spPr>
+        <p:style>
+          <a:lnRef idx="2">
+            <a:schemeClr val="accent1">
+              <a:shade val="50000"/>
+            </a:schemeClr>
+          </a:lnRef>
+          <a:fillRef idx="1">
+            <a:schemeClr val="accent1"/>
+          </a:fillRef>
+          <a:effectRef idx="0">
+            <a:schemeClr val="accent1"/>
+          </a:effectRef>
+          <a:fontRef idx="minor">
+            <a:schemeClr val="lt1"/>
+          </a:fontRef>
+        </p:style>
+        <p:txBody>
+          <a:bodyPr rtlCol="0" anchor="ctr"/>
+          <a:lstStyle/>
+          <a:p>
+            <a:pPr algn="ctr"/>
+            <a:endParaRPr lang="ko-KR" altLang="en-US"/>
+          </a:p>
+        </p:txBody>
+      </p:sp>
+      <p:sp>
+        <p:nvSpPr>
+          <p:cNvPr id="41" name="Right Arrow 40"/>
+          <p:cNvSpPr/>
+          <p:nvPr/>
+        </p:nvSpPr>
+        <p:spPr>
+          <a:xfrm rot="5400000">
+            <a:off x="4574058" y="3596851"/>
+            <a:ext cx="411480" cy="274320"/>
+          </a:xfrm>
+          <a:prstGeom prst="rightArrow">
+            <a:avLst/>
+          </a:prstGeom>
+        </p:spPr>
+        <p:style>
+          <a:lnRef idx="2">
+            <a:schemeClr val="accent1">
+              <a:shade val="50000"/>
+            </a:schemeClr>
+          </a:lnRef>
+          <a:fillRef idx="1">
+            <a:schemeClr val="accent1"/>
+          </a:fillRef>
+          <a:effectRef idx="0">
+            <a:schemeClr val="accent1"/>
+          </a:effectRef>
+          <a:fontRef idx="minor">
+            <a:schemeClr val="lt1"/>
+          </a:fontRef>
+        </p:style>
+        <p:txBody>
+          <a:bodyPr rtlCol="0" anchor="ctr"/>
+          <a:lstStyle/>
+          <a:p>
+            <a:pPr algn="ctr"/>
+            <a:endParaRPr lang="ko-KR" altLang="en-US"/>
+          </a:p>
+        </p:txBody>
+      </p:sp>
+      <p:sp>
+        <p:nvSpPr>
+          <p:cNvPr id="43" name="Right Arrow 42"/>
+          <p:cNvSpPr/>
+          <p:nvPr/>
+        </p:nvSpPr>
+        <p:spPr>
+          <a:xfrm>
+            <a:off x="8349290" y="2455162"/>
+            <a:ext cx="411480" cy="274320"/>
+          </a:xfrm>
+          <a:prstGeom prst="rightArrow">
+            <a:avLst/>
+          </a:prstGeom>
+        </p:spPr>
+        <p:style>
+          <a:lnRef idx="2">
+            <a:schemeClr val="accent1">
+              <a:shade val="50000"/>
+            </a:schemeClr>
+          </a:lnRef>
+          <a:fillRef idx="1">
+            <a:schemeClr val="accent1"/>
+          </a:fillRef>
+          <a:effectRef idx="0">
+            <a:schemeClr val="accent1"/>
+          </a:effectRef>
+          <a:fontRef idx="minor">
+            <a:schemeClr val="lt1"/>
+          </a:fontRef>
+        </p:style>
+        <p:txBody>
+          <a:bodyPr rtlCol="0" anchor="ctr"/>
+          <a:lstStyle/>
+          <a:p>
+            <a:pPr algn="ctr"/>
+            <a:endParaRPr lang="ko-KR" altLang="en-US"/>
+          </a:p>
+        </p:txBody>
+      </p:sp>
+      <p:sp>
+        <p:nvSpPr>
+          <p:cNvPr id="44" name="Right Arrow 43"/>
+          <p:cNvSpPr/>
+          <p:nvPr/>
+        </p:nvSpPr>
+        <p:spPr>
+          <a:xfrm rot="5400000">
+            <a:off x="9524129" y="3542198"/>
+            <a:ext cx="411480" cy="274320"/>
+          </a:xfrm>
+          <a:prstGeom prst="rightArrow">
+            <a:avLst/>
+          </a:prstGeom>
+        </p:spPr>
+        <p:style>
+          <a:lnRef idx="2">
+            <a:schemeClr val="accent1">
+              <a:shade val="50000"/>
+            </a:schemeClr>
+          </a:lnRef>
+          <a:fillRef idx="1">
+            <a:schemeClr val="accent1"/>
+          </a:fillRef>
+          <a:effectRef idx="0">
+            <a:schemeClr val="accent1"/>
+          </a:effectRef>
+          <a:fontRef idx="minor">
+            <a:schemeClr val="lt1"/>
+          </a:fontRef>
+        </p:style>
+        <p:txBody>
+          <a:bodyPr rtlCol="0" anchor="ctr"/>
+          <a:lstStyle/>
+          <a:p>
+            <a:pPr algn="ctr"/>
+            <a:endParaRPr lang="ko-KR" altLang="en-US"/>
+          </a:p>
+        </p:txBody>
+      </p:sp>
+      <p:sp>
+        <p:nvSpPr>
+          <p:cNvPr id="45" name="Right Arrow 44"/>
+          <p:cNvSpPr/>
+          <p:nvPr/>
+        </p:nvSpPr>
+        <p:spPr>
+          <a:xfrm rot="16200000">
+            <a:off x="9798449" y="3542198"/>
+            <a:ext cx="411480" cy="274320"/>
+          </a:xfrm>
+          <a:prstGeom prst="rightArrow">
+            <a:avLst/>
+          </a:prstGeom>
+        </p:spPr>
+        <p:style>
+          <a:lnRef idx="2">
+            <a:schemeClr val="accent1">
+              <a:shade val="50000"/>
+            </a:schemeClr>
+          </a:lnRef>
+          <a:fillRef idx="1">
+            <a:schemeClr val="accent1"/>
+          </a:fillRef>
+          <a:effectRef idx="0">
+            <a:schemeClr val="accent1"/>
+          </a:effectRef>
+          <a:fontRef idx="minor">
+            <a:schemeClr val="lt1"/>
+          </a:fontRef>
+        </p:style>
+        <p:txBody>
+          <a:bodyPr rtlCol="0" anchor="ctr"/>
+          <a:lstStyle/>
+          <a:p>
+            <a:pPr algn="ctr"/>
+            <a:endParaRPr lang="ko-KR" altLang="en-US"/>
+          </a:p>
+        </p:txBody>
+      </p:sp>
+      <p:sp>
+        <p:nvSpPr>
+          <p:cNvPr id="46" name="Right Arrow 45"/>
+          <p:cNvSpPr/>
+          <p:nvPr/>
+        </p:nvSpPr>
+        <p:spPr>
+          <a:xfrm rot="10800000">
+            <a:off x="8349290" y="2729482"/>
+            <a:ext cx="411480" cy="274320"/>
+          </a:xfrm>
+          <a:prstGeom prst="rightArrow">
+            <a:avLst/>
+          </a:prstGeom>
+        </p:spPr>
+        <p:style>
+          <a:lnRef idx="2">
+            <a:schemeClr val="accent1">
+              <a:shade val="50000"/>
+            </a:schemeClr>
+          </a:lnRef>
+          <a:fillRef idx="1">
+            <a:schemeClr val="accent1"/>
+          </a:fillRef>
+          <a:effectRef idx="0">
+            <a:schemeClr val="accent1"/>
+          </a:effectRef>
+          <a:fontRef idx="minor">
+            <a:schemeClr val="lt1"/>
+          </a:fontRef>
+        </p:style>
+        <p:txBody>
+          <a:bodyPr rtlCol="0" anchor="ctr"/>
+          <a:lstStyle/>
+          <a:p>
+            <a:pPr algn="ctr"/>
+            <a:endParaRPr lang="ko-KR" altLang="en-US"/>
+          </a:p>
+        </p:txBody>
+      </p:sp>
+      <p:sp>
+        <p:nvSpPr>
+          <p:cNvPr id="47" name="Right Arrow 46"/>
+          <p:cNvSpPr/>
+          <p:nvPr/>
+        </p:nvSpPr>
+        <p:spPr>
+          <a:xfrm>
+            <a:off x="6408911" y="2455162"/>
+            <a:ext cx="411480" cy="274320"/>
+          </a:xfrm>
+          <a:prstGeom prst="rightArrow">
+            <a:avLst/>
+          </a:prstGeom>
+        </p:spPr>
+        <p:style>
+          <a:lnRef idx="2">
+            <a:schemeClr val="accent1">
+              <a:shade val="50000"/>
+            </a:schemeClr>
+          </a:lnRef>
+          <a:fillRef idx="1">
+            <a:schemeClr val="accent1"/>
+          </a:fillRef>
+          <a:effectRef idx="0">
+            <a:schemeClr val="accent1"/>
+          </a:effectRef>
+          <a:fontRef idx="minor">
+            <a:schemeClr val="lt1"/>
+          </a:fontRef>
+        </p:style>
+        <p:txBody>
+          <a:bodyPr rtlCol="0" anchor="ctr"/>
+          <a:lstStyle/>
+          <a:p>
+            <a:pPr algn="ctr"/>
+            <a:endParaRPr lang="ko-KR" altLang="en-US"/>
+          </a:p>
+        </p:txBody>
+      </p:sp>
+      <p:sp>
+        <p:nvSpPr>
+          <p:cNvPr id="48" name="Right Arrow 47"/>
+          <p:cNvSpPr/>
+          <p:nvPr/>
+        </p:nvSpPr>
+        <p:spPr>
+          <a:xfrm rot="10800000">
+            <a:off x="6408911" y="2729482"/>
+            <a:ext cx="411480" cy="274320"/>
+          </a:xfrm>
+          <a:prstGeom prst="rightArrow">
+            <a:avLst/>
+          </a:prstGeom>
+        </p:spPr>
+        <p:style>
+          <a:lnRef idx="2">
+            <a:schemeClr val="accent1">
+              <a:shade val="50000"/>
+            </a:schemeClr>
+          </a:lnRef>
+          <a:fillRef idx="1">
+            <a:schemeClr val="accent1"/>
+          </a:fillRef>
+          <a:effectRef idx="0">
+            <a:schemeClr val="accent1"/>
+          </a:effectRef>
+          <a:fontRef idx="minor">
+            <a:schemeClr val="lt1"/>
+          </a:fontRef>
+        </p:style>
+        <p:txBody>
+          <a:bodyPr rtlCol="0" anchor="ctr"/>
+          <a:lstStyle/>
+          <a:p>
+            <a:pPr algn="ctr"/>
+            <a:endParaRPr lang="ko-KR" altLang="en-US"/>
+          </a:p>
+        </p:txBody>
+      </p:sp>
+      <p:sp>
+        <p:nvSpPr>
+          <p:cNvPr id="21" name="Rectangle 20"/>
+          <p:cNvSpPr/>
+          <p:nvPr/>
+        </p:nvSpPr>
+        <p:spPr>
+          <a:xfrm>
+            <a:off x="3590434" y="1173345"/>
+            <a:ext cx="2378728" cy="830997"/>
+          </a:xfrm>
+          <a:prstGeom prst="rect">
+            <a:avLst/>
+          </a:prstGeom>
+        </p:spPr>
+        <p:txBody>
+          <a:bodyPr wrap="none">
+            <a:spAutoFit/>
           </a:bodyPr>
           <a:lstStyle/>
           <a:p>
-            <a:r>
-              <a:rPr lang="en-US" altLang="ko-KR" sz="1800" dirty="0"/>
-              <a:t>1. </a:t>
-            </a:r>
-            <a:r>
-              <a:rPr lang="ko-KR" altLang="en-US" sz="1800" dirty="0"/>
-              <a:t>뷰 설정하고 만들고 보여주기</a:t>
-            </a:r>
-          </a:p>
-          <a:p>
-            <a:r>
-              <a:rPr lang="ko-KR" altLang="en-US" sz="1800" dirty="0"/>
-              <a:t>	메인레이아웃</a:t>
-            </a:r>
-          </a:p>
-          <a:p>
-            <a:r>
-              <a:rPr lang="ko-KR" altLang="en-US" sz="1800" dirty="0"/>
-              <a:t>	각 파트</a:t>
-            </a:r>
-          </a:p>
-          <a:p>
-            <a:r>
-              <a:rPr lang="ko-KR" altLang="en-US" sz="1800" dirty="0"/>
-              <a:t>	타일즈 설정</a:t>
-            </a:r>
-          </a:p>
-          <a:p>
-            <a:r>
-              <a:rPr lang="ko-KR" altLang="en-US" sz="1800" dirty="0"/>
-              <a:t>	컨트롤러 이름 설정</a:t>
-            </a:r>
-          </a:p>
-          <a:p>
-            <a:r>
-              <a:rPr lang="ko-KR" altLang="en-US" sz="1800" dirty="0"/>
-              <a:t>		단 타일즈에서 컨트롤러 </a:t>
-            </a:r>
-            <a:r>
-              <a:rPr lang="en-US" altLang="ko-KR" sz="1800" dirty="0"/>
-              <a:t>name</a:t>
-            </a:r>
-            <a:r>
-              <a:rPr lang="ko-KR" altLang="en-US" sz="1800" dirty="0"/>
-              <a:t>이 동일하게</a:t>
-            </a:r>
-          </a:p>
-          <a:p>
-            <a:endParaRPr lang="ko-KR" altLang="en-US" sz="1800" dirty="0"/>
-          </a:p>
-          <a:p>
-            <a:r>
-              <a:rPr lang="en-US" altLang="ko-KR" sz="1800" dirty="0"/>
-              <a:t>2. VO </a:t>
-            </a:r>
-            <a:r>
-              <a:rPr lang="ko-KR" altLang="en-US" sz="1800" dirty="0"/>
-              <a:t>만들기</a:t>
-            </a:r>
-          </a:p>
-          <a:p>
-            <a:r>
-              <a:rPr lang="en-US" altLang="ko-KR" sz="1800" dirty="0"/>
-              <a:t>3. DAO</a:t>
-            </a:r>
-          </a:p>
-          <a:p>
-            <a:r>
-              <a:rPr lang="en-US" altLang="ko-KR" sz="1800" dirty="0"/>
-              <a:t>4. Service</a:t>
-            </a:r>
-          </a:p>
-          <a:p>
-            <a:r>
-              <a:rPr lang="en-US" altLang="ko-KR" sz="1800" dirty="0"/>
-              <a:t>5. </a:t>
-            </a:r>
-            <a:r>
-              <a:rPr lang="ko-KR" altLang="en-US" sz="1800" dirty="0"/>
-              <a:t>컨트롤러 구체적인 설정</a:t>
-            </a:r>
-          </a:p>
-          <a:p>
-            <a:r>
-              <a:rPr lang="ko-KR" altLang="en-US" sz="1800" dirty="0"/>
-              <a:t>	</a:t>
-            </a:r>
-            <a:r>
-              <a:rPr lang="en-US" altLang="ko-KR" sz="1800" dirty="0" err="1"/>
-              <a:t>mybatis</a:t>
-            </a:r>
-            <a:r>
-              <a:rPr lang="en-US" altLang="ko-KR" sz="1800" dirty="0"/>
+            <a:pPr algn="ctr"/>
+            <a:r>
+              <a:rPr lang="ko-KR" altLang="en-US" sz="1200" dirty="0"/>
+              <a:t>클라이언트</a:t>
+            </a:r>
+            <a:r>
+              <a:rPr lang="en-US" altLang="ko-KR" sz="1200" dirty="0"/>
               <a:t> </a:t>
             </a:r>
             <a:r>
-              <a:rPr lang="ko-KR" altLang="en-US" sz="1800" dirty="0"/>
-              <a:t>설정 추가</a:t>
-            </a:r>
-          </a:p>
-          <a:p>
-            <a:r>
-              <a:rPr lang="en-US" altLang="ko-KR" sz="1800" dirty="0"/>
-              <a:t>6. map view</a:t>
-            </a:r>
-            <a:r>
-              <a:rPr lang="ko-KR" altLang="en-US" sz="1800" dirty="0"/>
-              <a:t>가서 </a:t>
-            </a:r>
-            <a:r>
-              <a:rPr lang="en-US" altLang="ko-KR" sz="1800" dirty="0"/>
-              <a:t>body</a:t>
-            </a:r>
-            <a:r>
-              <a:rPr lang="ko-KR" altLang="en-US" sz="1800" dirty="0"/>
-              <a:t>아래</a:t>
-            </a:r>
-          </a:p>
-          <a:p>
-            <a:r>
-              <a:rPr lang="en-US" altLang="ko-KR" sz="1800" dirty="0"/>
-              <a:t>&lt;% </a:t>
-            </a:r>
-            <a:r>
-              <a:rPr lang="en-US" altLang="ko-KR" sz="1800" dirty="0" err="1"/>
-              <a:t>ArrayList</a:t>
-            </a:r>
-            <a:r>
-              <a:rPr lang="en-US" altLang="ko-KR" sz="1800" dirty="0"/>
-              <a:t>&lt;</a:t>
-            </a:r>
-            <a:r>
-              <a:rPr lang="en-US" altLang="ko-KR" sz="1800" dirty="0" err="1"/>
-              <a:t>parkingVO</a:t>
-            </a:r>
-            <a:r>
-              <a:rPr lang="en-US" altLang="ko-KR" sz="1800" dirty="0"/>
-              <a:t>&gt; list = (</a:t>
-            </a:r>
-            <a:r>
-              <a:rPr lang="en-US" altLang="ko-KR" sz="1800" dirty="0" err="1"/>
-              <a:t>ArrayList</a:t>
-            </a:r>
-            <a:r>
-              <a:rPr lang="en-US" altLang="ko-KR" sz="1800" dirty="0"/>
-              <a:t>&lt;</a:t>
-            </a:r>
-            <a:r>
-              <a:rPr lang="en-US" altLang="ko-KR" sz="1800" dirty="0" err="1"/>
-              <a:t>parkingVO</a:t>
-            </a:r>
-            <a:r>
-              <a:rPr lang="en-US" altLang="ko-KR" sz="1800" dirty="0"/>
-              <a:t>&gt;)</a:t>
-            </a:r>
-            <a:r>
-              <a:rPr lang="en-US" altLang="ko-KR" sz="1800" dirty="0" err="1"/>
-              <a:t>request.getAttribute</a:t>
-            </a:r>
-            <a:r>
-              <a:rPr lang="en-US" altLang="ko-KR" sz="1800" dirty="0"/>
-              <a:t>("</a:t>
-            </a:r>
-            <a:r>
-              <a:rPr lang="en-US" altLang="ko-KR" sz="1800" dirty="0" err="1"/>
-              <a:t>parkingInfo</a:t>
-            </a:r>
-            <a:r>
-              <a:rPr lang="en-US" altLang="ko-KR" sz="1800" dirty="0"/>
-              <a:t>") %&gt;</a:t>
-            </a:r>
-          </a:p>
-          <a:p>
-            <a:pPr marL="0" indent="0">
-              <a:buNone/>
-            </a:pPr>
-            <a:r>
-              <a:rPr lang="en-US" altLang="ko-KR" sz="1800" dirty="0"/>
-              <a:t>	</a:t>
-            </a:r>
-          </a:p>
-          <a:p>
-            <a:endParaRPr lang="ko-KR" altLang="en-US" sz="1800" dirty="0"/>
+              <a:rPr lang="ko-KR" altLang="en-US" sz="1200" dirty="0"/>
+              <a:t>요청정보 추출</a:t>
+            </a:r>
+            <a:endParaRPr lang="en-US" altLang="ko-KR" sz="1200" dirty="0"/>
+          </a:p>
+          <a:p>
+            <a:pPr algn="ctr"/>
+            <a:r>
+              <a:rPr lang="en-US" altLang="ko-KR" sz="1200" dirty="0" smtClean="0"/>
+              <a:t>@</a:t>
+            </a:r>
+            <a:r>
+              <a:rPr lang="en-US" altLang="ko-KR" sz="1200" dirty="0" err="1"/>
+              <a:t>RequestMapping</a:t>
+            </a:r>
+            <a:r>
+              <a:rPr lang="en-US" altLang="ko-KR" sz="1200" dirty="0"/>
+              <a:t>("/index.do</a:t>
+            </a:r>
+            <a:r>
+              <a:rPr lang="en-US" altLang="ko-KR" sz="1200" dirty="0" smtClean="0"/>
+              <a:t>")</a:t>
+            </a:r>
+          </a:p>
+          <a:p>
+            <a:pPr algn="ctr"/>
+            <a:r>
+              <a:rPr lang="ko-KR" altLang="en-US" sz="1200" dirty="0" smtClean="0"/>
+              <a:t>서비스 호출</a:t>
+            </a:r>
+            <a:endParaRPr lang="en-US" altLang="ko-KR" sz="1200" dirty="0" smtClean="0"/>
+          </a:p>
+          <a:p>
+            <a:pPr algn="ctr"/>
+            <a:r>
+              <a:rPr lang="ko-KR" altLang="en-US" sz="1200" dirty="0" smtClean="0"/>
+              <a:t>뷰이름 등록</a:t>
+            </a:r>
+            <a:endParaRPr lang="en-US" altLang="ko-KR" sz="1200" dirty="0"/>
+          </a:p>
+        </p:txBody>
+      </p:sp>
+      <p:sp>
+        <p:nvSpPr>
+          <p:cNvPr id="22" name="Rectangle 21"/>
+          <p:cNvSpPr/>
+          <p:nvPr/>
+        </p:nvSpPr>
+        <p:spPr>
+          <a:xfrm>
+            <a:off x="6728977" y="1719177"/>
+            <a:ext cx="1744388" cy="461665"/>
+          </a:xfrm>
+          <a:prstGeom prst="rect">
+            <a:avLst/>
+          </a:prstGeom>
+        </p:spPr>
+        <p:txBody>
+          <a:bodyPr wrap="none">
+            <a:spAutoFit/>
+          </a:bodyPr>
+          <a:lstStyle/>
+          <a:p>
+            <a:pPr algn="ctr"/>
+            <a:r>
+              <a:rPr lang="ko-KR" altLang="en-US" sz="1200" dirty="0" smtClean="0"/>
+              <a:t>요청에 필요한 </a:t>
+            </a:r>
+            <a:endParaRPr lang="en-US" altLang="ko-KR" sz="1200" dirty="0" smtClean="0"/>
+          </a:p>
+          <a:p>
+            <a:pPr algn="ctr"/>
+            <a:r>
+              <a:rPr lang="en-US" altLang="ko-KR" sz="1200" dirty="0" smtClean="0"/>
+              <a:t>Business Method </a:t>
+            </a:r>
+            <a:r>
+              <a:rPr lang="ko-KR" altLang="en-US" sz="1200" dirty="0" smtClean="0"/>
+              <a:t>조합</a:t>
+            </a:r>
+            <a:endParaRPr lang="en-US" altLang="ko-KR" sz="1200" dirty="0"/>
+          </a:p>
+        </p:txBody>
+      </p:sp>
+      <p:sp>
+        <p:nvSpPr>
+          <p:cNvPr id="23" name="Rectangle 22"/>
+          <p:cNvSpPr/>
+          <p:nvPr/>
+        </p:nvSpPr>
+        <p:spPr>
+          <a:xfrm>
+            <a:off x="9466919" y="1173345"/>
+            <a:ext cx="800219" cy="461665"/>
+          </a:xfrm>
+          <a:prstGeom prst="rect">
+            <a:avLst/>
+          </a:prstGeom>
+        </p:spPr>
+        <p:txBody>
+          <a:bodyPr wrap="none">
+            <a:spAutoFit/>
+          </a:bodyPr>
+          <a:lstStyle/>
+          <a:p>
+            <a:pPr algn="ctr"/>
+            <a:r>
+              <a:rPr lang="ko-KR" altLang="en-US" sz="1200" dirty="0" smtClean="0"/>
+              <a:t>두뇌역할</a:t>
+            </a:r>
+            <a:endParaRPr lang="en-US" altLang="ko-KR" sz="1200" dirty="0" smtClean="0"/>
+          </a:p>
+          <a:p>
+            <a:pPr algn="ctr"/>
+            <a:r>
+              <a:rPr lang="en-US" altLang="ko-KR" sz="1200" dirty="0" smtClean="0"/>
+              <a:t>DB</a:t>
+            </a:r>
+            <a:r>
+              <a:rPr lang="ko-KR" altLang="en-US" sz="1200" dirty="0" smtClean="0"/>
+              <a:t>연동</a:t>
+            </a:r>
+            <a:endParaRPr lang="en-US" altLang="ko-KR" sz="1200" dirty="0"/>
+          </a:p>
+        </p:txBody>
+      </p:sp>
+      <p:sp>
+        <p:nvSpPr>
+          <p:cNvPr id="3" name="Rectangle 2"/>
+          <p:cNvSpPr/>
+          <p:nvPr/>
+        </p:nvSpPr>
+        <p:spPr>
+          <a:xfrm>
+            <a:off x="721766" y="1719177"/>
+            <a:ext cx="1470211" cy="369332"/>
+          </a:xfrm>
+          <a:prstGeom prst="rect">
+            <a:avLst/>
+          </a:prstGeom>
+        </p:spPr>
+        <p:txBody>
+          <a:bodyPr wrap="none">
+            <a:spAutoFit/>
+          </a:bodyPr>
+          <a:lstStyle/>
+          <a:p>
+            <a:pPr algn="ctr"/>
+            <a:r>
+              <a:rPr lang="en-US" altLang="ko-KR" dirty="0"/>
+              <a:t>("/</a:t>
+            </a:r>
+            <a:r>
+              <a:rPr lang="en-US" altLang="ko-KR"/>
+              <a:t>index.do</a:t>
+            </a:r>
+            <a:r>
+              <a:rPr lang="en-US" altLang="ko-KR" smtClean="0"/>
+              <a:t>")</a:t>
+            </a:r>
+            <a:endParaRPr lang="en-US" altLang="ko-KR" dirty="0" smtClean="0"/>
+          </a:p>
+        </p:txBody>
+      </p:sp>
+      <p:sp>
+        <p:nvSpPr>
+          <p:cNvPr id="25" name="Rectangle 24"/>
+          <p:cNvSpPr/>
+          <p:nvPr/>
+        </p:nvSpPr>
+        <p:spPr>
+          <a:xfrm>
+            <a:off x="10701605" y="2180842"/>
+            <a:ext cx="1018227" cy="430887"/>
+          </a:xfrm>
+          <a:prstGeom prst="rect">
+            <a:avLst/>
+          </a:prstGeom>
+        </p:spPr>
+        <p:txBody>
+          <a:bodyPr wrap="none">
+            <a:spAutoFit/>
+          </a:bodyPr>
+          <a:lstStyle/>
+          <a:p>
+            <a:pPr algn="ctr"/>
+            <a:r>
+              <a:rPr lang="en-US" altLang="ko-KR" sz="1100" b="1" dirty="0" smtClean="0">
+                <a:solidFill>
+                  <a:srgbClr val="FF0000"/>
+                </a:solidFill>
+              </a:rPr>
+              <a:t>sqlSession</a:t>
+            </a:r>
+          </a:p>
+          <a:p>
+            <a:pPr algn="ctr"/>
+            <a:r>
+              <a:rPr lang="en-US" altLang="ko-KR" sz="1100" b="1" dirty="0" smtClean="0">
+                <a:solidFill>
+                  <a:srgbClr val="FF0000"/>
+                </a:solidFill>
+              </a:rPr>
+              <a:t>Mapper SQL</a:t>
+            </a:r>
+            <a:endParaRPr lang="en-US" altLang="ko-KR" sz="1100" dirty="0">
+              <a:solidFill>
+                <a:srgbClr val="FF0000"/>
+              </a:solidFill>
+            </a:endParaRPr>
+          </a:p>
+        </p:txBody>
+      </p:sp>
+      <p:sp>
+        <p:nvSpPr>
+          <p:cNvPr id="2" name="Rectangle 1"/>
+          <p:cNvSpPr/>
+          <p:nvPr/>
+        </p:nvSpPr>
+        <p:spPr>
+          <a:xfrm>
+            <a:off x="3284039" y="3325790"/>
+            <a:ext cx="1084279" cy="276999"/>
+          </a:xfrm>
+          <a:prstGeom prst="rect">
+            <a:avLst/>
+          </a:prstGeom>
+        </p:spPr>
+        <p:txBody>
+          <a:bodyPr wrap="square">
+            <a:spAutoFit/>
+          </a:bodyPr>
+          <a:lstStyle/>
+          <a:p>
+            <a:pPr algn="ctr"/>
+            <a:r>
+              <a:rPr lang="en-US" altLang="ko-KR" sz="1200" dirty="0" smtClean="0"/>
+              <a:t>VO</a:t>
+            </a:r>
+            <a:endParaRPr lang="en-US" altLang="ko-KR" sz="1200" dirty="0"/>
+          </a:p>
+        </p:txBody>
+      </p:sp>
+      <p:sp>
+        <p:nvSpPr>
+          <p:cNvPr id="26" name="직사각형 20"/>
+          <p:cNvSpPr/>
+          <p:nvPr/>
+        </p:nvSpPr>
+        <p:spPr>
+          <a:xfrm>
+            <a:off x="4902496" y="2748122"/>
+            <a:ext cx="956788" cy="367647"/>
+          </a:xfrm>
+          <a:prstGeom prst="rect">
+            <a:avLst/>
+          </a:prstGeom>
+          <a:noFill/>
+        </p:spPr>
+        <p:style>
+          <a:lnRef idx="2">
+            <a:schemeClr val="accent1">
+              <a:shade val="50000"/>
+            </a:schemeClr>
+          </a:lnRef>
+          <a:fillRef idx="1">
+            <a:schemeClr val="accent1"/>
+          </a:fillRef>
+          <a:effectRef idx="0">
+            <a:schemeClr val="accent1"/>
+          </a:effectRef>
+          <a:fontRef idx="minor">
+            <a:schemeClr val="lt1"/>
+          </a:fontRef>
+        </p:style>
+        <p:txBody>
+          <a:bodyPr rtlCol="0" anchor="ctr"/>
+          <a:lstStyle/>
+          <a:p>
+            <a:pPr algn="ctr"/>
+            <a:r>
+              <a:rPr lang="ko-KR" altLang="en-US" sz="1200" b="1" dirty="0" smtClean="0">
+                <a:solidFill>
+                  <a:schemeClr val="tx1"/>
+                </a:solidFill>
+              </a:rPr>
+              <a:t>컨트롤러</a:t>
+            </a:r>
+            <a:endParaRPr lang="en-US" altLang="ko-KR" sz="1200" b="1" dirty="0" smtClean="0">
+              <a:solidFill>
+                <a:schemeClr val="tx1"/>
+              </a:solidFill>
+            </a:endParaRPr>
+          </a:p>
+        </p:txBody>
+      </p:sp>
+      <p:sp>
+        <p:nvSpPr>
+          <p:cNvPr id="27" name="직사각형 20"/>
+          <p:cNvSpPr/>
+          <p:nvPr/>
+        </p:nvSpPr>
+        <p:spPr>
+          <a:xfrm>
+            <a:off x="3247203" y="1671851"/>
+            <a:ext cx="956788" cy="367647"/>
+          </a:xfrm>
+          <a:prstGeom prst="rect">
+            <a:avLst/>
+          </a:prstGeom>
+          <a:noFill/>
+        </p:spPr>
+        <p:style>
+          <a:lnRef idx="2">
+            <a:schemeClr val="accent1">
+              <a:shade val="50000"/>
+            </a:schemeClr>
+          </a:lnRef>
+          <a:fillRef idx="1">
+            <a:schemeClr val="accent1"/>
+          </a:fillRef>
+          <a:effectRef idx="0">
+            <a:schemeClr val="accent1"/>
+          </a:effectRef>
+          <a:fontRef idx="minor">
+            <a:schemeClr val="lt1"/>
+          </a:fontRef>
+        </p:style>
+        <p:txBody>
+          <a:bodyPr rtlCol="0" anchor="ctr"/>
+          <a:lstStyle/>
+          <a:p>
+            <a:pPr algn="ctr"/>
+            <a:r>
+              <a:rPr lang="en-US" altLang="ko-KR" sz="1200" b="1" smtClean="0">
+                <a:solidFill>
+                  <a:schemeClr val="tx1"/>
+                </a:solidFill>
+              </a:rPr>
+              <a:t>Handler</a:t>
+            </a:r>
+          </a:p>
+          <a:p>
+            <a:pPr algn="ctr"/>
+            <a:r>
+              <a:rPr lang="en-US" altLang="ko-KR" sz="1200" b="1" smtClean="0">
+                <a:solidFill>
+                  <a:schemeClr val="tx1"/>
+                </a:solidFill>
+              </a:rPr>
+              <a:t>Mapping</a:t>
+            </a:r>
+            <a:endParaRPr lang="en-US" altLang="ko-KR" sz="1200" b="1" dirty="0" smtClean="0">
+              <a:solidFill>
+                <a:schemeClr val="tx1"/>
+              </a:solidFill>
+            </a:endParaRPr>
+          </a:p>
+        </p:txBody>
+      </p:sp>
+      <p:sp>
+        <p:nvSpPr>
+          <p:cNvPr id="28" name="Rectangle 27"/>
+          <p:cNvSpPr/>
+          <p:nvPr/>
+        </p:nvSpPr>
+        <p:spPr>
+          <a:xfrm>
+            <a:off x="4577740" y="5198321"/>
+            <a:ext cx="2318263" cy="276999"/>
+          </a:xfrm>
+          <a:prstGeom prst="rect">
+            <a:avLst/>
+          </a:prstGeom>
+        </p:spPr>
+        <p:txBody>
+          <a:bodyPr wrap="none">
+            <a:spAutoFit/>
+          </a:bodyPr>
+          <a:lstStyle/>
+          <a:p>
+            <a:pPr algn="ctr"/>
+            <a:r>
+              <a:rPr lang="en-US" altLang="ko-KR" sz="1200" dirty="0" err="1" smtClean="0"/>
+              <a:t>setViewName</a:t>
+            </a:r>
+            <a:r>
+              <a:rPr lang="ko-KR" altLang="en-US" sz="1200" smtClean="0"/>
+              <a:t>을 타일즈에 설정</a:t>
+            </a:r>
+            <a:endParaRPr lang="en-US" altLang="ko-KR" sz="1200" dirty="0"/>
           </a:p>
         </p:txBody>
       </p:sp>
     </p:spTree>
     <p:extLst>
       <p:ext uri="{BB962C8B-B14F-4D97-AF65-F5344CB8AC3E}">
-        <p14:creationId xmlns:p14="http://schemas.microsoft.com/office/powerpoint/2010/main" val="440446830"/>
+        <p14:creationId xmlns:p14="http://schemas.microsoft.com/office/powerpoint/2010/main" val="3798999474"/>
       </p:ext>
     </p:extLst>
   </p:cSld>
   <p:clrMapOvr>
     <a:masterClrMapping/>
   </p:clrMapOvr>
+  <p:timing>
+    <p:tnLst>
+      <p:par>
+        <p:cTn id="1" dur="indefinite" restart="never" nodeType="tmRoot"/>
+      </p:par>
+    </p:tnLst>
+  </p:timing>
 </p:sld>
 </file>
 
@@ -9535,1264 +10611,222 @@
       </p:grpSpPr>
       <p:sp>
         <p:nvSpPr>
-          <p:cNvPr id="4" name="직사각형 20"/>
-          <p:cNvSpPr/>
-          <p:nvPr/>
-        </p:nvSpPr>
-        <p:spPr>
-          <a:xfrm>
-            <a:off x="4228565" y="4142232"/>
-            <a:ext cx="1102466" cy="932145"/>
-          </a:xfrm>
-          <a:prstGeom prst="rect">
-            <a:avLst/>
-          </a:prstGeom>
-          <a:noFill/>
-        </p:spPr>
-        <p:style>
-          <a:lnRef idx="2">
-            <a:schemeClr val="accent1">
-              <a:shade val="50000"/>
-            </a:schemeClr>
-          </a:lnRef>
-          <a:fillRef idx="1">
-            <a:schemeClr val="accent1"/>
-          </a:fillRef>
-          <a:effectRef idx="0">
-            <a:schemeClr val="accent1"/>
-          </a:effectRef>
-          <a:fontRef idx="minor">
-            <a:schemeClr val="lt1"/>
-          </a:fontRef>
-        </p:style>
-        <p:txBody>
-          <a:bodyPr rtlCol="0" anchor="ctr"/>
-          <a:lstStyle/>
-          <a:p>
-            <a:pPr algn="ctr"/>
-            <a:r>
-              <a:rPr lang="ko-KR" altLang="en-US" sz="2000" b="1" dirty="0" smtClean="0">
-                <a:solidFill>
-                  <a:schemeClr val="tx1"/>
-                </a:solidFill>
-              </a:rPr>
-              <a:t>새로운</a:t>
-            </a:r>
-            <a:endParaRPr lang="en-US" altLang="ko-KR" sz="2000" b="1" dirty="0" smtClean="0">
-              <a:solidFill>
-                <a:schemeClr val="tx1"/>
-              </a:solidFill>
-            </a:endParaRPr>
-          </a:p>
-          <a:p>
-            <a:pPr algn="ctr"/>
-            <a:r>
-              <a:rPr lang="en-US" altLang="ko-KR" sz="2000" b="1" dirty="0" smtClean="0">
-                <a:solidFill>
-                  <a:schemeClr val="tx1"/>
-                </a:solidFill>
-              </a:rPr>
-              <a:t>VIEW</a:t>
-            </a:r>
-          </a:p>
-        </p:txBody>
-      </p:sp>
-      <p:sp>
-        <p:nvSpPr>
-          <p:cNvPr id="5" name="직사각형 20"/>
-          <p:cNvSpPr/>
-          <p:nvPr/>
-        </p:nvSpPr>
-        <p:spPr>
-          <a:xfrm>
-            <a:off x="3132678" y="2249963"/>
-            <a:ext cx="1483802" cy="932145"/>
-          </a:xfrm>
-          <a:prstGeom prst="rect">
-            <a:avLst/>
-          </a:prstGeom>
-          <a:noFill/>
-        </p:spPr>
-        <p:style>
-          <a:lnRef idx="2">
-            <a:schemeClr val="accent1">
-              <a:shade val="50000"/>
-            </a:schemeClr>
-          </a:lnRef>
-          <a:fillRef idx="1">
-            <a:schemeClr val="accent1"/>
-          </a:fillRef>
-          <a:effectRef idx="0">
-            <a:schemeClr val="accent1"/>
-          </a:effectRef>
-          <a:fontRef idx="minor">
-            <a:schemeClr val="lt1"/>
-          </a:fontRef>
-        </p:style>
-        <p:txBody>
-          <a:bodyPr rtlCol="0" anchor="ctr"/>
-          <a:lstStyle/>
-          <a:p>
-            <a:pPr algn="ctr"/>
-            <a:r>
-              <a:rPr lang="en-US" altLang="ko-KR" sz="2000" b="1" dirty="0" smtClean="0">
-                <a:solidFill>
-                  <a:schemeClr val="tx1"/>
-                </a:solidFill>
-              </a:rPr>
-              <a:t>Dispatcher</a:t>
-            </a:r>
-          </a:p>
-          <a:p>
-            <a:pPr algn="ctr"/>
-            <a:r>
-              <a:rPr lang="en-US" altLang="ko-KR" sz="2000" b="1" dirty="0" smtClean="0">
-                <a:solidFill>
-                  <a:schemeClr val="tx1"/>
-                </a:solidFill>
-              </a:rPr>
-              <a:t>Servlet</a:t>
-            </a:r>
-          </a:p>
-        </p:txBody>
-      </p:sp>
-      <p:sp>
-        <p:nvSpPr>
-          <p:cNvPr id="6" name="직사각형 20"/>
-          <p:cNvSpPr/>
-          <p:nvPr/>
-        </p:nvSpPr>
-        <p:spPr>
-          <a:xfrm>
-            <a:off x="7062130" y="2263410"/>
-            <a:ext cx="1078082" cy="932145"/>
-          </a:xfrm>
-          <a:prstGeom prst="rect">
-            <a:avLst/>
-          </a:prstGeom>
-          <a:noFill/>
-        </p:spPr>
-        <p:style>
-          <a:lnRef idx="2">
-            <a:schemeClr val="accent1">
-              <a:shade val="50000"/>
-            </a:schemeClr>
-          </a:lnRef>
-          <a:fillRef idx="1">
-            <a:schemeClr val="accent1"/>
-          </a:fillRef>
-          <a:effectRef idx="0">
-            <a:schemeClr val="accent1"/>
-          </a:effectRef>
-          <a:fontRef idx="minor">
-            <a:schemeClr val="lt1"/>
-          </a:fontRef>
-        </p:style>
-        <p:txBody>
-          <a:bodyPr rtlCol="0" anchor="ctr"/>
-          <a:lstStyle/>
-          <a:p>
-            <a:pPr algn="ctr"/>
-            <a:r>
-              <a:rPr lang="ko-KR" altLang="en-US" sz="2000" b="1" dirty="0" smtClean="0">
-                <a:solidFill>
-                  <a:schemeClr val="tx1"/>
-                </a:solidFill>
-              </a:rPr>
-              <a:t>서비스</a:t>
-            </a:r>
-            <a:endParaRPr lang="en-US" altLang="ko-KR" sz="2000" b="1" dirty="0" smtClean="0">
-              <a:solidFill>
-                <a:schemeClr val="tx1"/>
-              </a:solidFill>
-            </a:endParaRPr>
-          </a:p>
-        </p:txBody>
-      </p:sp>
-      <p:sp>
-        <p:nvSpPr>
-          <p:cNvPr id="7" name="직사각형 20"/>
-          <p:cNvSpPr/>
-          <p:nvPr/>
-        </p:nvSpPr>
-        <p:spPr>
-          <a:xfrm>
-            <a:off x="8969848" y="1719177"/>
-            <a:ext cx="1794362" cy="1476379"/>
-          </a:xfrm>
-          <a:prstGeom prst="rect">
-            <a:avLst/>
-          </a:prstGeom>
-          <a:noFill/>
-        </p:spPr>
-        <p:style>
-          <a:lnRef idx="2">
-            <a:schemeClr val="accent1">
-              <a:shade val="50000"/>
-            </a:schemeClr>
-          </a:lnRef>
-          <a:fillRef idx="1">
-            <a:schemeClr val="accent1"/>
-          </a:fillRef>
-          <a:effectRef idx="0">
-            <a:schemeClr val="accent1"/>
-          </a:effectRef>
-          <a:fontRef idx="minor">
-            <a:schemeClr val="lt1"/>
-          </a:fontRef>
-        </p:style>
-        <p:txBody>
-          <a:bodyPr rtlCol="0" anchor="ctr"/>
-          <a:lstStyle/>
-          <a:p>
-            <a:pPr algn="ctr"/>
-            <a:r>
-              <a:rPr lang="en-US" altLang="ko-KR" sz="2000" b="1" dirty="0" smtClean="0">
-                <a:solidFill>
-                  <a:schemeClr val="tx1"/>
-                </a:solidFill>
-              </a:rPr>
-              <a:t>Model</a:t>
-            </a:r>
-          </a:p>
-          <a:p>
-            <a:pPr algn="ctr"/>
-            <a:r>
-              <a:rPr lang="en-US" altLang="ko-KR" sz="1400" b="1" dirty="0" smtClean="0">
-                <a:solidFill>
-                  <a:schemeClr val="tx1"/>
-                </a:solidFill>
-              </a:rPr>
-              <a:t>-DAO</a:t>
-            </a:r>
-          </a:p>
-          <a:p>
-            <a:pPr algn="ctr"/>
-            <a:r>
-              <a:rPr lang="en-US" altLang="ko-KR" sz="1400" b="1" dirty="0">
-                <a:solidFill>
-                  <a:schemeClr val="tx1"/>
-                </a:solidFill>
-              </a:rPr>
-              <a:t>@Repository</a:t>
-            </a:r>
-            <a:endParaRPr lang="en-US" altLang="ko-KR" sz="1400" b="1" dirty="0" smtClean="0">
-              <a:solidFill>
-                <a:schemeClr val="tx1"/>
-              </a:solidFill>
-            </a:endParaRPr>
-          </a:p>
-          <a:p>
-            <a:pPr algn="ctr"/>
-            <a:r>
-              <a:rPr lang="en-US" altLang="ko-KR" sz="1400" b="1" dirty="0" smtClean="0">
-                <a:solidFill>
-                  <a:schemeClr val="tx1"/>
-                </a:solidFill>
-              </a:rPr>
-              <a:t>-DTO</a:t>
-            </a:r>
-          </a:p>
-          <a:p>
-            <a:pPr algn="ctr"/>
-            <a:r>
-              <a:rPr lang="en-US" altLang="ko-KR" sz="1400" b="1" dirty="0" smtClean="0">
-                <a:solidFill>
-                  <a:schemeClr val="tx1"/>
-                </a:solidFill>
-              </a:rPr>
-              <a:t>-Business Methods</a:t>
-            </a:r>
-          </a:p>
-        </p:txBody>
-      </p:sp>
-      <p:sp>
-        <p:nvSpPr>
-          <p:cNvPr id="8" name="직사각형 20"/>
-          <p:cNvSpPr/>
-          <p:nvPr/>
-        </p:nvSpPr>
-        <p:spPr>
-          <a:xfrm>
-            <a:off x="9292936" y="4065203"/>
-            <a:ext cx="1148186" cy="932145"/>
-          </a:xfrm>
-          <a:prstGeom prst="rect">
-            <a:avLst/>
-          </a:prstGeom>
-          <a:noFill/>
-        </p:spPr>
-        <p:style>
-          <a:lnRef idx="2">
-            <a:schemeClr val="accent1">
-              <a:shade val="50000"/>
-            </a:schemeClr>
-          </a:lnRef>
-          <a:fillRef idx="1">
-            <a:schemeClr val="accent1"/>
-          </a:fillRef>
-          <a:effectRef idx="0">
-            <a:schemeClr val="accent1"/>
-          </a:effectRef>
-          <a:fontRef idx="minor">
-            <a:schemeClr val="lt1"/>
-          </a:fontRef>
-        </p:style>
-        <p:txBody>
-          <a:bodyPr rtlCol="0" anchor="ctr"/>
-          <a:lstStyle/>
-          <a:p>
-            <a:pPr algn="ctr"/>
-            <a:r>
-              <a:rPr lang="en-US" altLang="ko-KR" sz="2000" b="1" dirty="0" smtClean="0">
-                <a:solidFill>
-                  <a:schemeClr val="tx1"/>
-                </a:solidFill>
-              </a:rPr>
-              <a:t>DB</a:t>
-            </a:r>
-          </a:p>
-        </p:txBody>
-      </p:sp>
-      <p:sp>
-        <p:nvSpPr>
-          <p:cNvPr id="12" name="직사각형 20"/>
-          <p:cNvSpPr/>
-          <p:nvPr/>
-        </p:nvSpPr>
-        <p:spPr>
-          <a:xfrm>
-            <a:off x="768096" y="2249963"/>
-            <a:ext cx="1468470" cy="932145"/>
-          </a:xfrm>
-          <a:prstGeom prst="rect">
-            <a:avLst/>
-          </a:prstGeom>
-          <a:noFill/>
-        </p:spPr>
-        <p:style>
-          <a:lnRef idx="2">
-            <a:schemeClr val="accent1">
-              <a:shade val="50000"/>
-            </a:schemeClr>
-          </a:lnRef>
-          <a:fillRef idx="1">
-            <a:schemeClr val="accent1"/>
-          </a:fillRef>
-          <a:effectRef idx="0">
-            <a:schemeClr val="accent1"/>
-          </a:effectRef>
-          <a:fontRef idx="minor">
-            <a:schemeClr val="lt1"/>
-          </a:fontRef>
-        </p:style>
-        <p:txBody>
-          <a:bodyPr rtlCol="0" anchor="ctr"/>
-          <a:lstStyle/>
-          <a:p>
-            <a:pPr algn="ctr"/>
-            <a:r>
-              <a:rPr lang="ko-KR" altLang="en-US" sz="2000" b="1" dirty="0">
-                <a:solidFill>
-                  <a:schemeClr val="tx1"/>
-                </a:solidFill>
-              </a:rPr>
-              <a:t>클</a:t>
-            </a:r>
-            <a:r>
-              <a:rPr lang="ko-KR" altLang="en-US" sz="2000" b="1" dirty="0" smtClean="0">
-                <a:solidFill>
-                  <a:schemeClr val="tx1"/>
-                </a:solidFill>
-              </a:rPr>
-              <a:t>라이언트</a:t>
-            </a:r>
-            <a:endParaRPr lang="en-US" altLang="ko-KR" sz="2000" b="1" dirty="0" smtClean="0">
-              <a:solidFill>
-                <a:schemeClr val="tx1"/>
-              </a:solidFill>
-            </a:endParaRPr>
-          </a:p>
-          <a:p>
-            <a:pPr algn="ctr"/>
-            <a:r>
-              <a:rPr lang="en-US" altLang="ko-KR" sz="2000" b="1" dirty="0" smtClean="0">
-                <a:solidFill>
-                  <a:schemeClr val="tx1"/>
-                </a:solidFill>
-              </a:rPr>
-              <a:t>VIEW</a:t>
-            </a:r>
-          </a:p>
-        </p:txBody>
-      </p:sp>
-      <p:sp>
-        <p:nvSpPr>
-          <p:cNvPr id="14" name="직사각형 20"/>
-          <p:cNvSpPr/>
-          <p:nvPr/>
-        </p:nvSpPr>
-        <p:spPr>
-          <a:xfrm>
-            <a:off x="4892102" y="2263410"/>
-            <a:ext cx="956788" cy="367647"/>
-          </a:xfrm>
-          <a:prstGeom prst="rect">
-            <a:avLst/>
-          </a:prstGeom>
-          <a:noFill/>
-        </p:spPr>
-        <p:style>
-          <a:lnRef idx="2">
-            <a:schemeClr val="accent1">
-              <a:shade val="50000"/>
-            </a:schemeClr>
-          </a:lnRef>
-          <a:fillRef idx="1">
-            <a:schemeClr val="accent1"/>
-          </a:fillRef>
-          <a:effectRef idx="0">
-            <a:schemeClr val="accent1"/>
-          </a:effectRef>
-          <a:fontRef idx="minor">
-            <a:schemeClr val="lt1"/>
-          </a:fontRef>
-        </p:style>
-        <p:txBody>
-          <a:bodyPr rtlCol="0" anchor="ctr"/>
-          <a:lstStyle/>
-          <a:p>
-            <a:pPr algn="ctr"/>
-            <a:r>
-              <a:rPr lang="ko-KR" altLang="en-US" sz="1200" b="1" dirty="0" smtClean="0">
-                <a:solidFill>
-                  <a:schemeClr val="tx1"/>
-                </a:solidFill>
-              </a:rPr>
-              <a:t>컨트롤러</a:t>
-            </a:r>
-            <a:endParaRPr lang="en-US" altLang="ko-KR" sz="1200" b="1" dirty="0" smtClean="0">
-              <a:solidFill>
-                <a:schemeClr val="tx1"/>
-              </a:solidFill>
-            </a:endParaRPr>
-          </a:p>
-        </p:txBody>
-      </p:sp>
-      <p:sp>
-        <p:nvSpPr>
-          <p:cNvPr id="36" name="Right Arrow 35"/>
-          <p:cNvSpPr/>
-          <p:nvPr/>
-        </p:nvSpPr>
-        <p:spPr>
-          <a:xfrm>
-            <a:off x="2473073" y="2542299"/>
-            <a:ext cx="411480" cy="274320"/>
-          </a:xfrm>
-          <a:prstGeom prst="rightArrow">
-            <a:avLst/>
-          </a:prstGeom>
-        </p:spPr>
-        <p:style>
-          <a:lnRef idx="2">
-            <a:schemeClr val="accent1">
-              <a:shade val="50000"/>
-            </a:schemeClr>
-          </a:lnRef>
-          <a:fillRef idx="1">
-            <a:schemeClr val="accent1"/>
-          </a:fillRef>
-          <a:effectRef idx="0">
-            <a:schemeClr val="accent1"/>
-          </a:effectRef>
-          <a:fontRef idx="minor">
-            <a:schemeClr val="lt1"/>
-          </a:fontRef>
-        </p:style>
-        <p:txBody>
-          <a:bodyPr rtlCol="0" anchor="ctr"/>
-          <a:lstStyle/>
-          <a:p>
-            <a:pPr algn="ctr"/>
-            <a:endParaRPr lang="ko-KR" altLang="en-US"/>
-          </a:p>
-        </p:txBody>
-      </p:sp>
-      <p:sp>
-        <p:nvSpPr>
-          <p:cNvPr id="38" name="Right Arrow 37"/>
-          <p:cNvSpPr/>
-          <p:nvPr/>
-        </p:nvSpPr>
-        <p:spPr>
-          <a:xfrm rot="12505829">
-            <a:off x="2489029" y="3773818"/>
-            <a:ext cx="1241104" cy="381423"/>
-          </a:xfrm>
-          <a:prstGeom prst="rightArrow">
-            <a:avLst/>
-          </a:prstGeom>
-        </p:spPr>
-        <p:style>
-          <a:lnRef idx="2">
-            <a:schemeClr val="accent1">
-              <a:shade val="50000"/>
-            </a:schemeClr>
-          </a:lnRef>
-          <a:fillRef idx="1">
-            <a:schemeClr val="accent1"/>
-          </a:fillRef>
-          <a:effectRef idx="0">
-            <a:schemeClr val="accent1"/>
-          </a:effectRef>
-          <a:fontRef idx="minor">
-            <a:schemeClr val="lt1"/>
-          </a:fontRef>
-        </p:style>
-        <p:txBody>
-          <a:bodyPr rtlCol="0" anchor="ctr"/>
-          <a:lstStyle/>
-          <a:p>
-            <a:pPr algn="ctr"/>
-            <a:endParaRPr lang="ko-KR" altLang="en-US"/>
-          </a:p>
-        </p:txBody>
-      </p:sp>
-      <p:sp>
-        <p:nvSpPr>
-          <p:cNvPr id="40" name="Rectangle 39"/>
-          <p:cNvSpPr/>
-          <p:nvPr/>
-        </p:nvSpPr>
-        <p:spPr>
-          <a:xfrm>
-            <a:off x="3066202" y="2121407"/>
-            <a:ext cx="3166292" cy="1216153"/>
-          </a:xfrm>
-          <a:prstGeom prst="rect">
-            <a:avLst/>
-          </a:prstGeom>
-          <a:noFill/>
-          <a:ln w="50800">
-            <a:solidFill>
-              <a:srgbClr val="0070C0"/>
-            </a:solidFill>
-          </a:ln>
-        </p:spPr>
-        <p:style>
-          <a:lnRef idx="2">
-            <a:schemeClr val="accent1">
-              <a:shade val="50000"/>
-            </a:schemeClr>
-          </a:lnRef>
-          <a:fillRef idx="1">
-            <a:schemeClr val="accent1"/>
-          </a:fillRef>
-          <a:effectRef idx="0">
-            <a:schemeClr val="accent1"/>
-          </a:effectRef>
-          <a:fontRef idx="minor">
-            <a:schemeClr val="lt1"/>
-          </a:fontRef>
-        </p:style>
-        <p:txBody>
-          <a:bodyPr rtlCol="0" anchor="ctr"/>
-          <a:lstStyle/>
-          <a:p>
-            <a:pPr algn="ctr"/>
-            <a:endParaRPr lang="ko-KR" altLang="en-US"/>
-          </a:p>
-        </p:txBody>
-      </p:sp>
-      <p:sp>
-        <p:nvSpPr>
-          <p:cNvPr id="41" name="Right Arrow 40"/>
-          <p:cNvSpPr/>
-          <p:nvPr/>
-        </p:nvSpPr>
-        <p:spPr>
-          <a:xfrm rot="5400000">
-            <a:off x="4574058" y="3596851"/>
-            <a:ext cx="411480" cy="274320"/>
-          </a:xfrm>
-          <a:prstGeom prst="rightArrow">
-            <a:avLst/>
-          </a:prstGeom>
-        </p:spPr>
-        <p:style>
-          <a:lnRef idx="2">
-            <a:schemeClr val="accent1">
-              <a:shade val="50000"/>
-            </a:schemeClr>
-          </a:lnRef>
-          <a:fillRef idx="1">
-            <a:schemeClr val="accent1"/>
-          </a:fillRef>
-          <a:effectRef idx="0">
-            <a:schemeClr val="accent1"/>
-          </a:effectRef>
-          <a:fontRef idx="minor">
-            <a:schemeClr val="lt1"/>
-          </a:fontRef>
-        </p:style>
-        <p:txBody>
-          <a:bodyPr rtlCol="0" anchor="ctr"/>
-          <a:lstStyle/>
-          <a:p>
-            <a:pPr algn="ctr"/>
-            <a:endParaRPr lang="ko-KR" altLang="en-US"/>
-          </a:p>
-        </p:txBody>
-      </p:sp>
-      <p:sp>
-        <p:nvSpPr>
-          <p:cNvPr id="43" name="Right Arrow 42"/>
-          <p:cNvSpPr/>
-          <p:nvPr/>
-        </p:nvSpPr>
-        <p:spPr>
-          <a:xfrm>
-            <a:off x="8349290" y="2455162"/>
-            <a:ext cx="411480" cy="274320"/>
-          </a:xfrm>
-          <a:prstGeom prst="rightArrow">
-            <a:avLst/>
-          </a:prstGeom>
-        </p:spPr>
-        <p:style>
-          <a:lnRef idx="2">
-            <a:schemeClr val="accent1">
-              <a:shade val="50000"/>
-            </a:schemeClr>
-          </a:lnRef>
-          <a:fillRef idx="1">
-            <a:schemeClr val="accent1"/>
-          </a:fillRef>
-          <a:effectRef idx="0">
-            <a:schemeClr val="accent1"/>
-          </a:effectRef>
-          <a:fontRef idx="minor">
-            <a:schemeClr val="lt1"/>
-          </a:fontRef>
-        </p:style>
-        <p:txBody>
-          <a:bodyPr rtlCol="0" anchor="ctr"/>
-          <a:lstStyle/>
-          <a:p>
-            <a:pPr algn="ctr"/>
-            <a:endParaRPr lang="ko-KR" altLang="en-US"/>
-          </a:p>
-        </p:txBody>
-      </p:sp>
-      <p:sp>
-        <p:nvSpPr>
-          <p:cNvPr id="44" name="Right Arrow 43"/>
-          <p:cNvSpPr/>
-          <p:nvPr/>
-        </p:nvSpPr>
-        <p:spPr>
-          <a:xfrm rot="5400000">
-            <a:off x="9524129" y="3542198"/>
-            <a:ext cx="411480" cy="274320"/>
-          </a:xfrm>
-          <a:prstGeom prst="rightArrow">
-            <a:avLst/>
-          </a:prstGeom>
-        </p:spPr>
-        <p:style>
-          <a:lnRef idx="2">
-            <a:schemeClr val="accent1">
-              <a:shade val="50000"/>
-            </a:schemeClr>
-          </a:lnRef>
-          <a:fillRef idx="1">
-            <a:schemeClr val="accent1"/>
-          </a:fillRef>
-          <a:effectRef idx="0">
-            <a:schemeClr val="accent1"/>
-          </a:effectRef>
-          <a:fontRef idx="minor">
-            <a:schemeClr val="lt1"/>
-          </a:fontRef>
-        </p:style>
-        <p:txBody>
-          <a:bodyPr rtlCol="0" anchor="ctr"/>
-          <a:lstStyle/>
-          <a:p>
-            <a:pPr algn="ctr"/>
-            <a:endParaRPr lang="ko-KR" altLang="en-US"/>
-          </a:p>
-        </p:txBody>
-      </p:sp>
-      <p:sp>
-        <p:nvSpPr>
-          <p:cNvPr id="45" name="Right Arrow 44"/>
-          <p:cNvSpPr/>
-          <p:nvPr/>
-        </p:nvSpPr>
-        <p:spPr>
-          <a:xfrm rot="16200000">
-            <a:off x="9798449" y="3542198"/>
-            <a:ext cx="411480" cy="274320"/>
-          </a:xfrm>
-          <a:prstGeom prst="rightArrow">
-            <a:avLst/>
-          </a:prstGeom>
-        </p:spPr>
-        <p:style>
-          <a:lnRef idx="2">
-            <a:schemeClr val="accent1">
-              <a:shade val="50000"/>
-            </a:schemeClr>
-          </a:lnRef>
-          <a:fillRef idx="1">
-            <a:schemeClr val="accent1"/>
-          </a:fillRef>
-          <a:effectRef idx="0">
-            <a:schemeClr val="accent1"/>
-          </a:effectRef>
-          <a:fontRef idx="minor">
-            <a:schemeClr val="lt1"/>
-          </a:fontRef>
-        </p:style>
-        <p:txBody>
-          <a:bodyPr rtlCol="0" anchor="ctr"/>
-          <a:lstStyle/>
-          <a:p>
-            <a:pPr algn="ctr"/>
-            <a:endParaRPr lang="ko-KR" altLang="en-US"/>
-          </a:p>
-        </p:txBody>
-      </p:sp>
-      <p:sp>
-        <p:nvSpPr>
-          <p:cNvPr id="46" name="Right Arrow 45"/>
-          <p:cNvSpPr/>
-          <p:nvPr/>
-        </p:nvSpPr>
-        <p:spPr>
-          <a:xfrm rot="10800000">
-            <a:off x="8349290" y="2729482"/>
-            <a:ext cx="411480" cy="274320"/>
-          </a:xfrm>
-          <a:prstGeom prst="rightArrow">
-            <a:avLst/>
-          </a:prstGeom>
-        </p:spPr>
-        <p:style>
-          <a:lnRef idx="2">
-            <a:schemeClr val="accent1">
-              <a:shade val="50000"/>
-            </a:schemeClr>
-          </a:lnRef>
-          <a:fillRef idx="1">
-            <a:schemeClr val="accent1"/>
-          </a:fillRef>
-          <a:effectRef idx="0">
-            <a:schemeClr val="accent1"/>
-          </a:effectRef>
-          <a:fontRef idx="minor">
-            <a:schemeClr val="lt1"/>
-          </a:fontRef>
-        </p:style>
-        <p:txBody>
-          <a:bodyPr rtlCol="0" anchor="ctr"/>
-          <a:lstStyle/>
-          <a:p>
-            <a:pPr algn="ctr"/>
-            <a:endParaRPr lang="ko-KR" altLang="en-US"/>
-          </a:p>
-        </p:txBody>
-      </p:sp>
-      <p:sp>
-        <p:nvSpPr>
-          <p:cNvPr id="47" name="Right Arrow 46"/>
-          <p:cNvSpPr/>
-          <p:nvPr/>
-        </p:nvSpPr>
-        <p:spPr>
-          <a:xfrm>
-            <a:off x="6408911" y="2455162"/>
-            <a:ext cx="411480" cy="274320"/>
-          </a:xfrm>
-          <a:prstGeom prst="rightArrow">
-            <a:avLst/>
-          </a:prstGeom>
-        </p:spPr>
-        <p:style>
-          <a:lnRef idx="2">
-            <a:schemeClr val="accent1">
-              <a:shade val="50000"/>
-            </a:schemeClr>
-          </a:lnRef>
-          <a:fillRef idx="1">
-            <a:schemeClr val="accent1"/>
-          </a:fillRef>
-          <a:effectRef idx="0">
-            <a:schemeClr val="accent1"/>
-          </a:effectRef>
-          <a:fontRef idx="minor">
-            <a:schemeClr val="lt1"/>
-          </a:fontRef>
-        </p:style>
-        <p:txBody>
-          <a:bodyPr rtlCol="0" anchor="ctr"/>
-          <a:lstStyle/>
-          <a:p>
-            <a:pPr algn="ctr"/>
-            <a:endParaRPr lang="ko-KR" altLang="en-US"/>
-          </a:p>
-        </p:txBody>
-      </p:sp>
-      <p:sp>
-        <p:nvSpPr>
-          <p:cNvPr id="48" name="Right Arrow 47"/>
-          <p:cNvSpPr/>
-          <p:nvPr/>
-        </p:nvSpPr>
-        <p:spPr>
-          <a:xfrm rot="10800000">
-            <a:off x="6408911" y="2729482"/>
-            <a:ext cx="411480" cy="274320"/>
-          </a:xfrm>
-          <a:prstGeom prst="rightArrow">
-            <a:avLst/>
-          </a:prstGeom>
-        </p:spPr>
-        <p:style>
-          <a:lnRef idx="2">
-            <a:schemeClr val="accent1">
-              <a:shade val="50000"/>
-            </a:schemeClr>
-          </a:lnRef>
-          <a:fillRef idx="1">
-            <a:schemeClr val="accent1"/>
-          </a:fillRef>
-          <a:effectRef idx="0">
-            <a:schemeClr val="accent1"/>
-          </a:effectRef>
-          <a:fontRef idx="minor">
-            <a:schemeClr val="lt1"/>
-          </a:fontRef>
-        </p:style>
-        <p:txBody>
-          <a:bodyPr rtlCol="0" anchor="ctr"/>
-          <a:lstStyle/>
-          <a:p>
-            <a:pPr algn="ctr"/>
-            <a:endParaRPr lang="ko-KR" altLang="en-US"/>
-          </a:p>
-        </p:txBody>
-      </p:sp>
-      <p:sp>
-        <p:nvSpPr>
-          <p:cNvPr id="21" name="Rectangle 20"/>
-          <p:cNvSpPr/>
-          <p:nvPr/>
-        </p:nvSpPr>
-        <p:spPr>
-          <a:xfrm>
-            <a:off x="3590434" y="1173345"/>
-            <a:ext cx="2378728" cy="830997"/>
-          </a:xfrm>
-          <a:prstGeom prst="rect">
-            <a:avLst/>
-          </a:prstGeom>
-        </p:spPr>
-        <p:txBody>
-          <a:bodyPr wrap="none">
-            <a:spAutoFit/>
+          <p:cNvPr id="3" name="Content Placeholder 2"/>
+          <p:cNvSpPr>
+            <a:spLocks noGrp="1"/>
+          </p:cNvSpPr>
+          <p:nvPr>
+            <p:ph idx="1"/>
+          </p:nvPr>
+        </p:nvSpPr>
+        <p:spPr>
+          <a:xfrm>
+            <a:off x="838200" y="374904"/>
+            <a:ext cx="10515600" cy="5802059"/>
+          </a:xfrm>
+        </p:spPr>
+        <p:txBody>
+          <a:bodyPr>
+            <a:noAutofit/>
           </a:bodyPr>
           <a:lstStyle/>
           <a:p>
-            <a:pPr algn="ctr"/>
-            <a:r>
-              <a:rPr lang="ko-KR" altLang="en-US" sz="1200" dirty="0"/>
-              <a:t>클라이언트</a:t>
-            </a:r>
-            <a:r>
-              <a:rPr lang="en-US" altLang="ko-KR" sz="1200" dirty="0"/>
+            <a:r>
+              <a:rPr lang="en-US" altLang="ko-KR" sz="1800" dirty="0"/>
+              <a:t>1. </a:t>
+            </a:r>
+            <a:r>
+              <a:rPr lang="ko-KR" altLang="en-US" sz="1800" dirty="0"/>
+              <a:t>뷰 설정하고 만들고 보여주기</a:t>
+            </a:r>
+          </a:p>
+          <a:p>
+            <a:r>
+              <a:rPr lang="ko-KR" altLang="en-US" sz="1800" dirty="0"/>
+              <a:t>	메인레이아웃</a:t>
+            </a:r>
+          </a:p>
+          <a:p>
+            <a:r>
+              <a:rPr lang="ko-KR" altLang="en-US" sz="1800" dirty="0"/>
+              <a:t>	각 파트</a:t>
+            </a:r>
+          </a:p>
+          <a:p>
+            <a:r>
+              <a:rPr lang="ko-KR" altLang="en-US" sz="1800" dirty="0"/>
+              <a:t>	타일즈 설정</a:t>
+            </a:r>
+          </a:p>
+          <a:p>
+            <a:r>
+              <a:rPr lang="ko-KR" altLang="en-US" sz="1800" dirty="0"/>
+              <a:t>	컨트롤러 이름 설정</a:t>
+            </a:r>
+          </a:p>
+          <a:p>
+            <a:r>
+              <a:rPr lang="ko-KR" altLang="en-US" sz="1800" dirty="0"/>
+              <a:t>		단 타일즈에서 컨트롤러 </a:t>
+            </a:r>
+            <a:r>
+              <a:rPr lang="en-US" altLang="ko-KR" sz="1800" dirty="0"/>
+              <a:t>name</a:t>
+            </a:r>
+            <a:r>
+              <a:rPr lang="ko-KR" altLang="en-US" sz="1800" dirty="0"/>
+              <a:t>이 동일하게</a:t>
+            </a:r>
+          </a:p>
+          <a:p>
+            <a:endParaRPr lang="ko-KR" altLang="en-US" sz="1800" dirty="0"/>
+          </a:p>
+          <a:p>
+            <a:r>
+              <a:rPr lang="en-US" altLang="ko-KR" sz="1800" dirty="0"/>
+              <a:t>2. VO </a:t>
+            </a:r>
+            <a:r>
+              <a:rPr lang="ko-KR" altLang="en-US" sz="1800" dirty="0"/>
+              <a:t>만들기</a:t>
+            </a:r>
+          </a:p>
+          <a:p>
+            <a:r>
+              <a:rPr lang="en-US" altLang="ko-KR" sz="1800" dirty="0"/>
+              <a:t>3. DAO</a:t>
+            </a:r>
+          </a:p>
+          <a:p>
+            <a:r>
+              <a:rPr lang="en-US" altLang="ko-KR" sz="1800" dirty="0"/>
+              <a:t>4. Service</a:t>
+            </a:r>
+          </a:p>
+          <a:p>
+            <a:r>
+              <a:rPr lang="en-US" altLang="ko-KR" sz="1800" dirty="0"/>
+              <a:t>5. </a:t>
+            </a:r>
+            <a:r>
+              <a:rPr lang="ko-KR" altLang="en-US" sz="1800" dirty="0"/>
+              <a:t>컨트롤러 구체적인 설정</a:t>
+            </a:r>
+          </a:p>
+          <a:p>
+            <a:r>
+              <a:rPr lang="ko-KR" altLang="en-US" sz="1800" dirty="0"/>
+              <a:t>	</a:t>
+            </a:r>
+            <a:r>
+              <a:rPr lang="en-US" altLang="ko-KR" sz="1800" dirty="0" err="1"/>
+              <a:t>mybatis</a:t>
+            </a:r>
+            <a:r>
+              <a:rPr lang="en-US" altLang="ko-KR" sz="1800" dirty="0"/>
               <a:t> </a:t>
             </a:r>
             <a:r>
-              <a:rPr lang="ko-KR" altLang="en-US" sz="1200" dirty="0"/>
-              <a:t>요청정보 추출</a:t>
-            </a:r>
-            <a:endParaRPr lang="en-US" altLang="ko-KR" sz="1200" dirty="0"/>
-          </a:p>
-          <a:p>
-            <a:pPr algn="ctr"/>
-            <a:r>
-              <a:rPr lang="en-US" altLang="ko-KR" sz="1200" dirty="0" smtClean="0"/>
-              <a:t>@</a:t>
-            </a:r>
-            <a:r>
-              <a:rPr lang="en-US" altLang="ko-KR" sz="1200" dirty="0" err="1"/>
-              <a:t>RequestMapping</a:t>
-            </a:r>
-            <a:r>
-              <a:rPr lang="en-US" altLang="ko-KR" sz="1200" dirty="0"/>
-              <a:t>("/index.do</a:t>
-            </a:r>
-            <a:r>
-              <a:rPr lang="en-US" altLang="ko-KR" sz="1200" dirty="0" smtClean="0"/>
-              <a:t>")</a:t>
-            </a:r>
-          </a:p>
-          <a:p>
-            <a:pPr algn="ctr"/>
-            <a:r>
-              <a:rPr lang="ko-KR" altLang="en-US" sz="1200" dirty="0" smtClean="0"/>
-              <a:t>서비스 호출</a:t>
-            </a:r>
-            <a:endParaRPr lang="en-US" altLang="ko-KR" sz="1200" dirty="0" smtClean="0"/>
-          </a:p>
-          <a:p>
-            <a:pPr algn="ctr"/>
-            <a:r>
-              <a:rPr lang="ko-KR" altLang="en-US" sz="1200" dirty="0" smtClean="0"/>
-              <a:t>뷰이름 등록</a:t>
-            </a:r>
-            <a:endParaRPr lang="en-US" altLang="ko-KR" sz="1200" dirty="0"/>
-          </a:p>
-        </p:txBody>
-      </p:sp>
-      <p:sp>
-        <p:nvSpPr>
-          <p:cNvPr id="22" name="Rectangle 21"/>
-          <p:cNvSpPr/>
-          <p:nvPr/>
-        </p:nvSpPr>
-        <p:spPr>
-          <a:xfrm>
-            <a:off x="6728977" y="1719177"/>
-            <a:ext cx="1744388" cy="461665"/>
-          </a:xfrm>
-          <a:prstGeom prst="rect">
-            <a:avLst/>
-          </a:prstGeom>
-        </p:spPr>
-        <p:txBody>
-          <a:bodyPr wrap="none">
-            <a:spAutoFit/>
-          </a:bodyPr>
-          <a:lstStyle/>
-          <a:p>
-            <a:pPr algn="ctr"/>
-            <a:r>
-              <a:rPr lang="ko-KR" altLang="en-US" sz="1200" dirty="0" smtClean="0"/>
-              <a:t>요청에 필요한 </a:t>
-            </a:r>
-            <a:endParaRPr lang="en-US" altLang="ko-KR" sz="1200" dirty="0" smtClean="0"/>
-          </a:p>
-          <a:p>
-            <a:pPr algn="ctr"/>
-            <a:r>
-              <a:rPr lang="en-US" altLang="ko-KR" sz="1200" dirty="0" smtClean="0"/>
-              <a:t>Business Method </a:t>
-            </a:r>
-            <a:r>
-              <a:rPr lang="ko-KR" altLang="en-US" sz="1200" dirty="0" smtClean="0"/>
-              <a:t>조합</a:t>
-            </a:r>
-            <a:endParaRPr lang="en-US" altLang="ko-KR" sz="1200" dirty="0"/>
-          </a:p>
-        </p:txBody>
-      </p:sp>
-      <p:sp>
-        <p:nvSpPr>
-          <p:cNvPr id="23" name="Rectangle 22"/>
-          <p:cNvSpPr/>
-          <p:nvPr/>
-        </p:nvSpPr>
-        <p:spPr>
-          <a:xfrm>
-            <a:off x="9466919" y="1173345"/>
-            <a:ext cx="800219" cy="461665"/>
-          </a:xfrm>
-          <a:prstGeom prst="rect">
-            <a:avLst/>
-          </a:prstGeom>
-        </p:spPr>
-        <p:txBody>
-          <a:bodyPr wrap="none">
-            <a:spAutoFit/>
-          </a:bodyPr>
-          <a:lstStyle/>
-          <a:p>
-            <a:pPr algn="ctr"/>
-            <a:r>
-              <a:rPr lang="ko-KR" altLang="en-US" sz="1200" dirty="0" smtClean="0"/>
-              <a:t>두뇌역할</a:t>
-            </a:r>
-            <a:endParaRPr lang="en-US" altLang="ko-KR" sz="1200" dirty="0" smtClean="0"/>
-          </a:p>
-          <a:p>
-            <a:pPr algn="ctr"/>
-            <a:r>
-              <a:rPr lang="en-US" altLang="ko-KR" sz="1200" dirty="0" smtClean="0"/>
-              <a:t>DB</a:t>
-            </a:r>
-            <a:r>
-              <a:rPr lang="ko-KR" altLang="en-US" sz="1200" dirty="0" smtClean="0"/>
-              <a:t>연동</a:t>
-            </a:r>
-            <a:endParaRPr lang="en-US" altLang="ko-KR" sz="1200" dirty="0"/>
-          </a:p>
-        </p:txBody>
-      </p:sp>
-      <p:sp>
-        <p:nvSpPr>
-          <p:cNvPr id="3" name="Rectangle 2"/>
-          <p:cNvSpPr/>
-          <p:nvPr/>
-        </p:nvSpPr>
-        <p:spPr>
-          <a:xfrm>
-            <a:off x="721766" y="1719177"/>
-            <a:ext cx="1470211" cy="369332"/>
-          </a:xfrm>
-          <a:prstGeom prst="rect">
-            <a:avLst/>
-          </a:prstGeom>
-        </p:spPr>
-        <p:txBody>
-          <a:bodyPr wrap="none">
-            <a:spAutoFit/>
-          </a:bodyPr>
-          <a:lstStyle/>
-          <a:p>
-            <a:pPr algn="ctr"/>
-            <a:r>
-              <a:rPr lang="en-US" altLang="ko-KR" dirty="0"/>
-              <a:t>("/</a:t>
-            </a:r>
-            <a:r>
-              <a:rPr lang="en-US" altLang="ko-KR"/>
-              <a:t>index.do</a:t>
-            </a:r>
-            <a:r>
-              <a:rPr lang="en-US" altLang="ko-KR" smtClean="0"/>
-              <a:t>")</a:t>
-            </a:r>
-            <a:endParaRPr lang="en-US" altLang="ko-KR" dirty="0" smtClean="0"/>
-          </a:p>
-        </p:txBody>
-      </p:sp>
-      <p:sp>
-        <p:nvSpPr>
-          <p:cNvPr id="25" name="Rectangle 24"/>
-          <p:cNvSpPr/>
-          <p:nvPr/>
-        </p:nvSpPr>
-        <p:spPr>
-          <a:xfrm>
-            <a:off x="10701605" y="2180842"/>
-            <a:ext cx="1018227" cy="430887"/>
-          </a:xfrm>
-          <a:prstGeom prst="rect">
-            <a:avLst/>
-          </a:prstGeom>
-        </p:spPr>
-        <p:txBody>
-          <a:bodyPr wrap="none">
-            <a:spAutoFit/>
-          </a:bodyPr>
-          <a:lstStyle/>
-          <a:p>
-            <a:pPr algn="ctr"/>
-            <a:r>
-              <a:rPr lang="en-US" altLang="ko-KR" sz="1100" b="1" dirty="0" smtClean="0">
-                <a:solidFill>
-                  <a:srgbClr val="FF0000"/>
-                </a:solidFill>
-              </a:rPr>
-              <a:t>sqlSession</a:t>
-            </a:r>
-          </a:p>
-          <a:p>
-            <a:pPr algn="ctr"/>
-            <a:r>
-              <a:rPr lang="en-US" altLang="ko-KR" sz="1100" b="1" dirty="0" smtClean="0">
-                <a:solidFill>
-                  <a:srgbClr val="FF0000"/>
-                </a:solidFill>
-              </a:rPr>
-              <a:t>Mapper SQL</a:t>
-            </a:r>
-            <a:endParaRPr lang="en-US" altLang="ko-KR" sz="1100" dirty="0">
-              <a:solidFill>
-                <a:srgbClr val="FF0000"/>
-              </a:solidFill>
-            </a:endParaRPr>
-          </a:p>
-        </p:txBody>
-      </p:sp>
-      <p:sp>
-        <p:nvSpPr>
-          <p:cNvPr id="2" name="Rectangle 1"/>
-          <p:cNvSpPr/>
-          <p:nvPr/>
-        </p:nvSpPr>
-        <p:spPr>
-          <a:xfrm>
-            <a:off x="3284039" y="3325790"/>
-            <a:ext cx="1084279" cy="276999"/>
-          </a:xfrm>
-          <a:prstGeom prst="rect">
-            <a:avLst/>
-          </a:prstGeom>
-        </p:spPr>
-        <p:txBody>
-          <a:bodyPr wrap="square">
-            <a:spAutoFit/>
-          </a:bodyPr>
-          <a:lstStyle/>
-          <a:p>
-            <a:pPr algn="ctr"/>
-            <a:r>
-              <a:rPr lang="en-US" altLang="ko-KR" sz="1200" dirty="0" smtClean="0"/>
-              <a:t>VO</a:t>
-            </a:r>
-            <a:endParaRPr lang="en-US" altLang="ko-KR" sz="1200" dirty="0"/>
-          </a:p>
-        </p:txBody>
-      </p:sp>
-      <p:sp>
-        <p:nvSpPr>
-          <p:cNvPr id="26" name="직사각형 20"/>
-          <p:cNvSpPr/>
-          <p:nvPr/>
-        </p:nvSpPr>
-        <p:spPr>
-          <a:xfrm>
-            <a:off x="4902496" y="2748122"/>
-            <a:ext cx="956788" cy="367647"/>
-          </a:xfrm>
-          <a:prstGeom prst="rect">
-            <a:avLst/>
-          </a:prstGeom>
-          <a:noFill/>
-        </p:spPr>
-        <p:style>
-          <a:lnRef idx="2">
-            <a:schemeClr val="accent1">
-              <a:shade val="50000"/>
-            </a:schemeClr>
-          </a:lnRef>
-          <a:fillRef idx="1">
-            <a:schemeClr val="accent1"/>
-          </a:fillRef>
-          <a:effectRef idx="0">
-            <a:schemeClr val="accent1"/>
-          </a:effectRef>
-          <a:fontRef idx="minor">
-            <a:schemeClr val="lt1"/>
-          </a:fontRef>
-        </p:style>
-        <p:txBody>
-          <a:bodyPr rtlCol="0" anchor="ctr"/>
-          <a:lstStyle/>
-          <a:p>
-            <a:pPr algn="ctr"/>
-            <a:r>
-              <a:rPr lang="ko-KR" altLang="en-US" sz="1200" b="1" dirty="0" smtClean="0">
-                <a:solidFill>
-                  <a:schemeClr val="tx1"/>
-                </a:solidFill>
-              </a:rPr>
-              <a:t>컨트롤러</a:t>
-            </a:r>
-            <a:endParaRPr lang="en-US" altLang="ko-KR" sz="1200" b="1" dirty="0" smtClean="0">
-              <a:solidFill>
-                <a:schemeClr val="tx1"/>
-              </a:solidFill>
-            </a:endParaRPr>
-          </a:p>
-        </p:txBody>
-      </p:sp>
-      <p:sp>
-        <p:nvSpPr>
-          <p:cNvPr id="27" name="직사각형 20"/>
-          <p:cNvSpPr/>
-          <p:nvPr/>
-        </p:nvSpPr>
-        <p:spPr>
-          <a:xfrm>
-            <a:off x="3247203" y="1671851"/>
-            <a:ext cx="956788" cy="367647"/>
-          </a:xfrm>
-          <a:prstGeom prst="rect">
-            <a:avLst/>
-          </a:prstGeom>
-          <a:noFill/>
-        </p:spPr>
-        <p:style>
-          <a:lnRef idx="2">
-            <a:schemeClr val="accent1">
-              <a:shade val="50000"/>
-            </a:schemeClr>
-          </a:lnRef>
-          <a:fillRef idx="1">
-            <a:schemeClr val="accent1"/>
-          </a:fillRef>
-          <a:effectRef idx="0">
-            <a:schemeClr val="accent1"/>
-          </a:effectRef>
-          <a:fontRef idx="minor">
-            <a:schemeClr val="lt1"/>
-          </a:fontRef>
-        </p:style>
-        <p:txBody>
-          <a:bodyPr rtlCol="0" anchor="ctr"/>
-          <a:lstStyle/>
-          <a:p>
-            <a:pPr algn="ctr"/>
-            <a:r>
-              <a:rPr lang="en-US" altLang="ko-KR" sz="1200" b="1" smtClean="0">
-                <a:solidFill>
-                  <a:schemeClr val="tx1"/>
-                </a:solidFill>
-              </a:rPr>
-              <a:t>Handler</a:t>
-            </a:r>
-          </a:p>
-          <a:p>
-            <a:pPr algn="ctr"/>
-            <a:r>
-              <a:rPr lang="en-US" altLang="ko-KR" sz="1200" b="1" smtClean="0">
-                <a:solidFill>
-                  <a:schemeClr val="tx1"/>
-                </a:solidFill>
-              </a:rPr>
-              <a:t>Mapping</a:t>
-            </a:r>
-            <a:endParaRPr lang="en-US" altLang="ko-KR" sz="1200" b="1" dirty="0" smtClean="0">
-              <a:solidFill>
-                <a:schemeClr val="tx1"/>
-              </a:solidFill>
-            </a:endParaRPr>
+              <a:rPr lang="ko-KR" altLang="en-US" sz="1800" dirty="0"/>
+              <a:t>설정 추가</a:t>
+            </a:r>
+          </a:p>
+          <a:p>
+            <a:r>
+              <a:rPr lang="en-US" altLang="ko-KR" sz="1800" dirty="0"/>
+              <a:t>6. map view</a:t>
+            </a:r>
+            <a:r>
+              <a:rPr lang="ko-KR" altLang="en-US" sz="1800" dirty="0"/>
+              <a:t>가서 </a:t>
+            </a:r>
+            <a:r>
+              <a:rPr lang="en-US" altLang="ko-KR" sz="1800" dirty="0"/>
+              <a:t>body</a:t>
+            </a:r>
+            <a:r>
+              <a:rPr lang="ko-KR" altLang="en-US" sz="1800" dirty="0"/>
+              <a:t>아래</a:t>
+            </a:r>
+          </a:p>
+          <a:p>
+            <a:r>
+              <a:rPr lang="en-US" altLang="ko-KR" sz="1800" dirty="0"/>
+              <a:t>&lt;% </a:t>
+            </a:r>
+            <a:r>
+              <a:rPr lang="en-US" altLang="ko-KR" sz="1800" dirty="0" err="1"/>
+              <a:t>ArrayList</a:t>
+            </a:r>
+            <a:r>
+              <a:rPr lang="en-US" altLang="ko-KR" sz="1800" dirty="0"/>
+              <a:t>&lt;</a:t>
+            </a:r>
+            <a:r>
+              <a:rPr lang="en-US" altLang="ko-KR" sz="1800" dirty="0" err="1"/>
+              <a:t>parkingVO</a:t>
+            </a:r>
+            <a:r>
+              <a:rPr lang="en-US" altLang="ko-KR" sz="1800" dirty="0"/>
+              <a:t>&gt; list = (</a:t>
+            </a:r>
+            <a:r>
+              <a:rPr lang="en-US" altLang="ko-KR" sz="1800" dirty="0" err="1"/>
+              <a:t>ArrayList</a:t>
+            </a:r>
+            <a:r>
+              <a:rPr lang="en-US" altLang="ko-KR" sz="1800" dirty="0"/>
+              <a:t>&lt;</a:t>
+            </a:r>
+            <a:r>
+              <a:rPr lang="en-US" altLang="ko-KR" sz="1800" dirty="0" err="1"/>
+              <a:t>parkingVO</a:t>
+            </a:r>
+            <a:r>
+              <a:rPr lang="en-US" altLang="ko-KR" sz="1800" dirty="0"/>
+              <a:t>&gt;)</a:t>
+            </a:r>
+            <a:r>
+              <a:rPr lang="en-US" altLang="ko-KR" sz="1800" dirty="0" err="1"/>
+              <a:t>request.getAttribute</a:t>
+            </a:r>
+            <a:r>
+              <a:rPr lang="en-US" altLang="ko-KR" sz="1800" dirty="0"/>
+              <a:t>("</a:t>
+            </a:r>
+            <a:r>
+              <a:rPr lang="en-US" altLang="ko-KR" sz="1800" dirty="0" err="1"/>
+              <a:t>parkingInfo</a:t>
+            </a:r>
+            <a:r>
+              <a:rPr lang="en-US" altLang="ko-KR" sz="1800" dirty="0"/>
+              <a:t>") %&gt;</a:t>
+            </a:r>
+          </a:p>
+          <a:p>
+            <a:pPr marL="0" indent="0">
+              <a:buNone/>
+            </a:pPr>
+            <a:r>
+              <a:rPr lang="en-US" altLang="ko-KR" sz="1800" dirty="0"/>
+              <a:t>	</a:t>
+            </a:r>
+          </a:p>
+          <a:p>
+            <a:endParaRPr lang="ko-KR" altLang="en-US" sz="1800" dirty="0"/>
           </a:p>
         </p:txBody>
       </p:sp>
     </p:spTree>
     <p:extLst>
       <p:ext uri="{BB962C8B-B14F-4D97-AF65-F5344CB8AC3E}">
-        <p14:creationId xmlns:p14="http://schemas.microsoft.com/office/powerpoint/2010/main" val="3798999474"/>
+        <p14:creationId xmlns:p14="http://schemas.microsoft.com/office/powerpoint/2010/main" val="440446830"/>
       </p:ext>
     </p:extLst>
   </p:cSld>
   <p:clrMapOvr>
     <a:masterClrMapping/>
   </p:clrMapOvr>
-  <p:timing>
-    <p:tnLst>
-      <p:par>
-        <p:cTn id="1" dur="indefinite" restart="never" nodeType="tmRoot"/>
-      </p:par>
-    </p:tnLst>
-  </p:timing>
 </p:sld>
 </file>
 
